--- a/homework/homework_4/images/problem_3/shock_sketch.pptx
+++ b/homework/homework_4/images/problem_3/shock_sketch.pptx
@@ -270,7 +270,7 @@
           <a:p>
             <a:fld id="{B06886F5-9F5B-4F69-8540-D142BD7F19B5}" type="datetimeFigureOut">
               <a:rPr lang="en-US" smtClean="0"/>
-              <a:t>10/24/2022</a:t>
+              <a:t>10/25/2022</a:t>
             </a:fld>
             <a:endParaRPr lang="en-US"/>
           </a:p>
@@ -468,7 +468,7 @@
           <a:p>
             <a:fld id="{B06886F5-9F5B-4F69-8540-D142BD7F19B5}" type="datetimeFigureOut">
               <a:rPr lang="en-US" smtClean="0"/>
-              <a:t>10/24/2022</a:t>
+              <a:t>10/25/2022</a:t>
             </a:fld>
             <a:endParaRPr lang="en-US"/>
           </a:p>
@@ -676,7 +676,7 @@
           <a:p>
             <a:fld id="{B06886F5-9F5B-4F69-8540-D142BD7F19B5}" type="datetimeFigureOut">
               <a:rPr lang="en-US" smtClean="0"/>
-              <a:t>10/24/2022</a:t>
+              <a:t>10/25/2022</a:t>
             </a:fld>
             <a:endParaRPr lang="en-US"/>
           </a:p>
@@ -874,7 +874,7 @@
           <a:p>
             <a:fld id="{B06886F5-9F5B-4F69-8540-D142BD7F19B5}" type="datetimeFigureOut">
               <a:rPr lang="en-US" smtClean="0"/>
-              <a:t>10/24/2022</a:t>
+              <a:t>10/25/2022</a:t>
             </a:fld>
             <a:endParaRPr lang="en-US"/>
           </a:p>
@@ -1149,7 +1149,7 @@
           <a:p>
             <a:fld id="{B06886F5-9F5B-4F69-8540-D142BD7F19B5}" type="datetimeFigureOut">
               <a:rPr lang="en-US" smtClean="0"/>
-              <a:t>10/24/2022</a:t>
+              <a:t>10/25/2022</a:t>
             </a:fld>
             <a:endParaRPr lang="en-US"/>
           </a:p>
@@ -1414,7 +1414,7 @@
           <a:p>
             <a:fld id="{B06886F5-9F5B-4F69-8540-D142BD7F19B5}" type="datetimeFigureOut">
               <a:rPr lang="en-US" smtClean="0"/>
-              <a:t>10/24/2022</a:t>
+              <a:t>10/25/2022</a:t>
             </a:fld>
             <a:endParaRPr lang="en-US"/>
           </a:p>
@@ -1826,7 +1826,7 @@
           <a:p>
             <a:fld id="{B06886F5-9F5B-4F69-8540-D142BD7F19B5}" type="datetimeFigureOut">
               <a:rPr lang="en-US" smtClean="0"/>
-              <a:t>10/24/2022</a:t>
+              <a:t>10/25/2022</a:t>
             </a:fld>
             <a:endParaRPr lang="en-US"/>
           </a:p>
@@ -1967,7 +1967,7 @@
           <a:p>
             <a:fld id="{B06886F5-9F5B-4F69-8540-D142BD7F19B5}" type="datetimeFigureOut">
               <a:rPr lang="en-US" smtClean="0"/>
-              <a:t>10/24/2022</a:t>
+              <a:t>10/25/2022</a:t>
             </a:fld>
             <a:endParaRPr lang="en-US"/>
           </a:p>
@@ -2080,7 +2080,7 @@
           <a:p>
             <a:fld id="{B06886F5-9F5B-4F69-8540-D142BD7F19B5}" type="datetimeFigureOut">
               <a:rPr lang="en-US" smtClean="0"/>
-              <a:t>10/24/2022</a:t>
+              <a:t>10/25/2022</a:t>
             </a:fld>
             <a:endParaRPr lang="en-US"/>
           </a:p>
@@ -2391,7 +2391,7 @@
           <a:p>
             <a:fld id="{B06886F5-9F5B-4F69-8540-D142BD7F19B5}" type="datetimeFigureOut">
               <a:rPr lang="en-US" smtClean="0"/>
-              <a:t>10/24/2022</a:t>
+              <a:t>10/25/2022</a:t>
             </a:fld>
             <a:endParaRPr lang="en-US"/>
           </a:p>
@@ -2679,7 +2679,7 @@
           <a:p>
             <a:fld id="{B06886F5-9F5B-4F69-8540-D142BD7F19B5}" type="datetimeFigureOut">
               <a:rPr lang="en-US" smtClean="0"/>
-              <a:t>10/24/2022</a:t>
+              <a:t>10/25/2022</a:t>
             </a:fld>
             <a:endParaRPr lang="en-US"/>
           </a:p>
@@ -2920,7 +2920,7 @@
           <a:p>
             <a:fld id="{B06886F5-9F5B-4F69-8540-D142BD7F19B5}" type="datetimeFigureOut">
               <a:rPr lang="en-US" smtClean="0"/>
-              <a:t>10/24/2022</a:t>
+              <a:t>10/25/2022</a:t>
             </a:fld>
             <a:endParaRPr lang="en-US"/>
           </a:p>
@@ -3337,906 +3337,886 @@
           <a:chExt cx="0" cy="0"/>
         </a:xfrm>
       </p:grpSpPr>
-      <p:grpSp>
-        <p:nvGrpSpPr>
-          <p:cNvPr id="55" name="Group 54">
+      <p:cxnSp>
+        <p:nvCxnSpPr>
+          <p:cNvPr id="6" name="Straight Connector 5">
             <a:extLst>
               <a:ext uri="{FF2B5EF4-FFF2-40B4-BE49-F238E27FC236}">
-                <a16:creationId xmlns:a16="http://schemas.microsoft.com/office/drawing/2014/main" id="{49225184-2EE6-08B0-93ED-6A377B5B0A53}"/>
+                <a16:creationId xmlns:a16="http://schemas.microsoft.com/office/drawing/2014/main" id="{E908DF04-6C94-48E2-65D8-5793B1FA5084}"/>
               </a:ext>
             </a:extLst>
           </p:cNvPr>
-          <p:cNvGrpSpPr/>
+          <p:cNvCxnSpPr>
+            <a:cxnSpLocks/>
+          </p:cNvCxnSpPr>
           <p:nvPr/>
-        </p:nvGrpSpPr>
-        <p:grpSpPr>
+        </p:nvCxnSpPr>
+        <p:spPr>
           <a:xfrm>
-            <a:off x="783373" y="303020"/>
-            <a:ext cx="3752405" cy="3488588"/>
-            <a:chOff x="783373" y="303020"/>
-            <a:chExt cx="3752405" cy="3488588"/>
+            <a:off x="1685365" y="3581400"/>
+            <a:ext cx="0" cy="0"/>
           </a:xfrm>
-        </p:grpSpPr>
-        <p:cxnSp>
-          <p:nvCxnSpPr>
-            <p:cNvPr id="6" name="Straight Connector 5">
-              <a:extLst>
-                <a:ext uri="{FF2B5EF4-FFF2-40B4-BE49-F238E27FC236}">
-                  <a16:creationId xmlns:a16="http://schemas.microsoft.com/office/drawing/2014/main" id="{E908DF04-6C94-48E2-65D8-5793B1FA5084}"/>
-                </a:ext>
-              </a:extLst>
-            </p:cNvPr>
-            <p:cNvCxnSpPr>
-              <a:cxnSpLocks/>
-            </p:cNvCxnSpPr>
-            <p:nvPr/>
-          </p:nvCxnSpPr>
-          <p:spPr>
-            <a:xfrm>
-              <a:off x="1685365" y="3581400"/>
-              <a:ext cx="0" cy="0"/>
-            </a:xfrm>
-            <a:prstGeom prst="line">
-              <a:avLst/>
-            </a:prstGeom>
-          </p:spPr>
-          <p:style>
-            <a:lnRef idx="1">
-              <a:schemeClr val="accent1"/>
-            </a:lnRef>
-            <a:fillRef idx="0">
-              <a:schemeClr val="accent1"/>
-            </a:fillRef>
-            <a:effectRef idx="0">
-              <a:schemeClr val="accent1"/>
-            </a:effectRef>
-            <a:fontRef idx="minor">
+          <a:prstGeom prst="line">
+            <a:avLst/>
+          </a:prstGeom>
+        </p:spPr>
+        <p:style>
+          <a:lnRef idx="1">
+            <a:schemeClr val="accent1"/>
+          </a:lnRef>
+          <a:fillRef idx="0">
+            <a:schemeClr val="accent1"/>
+          </a:fillRef>
+          <a:effectRef idx="0">
+            <a:schemeClr val="accent1"/>
+          </a:effectRef>
+          <a:fontRef idx="minor">
+            <a:schemeClr val="tx1"/>
+          </a:fontRef>
+        </p:style>
+      </p:cxnSp>
+      <p:cxnSp>
+        <p:nvCxnSpPr>
+          <p:cNvPr id="8" name="Straight Connector 7">
+            <a:extLst>
+              <a:ext uri="{FF2B5EF4-FFF2-40B4-BE49-F238E27FC236}">
+                <a16:creationId xmlns:a16="http://schemas.microsoft.com/office/drawing/2014/main" id="{897276CE-318F-46EE-F7FF-CE52754F94DF}"/>
+              </a:ext>
+            </a:extLst>
+          </p:cNvPr>
+          <p:cNvCxnSpPr/>
+          <p:nvPr/>
+        </p:nvCxnSpPr>
+        <p:spPr>
+          <a:xfrm>
+            <a:off x="1537084" y="679076"/>
+            <a:ext cx="0" cy="2743200"/>
+          </a:xfrm>
+          <a:prstGeom prst="line">
+            <a:avLst/>
+          </a:prstGeom>
+          <a:ln w="19050">
+            <a:solidFill>
               <a:schemeClr val="tx1"/>
-            </a:fontRef>
-          </p:style>
-        </p:cxnSp>
-        <p:cxnSp>
-          <p:nvCxnSpPr>
-            <p:cNvPr id="8" name="Straight Connector 7">
-              <a:extLst>
-                <a:ext uri="{FF2B5EF4-FFF2-40B4-BE49-F238E27FC236}">
-                  <a16:creationId xmlns:a16="http://schemas.microsoft.com/office/drawing/2014/main" id="{897276CE-318F-46EE-F7FF-CE52754F94DF}"/>
-                </a:ext>
-              </a:extLst>
-            </p:cNvPr>
-            <p:cNvCxnSpPr/>
-            <p:nvPr/>
-          </p:nvCxnSpPr>
-          <p:spPr>
-            <a:xfrm>
-              <a:off x="1537084" y="679076"/>
-              <a:ext cx="0" cy="2743200"/>
-            </a:xfrm>
-            <a:prstGeom prst="line">
-              <a:avLst/>
-            </a:prstGeom>
-            <a:ln w="19050">
-              <a:solidFill>
-                <a:schemeClr val="tx1"/>
-              </a:solidFill>
-            </a:ln>
-          </p:spPr>
-          <p:style>
-            <a:lnRef idx="1">
-              <a:schemeClr val="accent1"/>
-            </a:lnRef>
-            <a:fillRef idx="0">
-              <a:schemeClr val="accent1"/>
-            </a:fillRef>
-            <a:effectRef idx="0">
-              <a:schemeClr val="accent1"/>
-            </a:effectRef>
-            <a:fontRef idx="minor">
+            </a:solidFill>
+          </a:ln>
+        </p:spPr>
+        <p:style>
+          <a:lnRef idx="1">
+            <a:schemeClr val="accent1"/>
+          </a:lnRef>
+          <a:fillRef idx="0">
+            <a:schemeClr val="accent1"/>
+          </a:fillRef>
+          <a:effectRef idx="0">
+            <a:schemeClr val="accent1"/>
+          </a:effectRef>
+          <a:fontRef idx="minor">
+            <a:schemeClr val="tx1"/>
+          </a:fontRef>
+        </p:style>
+      </p:cxnSp>
+      <p:cxnSp>
+        <p:nvCxnSpPr>
+          <p:cNvPr id="9" name="Straight Connector 8">
+            <a:extLst>
+              <a:ext uri="{FF2B5EF4-FFF2-40B4-BE49-F238E27FC236}">
+                <a16:creationId xmlns:a16="http://schemas.microsoft.com/office/drawing/2014/main" id="{B9E1F69A-5FCA-FF6F-FF4A-4375E4DF65C0}"/>
+              </a:ext>
+            </a:extLst>
+          </p:cNvPr>
+          <p:cNvCxnSpPr>
+            <a:cxnSpLocks/>
+          </p:cNvCxnSpPr>
+          <p:nvPr/>
+        </p:nvCxnSpPr>
+        <p:spPr>
+          <a:xfrm flipH="1">
+            <a:off x="1537084" y="3429000"/>
+            <a:ext cx="2743200" cy="0"/>
+          </a:xfrm>
+          <a:prstGeom prst="line">
+            <a:avLst/>
+          </a:prstGeom>
+          <a:ln w="19050">
+            <a:solidFill>
               <a:schemeClr val="tx1"/>
-            </a:fontRef>
-          </p:style>
-        </p:cxnSp>
-        <p:cxnSp>
-          <p:nvCxnSpPr>
-            <p:cNvPr id="9" name="Straight Connector 8">
-              <a:extLst>
-                <a:ext uri="{FF2B5EF4-FFF2-40B4-BE49-F238E27FC236}">
-                  <a16:creationId xmlns:a16="http://schemas.microsoft.com/office/drawing/2014/main" id="{B9E1F69A-5FCA-FF6F-FF4A-4375E4DF65C0}"/>
-                </a:ext>
-              </a:extLst>
-            </p:cNvPr>
-            <p:cNvCxnSpPr>
-              <a:cxnSpLocks/>
-            </p:cNvCxnSpPr>
-            <p:nvPr/>
-          </p:nvCxnSpPr>
-          <p:spPr>
-            <a:xfrm flipH="1">
-              <a:off x="1537084" y="3429000"/>
-              <a:ext cx="2743200" cy="0"/>
-            </a:xfrm>
-            <a:prstGeom prst="line">
-              <a:avLst/>
-            </a:prstGeom>
-            <a:ln w="19050">
-              <a:solidFill>
-                <a:schemeClr val="tx1"/>
-              </a:solidFill>
-            </a:ln>
-          </p:spPr>
-          <p:style>
-            <a:lnRef idx="1">
-              <a:schemeClr val="accent1"/>
-            </a:lnRef>
-            <a:fillRef idx="0">
-              <a:schemeClr val="accent1"/>
-            </a:fillRef>
-            <a:effectRef idx="0">
-              <a:schemeClr val="accent1"/>
-            </a:effectRef>
-            <a:fontRef idx="minor">
+            </a:solidFill>
+          </a:ln>
+        </p:spPr>
+        <p:style>
+          <a:lnRef idx="1">
+            <a:schemeClr val="accent1"/>
+          </a:lnRef>
+          <a:fillRef idx="0">
+            <a:schemeClr val="accent1"/>
+          </a:fillRef>
+          <a:effectRef idx="0">
+            <a:schemeClr val="accent1"/>
+          </a:effectRef>
+          <a:fontRef idx="minor">
+            <a:schemeClr val="tx1"/>
+          </a:fontRef>
+        </p:style>
+      </p:cxnSp>
+      <p:sp>
+        <p:nvSpPr>
+          <p:cNvPr id="11" name="TextBox 10">
+            <a:extLst>
+              <a:ext uri="{FF2B5EF4-FFF2-40B4-BE49-F238E27FC236}">
+                <a16:creationId xmlns:a16="http://schemas.microsoft.com/office/drawing/2014/main" id="{C3239913-8B81-06DE-6930-381D9DB4C47D}"/>
+              </a:ext>
+            </a:extLst>
+          </p:cNvPr>
+          <p:cNvSpPr txBox="1"/>
+          <p:nvPr/>
+        </p:nvSpPr>
+        <p:spPr>
+          <a:xfrm>
+            <a:off x="1281590" y="303020"/>
+            <a:ext cx="255494" cy="369332"/>
+          </a:xfrm>
+          <a:prstGeom prst="rect">
+            <a:avLst/>
+          </a:prstGeom>
+          <a:noFill/>
+        </p:spPr>
+        <p:txBody>
+          <a:bodyPr wrap="square" rtlCol="0">
+            <a:spAutoFit/>
+          </a:bodyPr>
+          <a:lstStyle/>
+          <a:p>
+            <a:r>
+              <a:rPr lang="en-US" dirty="0"/>
+              <a:t>y</a:t>
+            </a:r>
+          </a:p>
+        </p:txBody>
+      </p:sp>
+      <p:sp>
+        <p:nvSpPr>
+          <p:cNvPr id="12" name="TextBox 11">
+            <a:extLst>
+              <a:ext uri="{FF2B5EF4-FFF2-40B4-BE49-F238E27FC236}">
+                <a16:creationId xmlns:a16="http://schemas.microsoft.com/office/drawing/2014/main" id="{99F2EF59-3994-1B2F-E916-C278BBF15AF3}"/>
+              </a:ext>
+            </a:extLst>
+          </p:cNvPr>
+          <p:cNvSpPr txBox="1"/>
+          <p:nvPr/>
+        </p:nvSpPr>
+        <p:spPr>
+          <a:xfrm>
+            <a:off x="4280284" y="3422276"/>
+            <a:ext cx="255494" cy="369332"/>
+          </a:xfrm>
+          <a:prstGeom prst="rect">
+            <a:avLst/>
+          </a:prstGeom>
+          <a:noFill/>
+        </p:spPr>
+        <p:txBody>
+          <a:bodyPr wrap="square" rtlCol="0">
+            <a:spAutoFit/>
+          </a:bodyPr>
+          <a:lstStyle/>
+          <a:p>
+            <a:r>
+              <a:rPr lang="el-GR" dirty="0"/>
+              <a:t>β</a:t>
+            </a:r>
+            <a:endParaRPr lang="en-US" dirty="0"/>
+          </a:p>
+        </p:txBody>
+      </p:sp>
+      <p:cxnSp>
+        <p:nvCxnSpPr>
+          <p:cNvPr id="15" name="Straight Connector 14">
+            <a:extLst>
+              <a:ext uri="{FF2B5EF4-FFF2-40B4-BE49-F238E27FC236}">
+                <a16:creationId xmlns:a16="http://schemas.microsoft.com/office/drawing/2014/main" id="{EE0DF5F1-5C91-E637-4B59-4E99B50D36C0}"/>
+              </a:ext>
+            </a:extLst>
+          </p:cNvPr>
+          <p:cNvCxnSpPr>
+            <a:cxnSpLocks/>
+          </p:cNvCxnSpPr>
+          <p:nvPr/>
+        </p:nvCxnSpPr>
+        <p:spPr>
+          <a:xfrm flipH="1">
+            <a:off x="1409337" y="2971800"/>
+            <a:ext cx="127747" cy="0"/>
+          </a:xfrm>
+          <a:prstGeom prst="line">
+            <a:avLst/>
+          </a:prstGeom>
+          <a:ln w="19050">
+            <a:solidFill>
               <a:schemeClr val="tx1"/>
-            </a:fontRef>
-          </p:style>
-        </p:cxnSp>
-        <p:sp>
-          <p:nvSpPr>
-            <p:cNvPr id="11" name="TextBox 10">
-              <a:extLst>
-                <a:ext uri="{FF2B5EF4-FFF2-40B4-BE49-F238E27FC236}">
-                  <a16:creationId xmlns:a16="http://schemas.microsoft.com/office/drawing/2014/main" id="{C3239913-8B81-06DE-6930-381D9DB4C47D}"/>
-                </a:ext>
-              </a:extLst>
-            </p:cNvPr>
-            <p:cNvSpPr txBox="1"/>
-            <p:nvPr/>
-          </p:nvSpPr>
-          <p:spPr>
-            <a:xfrm>
-              <a:off x="1281590" y="303020"/>
-              <a:ext cx="255494" cy="369332"/>
-            </a:xfrm>
-            <a:prstGeom prst="rect">
-              <a:avLst/>
-            </a:prstGeom>
-            <a:noFill/>
-          </p:spPr>
-          <p:txBody>
-            <a:bodyPr wrap="square" rtlCol="0">
-              <a:spAutoFit/>
-            </a:bodyPr>
-            <a:lstStyle/>
-            <a:p>
-              <a:r>
-                <a:rPr lang="en-US" dirty="0"/>
-                <a:t>y</a:t>
-              </a:r>
-            </a:p>
-          </p:txBody>
-        </p:sp>
-        <p:sp>
-          <p:nvSpPr>
-            <p:cNvPr id="12" name="TextBox 11">
-              <a:extLst>
-                <a:ext uri="{FF2B5EF4-FFF2-40B4-BE49-F238E27FC236}">
-                  <a16:creationId xmlns:a16="http://schemas.microsoft.com/office/drawing/2014/main" id="{99F2EF59-3994-1B2F-E916-C278BBF15AF3}"/>
-                </a:ext>
-              </a:extLst>
-            </p:cNvPr>
-            <p:cNvSpPr txBox="1"/>
-            <p:nvPr/>
-          </p:nvSpPr>
-          <p:spPr>
-            <a:xfrm>
-              <a:off x="4280284" y="3422276"/>
-              <a:ext cx="255494" cy="369332"/>
-            </a:xfrm>
-            <a:prstGeom prst="rect">
-              <a:avLst/>
-            </a:prstGeom>
-            <a:noFill/>
-          </p:spPr>
-          <p:txBody>
-            <a:bodyPr wrap="square" rtlCol="0">
-              <a:spAutoFit/>
-            </a:bodyPr>
-            <a:lstStyle/>
-            <a:p>
-              <a:r>
-                <a:rPr lang="el-GR" dirty="0"/>
-                <a:t>β</a:t>
-              </a:r>
-              <a:endParaRPr lang="en-US" dirty="0"/>
-            </a:p>
-          </p:txBody>
-        </p:sp>
-        <p:cxnSp>
-          <p:nvCxnSpPr>
-            <p:cNvPr id="15" name="Straight Connector 14">
-              <a:extLst>
-                <a:ext uri="{FF2B5EF4-FFF2-40B4-BE49-F238E27FC236}">
-                  <a16:creationId xmlns:a16="http://schemas.microsoft.com/office/drawing/2014/main" id="{EE0DF5F1-5C91-E637-4B59-4E99B50D36C0}"/>
-                </a:ext>
-              </a:extLst>
-            </p:cNvPr>
-            <p:cNvCxnSpPr>
-              <a:cxnSpLocks/>
-            </p:cNvCxnSpPr>
-            <p:nvPr/>
-          </p:nvCxnSpPr>
-          <p:spPr>
-            <a:xfrm flipH="1">
-              <a:off x="1409337" y="2971800"/>
-              <a:ext cx="127747" cy="0"/>
-            </a:xfrm>
-            <a:prstGeom prst="line">
-              <a:avLst/>
-            </a:prstGeom>
-            <a:ln w="19050">
-              <a:solidFill>
-                <a:schemeClr val="tx1"/>
-              </a:solidFill>
-            </a:ln>
-          </p:spPr>
-          <p:style>
-            <a:lnRef idx="1">
-              <a:schemeClr val="accent1"/>
-            </a:lnRef>
-            <a:fillRef idx="0">
-              <a:schemeClr val="accent1"/>
-            </a:fillRef>
-            <a:effectRef idx="0">
-              <a:schemeClr val="accent1"/>
-            </a:effectRef>
-            <a:fontRef idx="minor">
+            </a:solidFill>
+          </a:ln>
+        </p:spPr>
+        <p:style>
+          <a:lnRef idx="1">
+            <a:schemeClr val="accent1"/>
+          </a:lnRef>
+          <a:fillRef idx="0">
+            <a:schemeClr val="accent1"/>
+          </a:fillRef>
+          <a:effectRef idx="0">
+            <a:schemeClr val="accent1"/>
+          </a:effectRef>
+          <a:fontRef idx="minor">
+            <a:schemeClr val="tx1"/>
+          </a:fontRef>
+        </p:style>
+      </p:cxnSp>
+      <p:cxnSp>
+        <p:nvCxnSpPr>
+          <p:cNvPr id="17" name="Straight Connector 16">
+            <a:extLst>
+              <a:ext uri="{FF2B5EF4-FFF2-40B4-BE49-F238E27FC236}">
+                <a16:creationId xmlns:a16="http://schemas.microsoft.com/office/drawing/2014/main" id="{E026C051-35FB-F2ED-70AB-1AE0786CBE89}"/>
+              </a:ext>
+            </a:extLst>
+          </p:cNvPr>
+          <p:cNvCxnSpPr>
+            <a:cxnSpLocks/>
+          </p:cNvCxnSpPr>
+          <p:nvPr/>
+        </p:nvCxnSpPr>
+        <p:spPr>
+          <a:xfrm flipH="1">
+            <a:off x="1408176" y="1143000"/>
+            <a:ext cx="127747" cy="0"/>
+          </a:xfrm>
+          <a:prstGeom prst="line">
+            <a:avLst/>
+          </a:prstGeom>
+          <a:ln w="19050">
+            <a:solidFill>
               <a:schemeClr val="tx1"/>
-            </a:fontRef>
-          </p:style>
-        </p:cxnSp>
-        <p:cxnSp>
-          <p:nvCxnSpPr>
-            <p:cNvPr id="17" name="Straight Connector 16">
-              <a:extLst>
-                <a:ext uri="{FF2B5EF4-FFF2-40B4-BE49-F238E27FC236}">
-                  <a16:creationId xmlns:a16="http://schemas.microsoft.com/office/drawing/2014/main" id="{E026C051-35FB-F2ED-70AB-1AE0786CBE89}"/>
-                </a:ext>
-              </a:extLst>
-            </p:cNvPr>
-            <p:cNvCxnSpPr>
-              <a:cxnSpLocks/>
-            </p:cNvCxnSpPr>
-            <p:nvPr/>
-          </p:nvCxnSpPr>
-          <p:spPr>
-            <a:xfrm flipH="1">
-              <a:off x="1408176" y="1143000"/>
-              <a:ext cx="127747" cy="0"/>
-            </a:xfrm>
-            <a:prstGeom prst="line">
-              <a:avLst/>
-            </a:prstGeom>
-            <a:ln w="19050">
-              <a:solidFill>
-                <a:schemeClr val="tx1"/>
-              </a:solidFill>
-            </a:ln>
-          </p:spPr>
-          <p:style>
-            <a:lnRef idx="1">
-              <a:schemeClr val="accent1"/>
-            </a:lnRef>
-            <a:fillRef idx="0">
-              <a:schemeClr val="accent1"/>
-            </a:fillRef>
-            <a:effectRef idx="0">
-              <a:schemeClr val="accent1"/>
-            </a:effectRef>
-            <a:fontRef idx="minor">
+            </a:solidFill>
+          </a:ln>
+        </p:spPr>
+        <p:style>
+          <a:lnRef idx="1">
+            <a:schemeClr val="accent1"/>
+          </a:lnRef>
+          <a:fillRef idx="0">
+            <a:schemeClr val="accent1"/>
+          </a:fillRef>
+          <a:effectRef idx="0">
+            <a:schemeClr val="accent1"/>
+          </a:effectRef>
+          <a:fontRef idx="minor">
+            <a:schemeClr val="tx1"/>
+          </a:fontRef>
+        </p:style>
+      </p:cxnSp>
+      <p:cxnSp>
+        <p:nvCxnSpPr>
+          <p:cNvPr id="18" name="Straight Connector 17">
+            <a:extLst>
+              <a:ext uri="{FF2B5EF4-FFF2-40B4-BE49-F238E27FC236}">
+                <a16:creationId xmlns:a16="http://schemas.microsoft.com/office/drawing/2014/main" id="{784B49AE-192C-75A8-F480-9EDD97F23EF6}"/>
+              </a:ext>
+            </a:extLst>
+          </p:cNvPr>
+          <p:cNvCxnSpPr>
+            <a:cxnSpLocks/>
+          </p:cNvCxnSpPr>
+          <p:nvPr/>
+        </p:nvCxnSpPr>
+        <p:spPr>
+          <a:xfrm flipH="1">
+            <a:off x="1408176" y="685800"/>
+            <a:ext cx="127747" cy="0"/>
+          </a:xfrm>
+          <a:prstGeom prst="line">
+            <a:avLst/>
+          </a:prstGeom>
+          <a:ln w="19050">
+            <a:solidFill>
               <a:schemeClr val="tx1"/>
-            </a:fontRef>
-          </p:style>
-        </p:cxnSp>
-        <p:cxnSp>
-          <p:nvCxnSpPr>
-            <p:cNvPr id="18" name="Straight Connector 17">
-              <a:extLst>
-                <a:ext uri="{FF2B5EF4-FFF2-40B4-BE49-F238E27FC236}">
-                  <a16:creationId xmlns:a16="http://schemas.microsoft.com/office/drawing/2014/main" id="{784B49AE-192C-75A8-F480-9EDD97F23EF6}"/>
-                </a:ext>
-              </a:extLst>
-            </p:cNvPr>
-            <p:cNvCxnSpPr>
-              <a:cxnSpLocks/>
-            </p:cNvCxnSpPr>
-            <p:nvPr/>
-          </p:nvCxnSpPr>
-          <p:spPr>
-            <a:xfrm flipH="1">
-              <a:off x="1408176" y="685800"/>
-              <a:ext cx="127747" cy="0"/>
-            </a:xfrm>
-            <a:prstGeom prst="line">
-              <a:avLst/>
-            </a:prstGeom>
-            <a:ln w="19050">
-              <a:solidFill>
-                <a:schemeClr val="tx1"/>
-              </a:solidFill>
-            </a:ln>
-          </p:spPr>
-          <p:style>
-            <a:lnRef idx="1">
-              <a:schemeClr val="accent1"/>
-            </a:lnRef>
-            <a:fillRef idx="0">
-              <a:schemeClr val="accent1"/>
-            </a:fillRef>
-            <a:effectRef idx="0">
-              <a:schemeClr val="accent1"/>
-            </a:effectRef>
-            <a:fontRef idx="minor">
+            </a:solidFill>
+          </a:ln>
+        </p:spPr>
+        <p:style>
+          <a:lnRef idx="1">
+            <a:schemeClr val="accent1"/>
+          </a:lnRef>
+          <a:fillRef idx="0">
+            <a:schemeClr val="accent1"/>
+          </a:fillRef>
+          <a:effectRef idx="0">
+            <a:schemeClr val="accent1"/>
+          </a:effectRef>
+          <a:fontRef idx="minor">
+            <a:schemeClr val="tx1"/>
+          </a:fontRef>
+        </p:style>
+      </p:cxnSp>
+      <p:cxnSp>
+        <p:nvCxnSpPr>
+          <p:cNvPr id="19" name="Straight Connector 18">
+            <a:extLst>
+              <a:ext uri="{FF2B5EF4-FFF2-40B4-BE49-F238E27FC236}">
+                <a16:creationId xmlns:a16="http://schemas.microsoft.com/office/drawing/2014/main" id="{07676CCC-0C47-FEED-193C-5B244DCB8F06}"/>
+              </a:ext>
+            </a:extLst>
+          </p:cNvPr>
+          <p:cNvCxnSpPr>
+            <a:cxnSpLocks/>
+          </p:cNvCxnSpPr>
+          <p:nvPr/>
+        </p:nvCxnSpPr>
+        <p:spPr>
+          <a:xfrm flipH="1">
+            <a:off x="1404177" y="3429000"/>
+            <a:ext cx="127747" cy="0"/>
+          </a:xfrm>
+          <a:prstGeom prst="line">
+            <a:avLst/>
+          </a:prstGeom>
+          <a:ln w="19050">
+            <a:solidFill>
               <a:schemeClr val="tx1"/>
-            </a:fontRef>
-          </p:style>
-        </p:cxnSp>
-        <p:cxnSp>
-          <p:nvCxnSpPr>
-            <p:cNvPr id="19" name="Straight Connector 18">
-              <a:extLst>
-                <a:ext uri="{FF2B5EF4-FFF2-40B4-BE49-F238E27FC236}">
-                  <a16:creationId xmlns:a16="http://schemas.microsoft.com/office/drawing/2014/main" id="{07676CCC-0C47-FEED-193C-5B244DCB8F06}"/>
-                </a:ext>
-              </a:extLst>
-            </p:cNvPr>
-            <p:cNvCxnSpPr>
-              <a:cxnSpLocks/>
-            </p:cNvCxnSpPr>
-            <p:nvPr/>
-          </p:nvCxnSpPr>
-          <p:spPr>
-            <a:xfrm flipH="1">
-              <a:off x="1404177" y="3429000"/>
-              <a:ext cx="127747" cy="0"/>
-            </a:xfrm>
-            <a:prstGeom prst="line">
-              <a:avLst/>
-            </a:prstGeom>
-            <a:ln w="19050">
-              <a:solidFill>
-                <a:schemeClr val="tx1"/>
-              </a:solidFill>
-            </a:ln>
-          </p:spPr>
-          <p:style>
-            <a:lnRef idx="1">
-              <a:schemeClr val="accent1"/>
-            </a:lnRef>
-            <a:fillRef idx="0">
-              <a:schemeClr val="accent1"/>
-            </a:fillRef>
-            <a:effectRef idx="0">
-              <a:schemeClr val="accent1"/>
-            </a:effectRef>
-            <a:fontRef idx="minor">
+            </a:solidFill>
+          </a:ln>
+        </p:spPr>
+        <p:style>
+          <a:lnRef idx="1">
+            <a:schemeClr val="accent1"/>
+          </a:lnRef>
+          <a:fillRef idx="0">
+            <a:schemeClr val="accent1"/>
+          </a:fillRef>
+          <a:effectRef idx="0">
+            <a:schemeClr val="accent1"/>
+          </a:effectRef>
+          <a:fontRef idx="minor">
+            <a:schemeClr val="tx1"/>
+          </a:fontRef>
+        </p:style>
+      </p:cxnSp>
+      <p:sp>
+        <p:nvSpPr>
+          <p:cNvPr id="21" name="TextBox 20">
+            <a:extLst>
+              <a:ext uri="{FF2B5EF4-FFF2-40B4-BE49-F238E27FC236}">
+                <a16:creationId xmlns:a16="http://schemas.microsoft.com/office/drawing/2014/main" id="{B316C7ED-99E8-D2B2-7913-582675B326EC}"/>
+              </a:ext>
+            </a:extLst>
+          </p:cNvPr>
+          <p:cNvSpPr txBox="1"/>
+          <p:nvPr/>
+        </p:nvSpPr>
+        <p:spPr>
+          <a:xfrm>
+            <a:off x="942774" y="3237610"/>
+            <a:ext cx="255494" cy="369332"/>
+          </a:xfrm>
+          <a:prstGeom prst="rect">
+            <a:avLst/>
+          </a:prstGeom>
+          <a:noFill/>
+        </p:spPr>
+        <p:txBody>
+          <a:bodyPr wrap="square" rtlCol="0">
+            <a:spAutoFit/>
+          </a:bodyPr>
+          <a:lstStyle/>
+          <a:p>
+            <a:r>
+              <a:rPr lang="en-US" dirty="0"/>
+              <a:t>0</a:t>
+            </a:r>
+          </a:p>
+        </p:txBody>
+      </p:sp>
+      <p:sp>
+        <p:nvSpPr>
+          <p:cNvPr id="22" name="TextBox 21">
+            <a:extLst>
+              <a:ext uri="{FF2B5EF4-FFF2-40B4-BE49-F238E27FC236}">
+                <a16:creationId xmlns:a16="http://schemas.microsoft.com/office/drawing/2014/main" id="{7F25DCF5-5510-CA91-A585-491150AC37DA}"/>
+              </a:ext>
+            </a:extLst>
+          </p:cNvPr>
+          <p:cNvSpPr txBox="1"/>
+          <p:nvPr/>
+        </p:nvSpPr>
+        <p:spPr>
+          <a:xfrm>
+            <a:off x="950815" y="2787134"/>
+            <a:ext cx="255494" cy="369332"/>
+          </a:xfrm>
+          <a:prstGeom prst="rect">
+            <a:avLst/>
+          </a:prstGeom>
+          <a:noFill/>
+        </p:spPr>
+        <p:txBody>
+          <a:bodyPr wrap="square" rtlCol="0">
+            <a:spAutoFit/>
+          </a:bodyPr>
+          <a:lstStyle/>
+          <a:p>
+            <a:r>
+              <a:rPr lang="el-GR" dirty="0"/>
+              <a:t>δ</a:t>
+            </a:r>
+            <a:endParaRPr lang="en-US" dirty="0"/>
+          </a:p>
+        </p:txBody>
+      </p:sp>
+      <p:sp>
+        <p:nvSpPr>
+          <p:cNvPr id="24" name="TextBox 23">
+            <a:extLst>
+              <a:ext uri="{FF2B5EF4-FFF2-40B4-BE49-F238E27FC236}">
+                <a16:creationId xmlns:a16="http://schemas.microsoft.com/office/drawing/2014/main" id="{372C46F9-E6D8-B0CE-F64D-5E94A071CC04}"/>
+              </a:ext>
+            </a:extLst>
+          </p:cNvPr>
+          <p:cNvSpPr txBox="1"/>
+          <p:nvPr/>
+        </p:nvSpPr>
+        <p:spPr>
+          <a:xfrm>
+            <a:off x="783373" y="958334"/>
+            <a:ext cx="574296" cy="369332"/>
+          </a:xfrm>
+          <a:prstGeom prst="rect">
+            <a:avLst/>
+          </a:prstGeom>
+          <a:noFill/>
+        </p:spPr>
+        <p:txBody>
+          <a:bodyPr wrap="square" rtlCol="0">
+            <a:spAutoFit/>
+          </a:bodyPr>
+          <a:lstStyle/>
+          <a:p>
+            <a:r>
+              <a:rPr lang="en-US" dirty="0"/>
+              <a:t>H-</a:t>
+            </a:r>
+            <a:r>
+              <a:rPr lang="el-GR" dirty="0"/>
+              <a:t>δ</a:t>
+            </a:r>
+            <a:endParaRPr lang="en-US" dirty="0"/>
+          </a:p>
+        </p:txBody>
+      </p:sp>
+      <p:sp>
+        <p:nvSpPr>
+          <p:cNvPr id="25" name="TextBox 24">
+            <a:extLst>
+              <a:ext uri="{FF2B5EF4-FFF2-40B4-BE49-F238E27FC236}">
+                <a16:creationId xmlns:a16="http://schemas.microsoft.com/office/drawing/2014/main" id="{195E3A9C-71D7-0A6D-CC2C-44FE3721CDEE}"/>
+              </a:ext>
+            </a:extLst>
+          </p:cNvPr>
+          <p:cNvSpPr txBox="1"/>
+          <p:nvPr/>
+        </p:nvSpPr>
+        <p:spPr>
+          <a:xfrm>
+            <a:off x="942774" y="504261"/>
+            <a:ext cx="255493" cy="369332"/>
+          </a:xfrm>
+          <a:prstGeom prst="rect">
+            <a:avLst/>
+          </a:prstGeom>
+          <a:noFill/>
+        </p:spPr>
+        <p:txBody>
+          <a:bodyPr wrap="square" rtlCol="0">
+            <a:spAutoFit/>
+          </a:bodyPr>
+          <a:lstStyle/>
+          <a:p>
+            <a:r>
+              <a:rPr lang="en-US" dirty="0"/>
+              <a:t>H</a:t>
+            </a:r>
+          </a:p>
+        </p:txBody>
+      </p:sp>
+      <p:cxnSp>
+        <p:nvCxnSpPr>
+          <p:cNvPr id="26" name="Straight Connector 25">
+            <a:extLst>
+              <a:ext uri="{FF2B5EF4-FFF2-40B4-BE49-F238E27FC236}">
+                <a16:creationId xmlns:a16="http://schemas.microsoft.com/office/drawing/2014/main" id="{F734366B-F996-1735-BEBE-37C6D185C099}"/>
+              </a:ext>
+            </a:extLst>
+          </p:cNvPr>
+          <p:cNvCxnSpPr>
+            <a:cxnSpLocks/>
+          </p:cNvCxnSpPr>
+          <p:nvPr/>
+        </p:nvCxnSpPr>
+        <p:spPr>
+          <a:xfrm flipV="1">
+            <a:off x="1536642" y="3422276"/>
+            <a:ext cx="0" cy="128016"/>
+          </a:xfrm>
+          <a:prstGeom prst="line">
+            <a:avLst/>
+          </a:prstGeom>
+          <a:ln w="19050">
+            <a:solidFill>
               <a:schemeClr val="tx1"/>
-            </a:fontRef>
-          </p:style>
-        </p:cxnSp>
-        <p:sp>
-          <p:nvSpPr>
-            <p:cNvPr id="21" name="TextBox 20">
-              <a:extLst>
-                <a:ext uri="{FF2B5EF4-FFF2-40B4-BE49-F238E27FC236}">
-                  <a16:creationId xmlns:a16="http://schemas.microsoft.com/office/drawing/2014/main" id="{B316C7ED-99E8-D2B2-7913-582675B326EC}"/>
-                </a:ext>
-              </a:extLst>
-            </p:cNvPr>
-            <p:cNvSpPr txBox="1"/>
-            <p:nvPr/>
-          </p:nvSpPr>
-          <p:spPr>
-            <a:xfrm>
-              <a:off x="942774" y="3237610"/>
-              <a:ext cx="255494" cy="369332"/>
-            </a:xfrm>
-            <a:prstGeom prst="rect">
-              <a:avLst/>
-            </a:prstGeom>
-            <a:noFill/>
-          </p:spPr>
-          <p:txBody>
-            <a:bodyPr wrap="square" rtlCol="0">
-              <a:spAutoFit/>
-            </a:bodyPr>
-            <a:lstStyle/>
-            <a:p>
-              <a:r>
-                <a:rPr lang="en-US" dirty="0"/>
-                <a:t>0</a:t>
-              </a:r>
-            </a:p>
-          </p:txBody>
-        </p:sp>
-        <p:sp>
-          <p:nvSpPr>
-            <p:cNvPr id="22" name="TextBox 21">
-              <a:extLst>
-                <a:ext uri="{FF2B5EF4-FFF2-40B4-BE49-F238E27FC236}">
-                  <a16:creationId xmlns:a16="http://schemas.microsoft.com/office/drawing/2014/main" id="{7F25DCF5-5510-CA91-A585-491150AC37DA}"/>
-                </a:ext>
-              </a:extLst>
-            </p:cNvPr>
-            <p:cNvSpPr txBox="1"/>
-            <p:nvPr/>
-          </p:nvSpPr>
-          <p:spPr>
-            <a:xfrm>
-              <a:off x="950815" y="2787134"/>
-              <a:ext cx="255494" cy="369332"/>
-            </a:xfrm>
-            <a:prstGeom prst="rect">
-              <a:avLst/>
-            </a:prstGeom>
-            <a:noFill/>
-          </p:spPr>
-          <p:txBody>
-            <a:bodyPr wrap="square" rtlCol="0">
-              <a:spAutoFit/>
-            </a:bodyPr>
-            <a:lstStyle/>
-            <a:p>
-              <a:r>
-                <a:rPr lang="el-GR" dirty="0"/>
-                <a:t>δ</a:t>
-              </a:r>
-              <a:endParaRPr lang="en-US" dirty="0"/>
-            </a:p>
-          </p:txBody>
-        </p:sp>
-        <p:sp>
-          <p:nvSpPr>
-            <p:cNvPr id="24" name="TextBox 23">
-              <a:extLst>
-                <a:ext uri="{FF2B5EF4-FFF2-40B4-BE49-F238E27FC236}">
-                  <a16:creationId xmlns:a16="http://schemas.microsoft.com/office/drawing/2014/main" id="{372C46F9-E6D8-B0CE-F64D-5E94A071CC04}"/>
-                </a:ext>
-              </a:extLst>
-            </p:cNvPr>
-            <p:cNvSpPr txBox="1"/>
-            <p:nvPr/>
-          </p:nvSpPr>
-          <p:spPr>
-            <a:xfrm>
-              <a:off x="783373" y="958334"/>
-              <a:ext cx="574296" cy="369332"/>
-            </a:xfrm>
-            <a:prstGeom prst="rect">
-              <a:avLst/>
-            </a:prstGeom>
-            <a:noFill/>
-          </p:spPr>
-          <p:txBody>
-            <a:bodyPr wrap="square" rtlCol="0">
-              <a:spAutoFit/>
-            </a:bodyPr>
-            <a:lstStyle/>
-            <a:p>
-              <a:r>
-                <a:rPr lang="en-US" dirty="0"/>
-                <a:t>H-</a:t>
-              </a:r>
-              <a:r>
-                <a:rPr lang="el-GR" dirty="0"/>
-                <a:t>δ</a:t>
-              </a:r>
-              <a:endParaRPr lang="en-US" dirty="0"/>
-            </a:p>
-          </p:txBody>
-        </p:sp>
-        <p:sp>
-          <p:nvSpPr>
-            <p:cNvPr id="25" name="TextBox 24">
-              <a:extLst>
-                <a:ext uri="{FF2B5EF4-FFF2-40B4-BE49-F238E27FC236}">
-                  <a16:creationId xmlns:a16="http://schemas.microsoft.com/office/drawing/2014/main" id="{195E3A9C-71D7-0A6D-CC2C-44FE3721CDEE}"/>
-                </a:ext>
-              </a:extLst>
-            </p:cNvPr>
-            <p:cNvSpPr txBox="1"/>
-            <p:nvPr/>
-          </p:nvSpPr>
-          <p:spPr>
-            <a:xfrm>
-              <a:off x="942774" y="504261"/>
-              <a:ext cx="255493" cy="369332"/>
-            </a:xfrm>
-            <a:prstGeom prst="rect">
-              <a:avLst/>
-            </a:prstGeom>
-            <a:noFill/>
-          </p:spPr>
-          <p:txBody>
-            <a:bodyPr wrap="square" rtlCol="0">
-              <a:spAutoFit/>
-            </a:bodyPr>
-            <a:lstStyle/>
-            <a:p>
-              <a:r>
-                <a:rPr lang="en-US" dirty="0"/>
-                <a:t>H</a:t>
-              </a:r>
-            </a:p>
-          </p:txBody>
-        </p:sp>
-        <p:cxnSp>
-          <p:nvCxnSpPr>
-            <p:cNvPr id="26" name="Straight Connector 25">
-              <a:extLst>
-                <a:ext uri="{FF2B5EF4-FFF2-40B4-BE49-F238E27FC236}">
-                  <a16:creationId xmlns:a16="http://schemas.microsoft.com/office/drawing/2014/main" id="{F734366B-F996-1735-BEBE-37C6D185C099}"/>
-                </a:ext>
-              </a:extLst>
-            </p:cNvPr>
-            <p:cNvCxnSpPr>
-              <a:cxnSpLocks/>
-            </p:cNvCxnSpPr>
-            <p:nvPr/>
-          </p:nvCxnSpPr>
-          <p:spPr>
-            <a:xfrm flipV="1">
-              <a:off x="1536642" y="3422276"/>
-              <a:ext cx="0" cy="128016"/>
-            </a:xfrm>
-            <a:prstGeom prst="line">
-              <a:avLst/>
-            </a:prstGeom>
-            <a:ln w="19050">
-              <a:solidFill>
-                <a:schemeClr val="tx1"/>
-              </a:solidFill>
-            </a:ln>
-          </p:spPr>
-          <p:style>
-            <a:lnRef idx="1">
-              <a:schemeClr val="accent1"/>
-            </a:lnRef>
-            <a:fillRef idx="0">
-              <a:schemeClr val="accent1"/>
-            </a:fillRef>
-            <a:effectRef idx="0">
-              <a:schemeClr val="accent1"/>
-            </a:effectRef>
-            <a:fontRef idx="minor">
+            </a:solidFill>
+          </a:ln>
+        </p:spPr>
+        <p:style>
+          <a:lnRef idx="1">
+            <a:schemeClr val="accent1"/>
+          </a:lnRef>
+          <a:fillRef idx="0">
+            <a:schemeClr val="accent1"/>
+          </a:fillRef>
+          <a:effectRef idx="0">
+            <a:schemeClr val="accent1"/>
+          </a:effectRef>
+          <a:fontRef idx="minor">
+            <a:schemeClr val="tx1"/>
+          </a:fontRef>
+        </p:style>
+      </p:cxnSp>
+      <p:cxnSp>
+        <p:nvCxnSpPr>
+          <p:cNvPr id="28" name="Straight Connector 27">
+            <a:extLst>
+              <a:ext uri="{FF2B5EF4-FFF2-40B4-BE49-F238E27FC236}">
+                <a16:creationId xmlns:a16="http://schemas.microsoft.com/office/drawing/2014/main" id="{E3AF13BB-1F89-DB8C-C7D9-E6E0AE280EB1}"/>
+              </a:ext>
+            </a:extLst>
+          </p:cNvPr>
+          <p:cNvCxnSpPr>
+            <a:cxnSpLocks/>
+          </p:cNvCxnSpPr>
+          <p:nvPr/>
+        </p:nvCxnSpPr>
+        <p:spPr>
+          <a:xfrm flipV="1">
+            <a:off x="3365442" y="3429000"/>
+            <a:ext cx="0" cy="128016"/>
+          </a:xfrm>
+          <a:prstGeom prst="line">
+            <a:avLst/>
+          </a:prstGeom>
+          <a:ln w="19050">
+            <a:solidFill>
               <a:schemeClr val="tx1"/>
-            </a:fontRef>
-          </p:style>
-        </p:cxnSp>
-        <p:cxnSp>
-          <p:nvCxnSpPr>
-            <p:cNvPr id="28" name="Straight Connector 27">
-              <a:extLst>
-                <a:ext uri="{FF2B5EF4-FFF2-40B4-BE49-F238E27FC236}">
-                  <a16:creationId xmlns:a16="http://schemas.microsoft.com/office/drawing/2014/main" id="{E3AF13BB-1F89-DB8C-C7D9-E6E0AE280EB1}"/>
-                </a:ext>
-              </a:extLst>
-            </p:cNvPr>
-            <p:cNvCxnSpPr>
-              <a:cxnSpLocks/>
-            </p:cNvCxnSpPr>
-            <p:nvPr/>
-          </p:nvCxnSpPr>
-          <p:spPr>
-            <a:xfrm flipV="1">
-              <a:off x="3365442" y="3429000"/>
-              <a:ext cx="0" cy="128016"/>
-            </a:xfrm>
-            <a:prstGeom prst="line">
-              <a:avLst/>
-            </a:prstGeom>
-            <a:ln w="19050">
-              <a:solidFill>
-                <a:schemeClr val="tx1"/>
-              </a:solidFill>
-            </a:ln>
-          </p:spPr>
-          <p:style>
-            <a:lnRef idx="1">
-              <a:schemeClr val="accent1"/>
-            </a:lnRef>
-            <a:fillRef idx="0">
-              <a:schemeClr val="accent1"/>
-            </a:fillRef>
-            <a:effectRef idx="0">
-              <a:schemeClr val="accent1"/>
-            </a:effectRef>
-            <a:fontRef idx="minor">
-              <a:schemeClr val="tx1"/>
-            </a:fontRef>
-          </p:style>
-        </p:cxnSp>
-        <p:sp>
-          <p:nvSpPr>
-            <p:cNvPr id="32" name="Freeform: Shape 31">
-              <a:extLst>
-                <a:ext uri="{FF2B5EF4-FFF2-40B4-BE49-F238E27FC236}">
-                  <a16:creationId xmlns:a16="http://schemas.microsoft.com/office/drawing/2014/main" id="{E673A0DE-94E9-2811-59A3-25FF54D79029}"/>
-                </a:ext>
-              </a:extLst>
-            </p:cNvPr>
-            <p:cNvSpPr/>
-            <p:nvPr/>
-          </p:nvSpPr>
-          <p:spPr>
-            <a:xfrm>
-              <a:off x="1528763" y="3014663"/>
-              <a:ext cx="1838325" cy="409575"/>
-            </a:xfrm>
-            <a:custGeom>
-              <a:avLst/>
-              <a:gdLst>
-                <a:gd name="connsiteX0" fmla="*/ 0 w 1838325"/>
-                <a:gd name="connsiteY0" fmla="*/ 409575 h 409575"/>
-                <a:gd name="connsiteX1" fmla="*/ 1004887 w 1838325"/>
-                <a:gd name="connsiteY1" fmla="*/ 323850 h 409575"/>
-                <a:gd name="connsiteX2" fmla="*/ 1704975 w 1838325"/>
-                <a:gd name="connsiteY2" fmla="*/ 138112 h 409575"/>
-                <a:gd name="connsiteX3" fmla="*/ 1838325 w 1838325"/>
-                <a:gd name="connsiteY3" fmla="*/ 0 h 409575"/>
-                <a:gd name="connsiteX0" fmla="*/ 0 w 1838325"/>
-                <a:gd name="connsiteY0" fmla="*/ 409575 h 409575"/>
-                <a:gd name="connsiteX1" fmla="*/ 1004887 w 1838325"/>
-                <a:gd name="connsiteY1" fmla="*/ 323850 h 409575"/>
-                <a:gd name="connsiteX2" fmla="*/ 1481137 w 1838325"/>
-                <a:gd name="connsiteY2" fmla="*/ 233362 h 409575"/>
-                <a:gd name="connsiteX3" fmla="*/ 1838325 w 1838325"/>
-                <a:gd name="connsiteY3" fmla="*/ 0 h 409575"/>
-                <a:gd name="connsiteX0" fmla="*/ 0 w 1838325"/>
-                <a:gd name="connsiteY0" fmla="*/ 409575 h 409575"/>
-                <a:gd name="connsiteX1" fmla="*/ 890587 w 1838325"/>
-                <a:gd name="connsiteY1" fmla="*/ 357187 h 409575"/>
-                <a:gd name="connsiteX2" fmla="*/ 1481137 w 1838325"/>
-                <a:gd name="connsiteY2" fmla="*/ 233362 h 409575"/>
-                <a:gd name="connsiteX3" fmla="*/ 1838325 w 1838325"/>
-                <a:gd name="connsiteY3" fmla="*/ 0 h 409575"/>
-              </a:gdLst>
-              <a:ahLst/>
-              <a:cxnLst>
-                <a:cxn ang="0">
-                  <a:pos x="connsiteX0" y="connsiteY0"/>
-                </a:cxn>
-                <a:cxn ang="0">
-                  <a:pos x="connsiteX1" y="connsiteY1"/>
-                </a:cxn>
-                <a:cxn ang="0">
-                  <a:pos x="connsiteX2" y="connsiteY2"/>
-                </a:cxn>
-                <a:cxn ang="0">
-                  <a:pos x="connsiteX3" y="connsiteY3"/>
-                </a:cxn>
-              </a:cxnLst>
-              <a:rect l="l" t="t" r="r" b="b"/>
-              <a:pathLst>
-                <a:path w="1838325" h="409575">
-                  <a:moveTo>
-                    <a:pt x="0" y="409575"/>
-                  </a:moveTo>
-                  <a:cubicBezTo>
-                    <a:pt x="360362" y="389334"/>
-                    <a:pt x="643731" y="386556"/>
-                    <a:pt x="890587" y="357187"/>
-                  </a:cubicBezTo>
-                  <a:cubicBezTo>
-                    <a:pt x="1137443" y="327818"/>
-                    <a:pt x="1342231" y="287337"/>
-                    <a:pt x="1481137" y="233362"/>
-                  </a:cubicBezTo>
-                  <a:cubicBezTo>
-                    <a:pt x="1620043" y="179387"/>
-                    <a:pt x="1793875" y="157162"/>
-                    <a:pt x="1838325" y="0"/>
-                  </a:cubicBezTo>
-                </a:path>
-              </a:pathLst>
-            </a:custGeom>
+            </a:solidFill>
+          </a:ln>
+        </p:spPr>
+        <p:style>
+          <a:lnRef idx="1">
+            <a:schemeClr val="accent1"/>
+          </a:lnRef>
+          <a:fillRef idx="0">
+            <a:schemeClr val="accent1"/>
+          </a:fillRef>
+          <a:effectRef idx="0">
+            <a:schemeClr val="accent1"/>
+          </a:effectRef>
+          <a:fontRef idx="minor">
+            <a:schemeClr val="tx1"/>
+          </a:fontRef>
+        </p:style>
+      </p:cxnSp>
+      <p:sp>
+        <p:nvSpPr>
+          <p:cNvPr id="32" name="Freeform: Shape 31">
+            <a:extLst>
+              <a:ext uri="{FF2B5EF4-FFF2-40B4-BE49-F238E27FC236}">
+                <a16:creationId xmlns:a16="http://schemas.microsoft.com/office/drawing/2014/main" id="{E673A0DE-94E9-2811-59A3-25FF54D79029}"/>
+              </a:ext>
+            </a:extLst>
+          </p:cNvPr>
+          <p:cNvSpPr/>
+          <p:nvPr/>
+        </p:nvSpPr>
+        <p:spPr>
+          <a:xfrm>
+            <a:off x="1549806" y="3014664"/>
+            <a:ext cx="1817282" cy="249768"/>
+          </a:xfrm>
+          <a:custGeom>
+            <a:avLst/>
+            <a:gdLst>
+              <a:gd name="connsiteX0" fmla="*/ 0 w 1838325"/>
+              <a:gd name="connsiteY0" fmla="*/ 409575 h 409575"/>
+              <a:gd name="connsiteX1" fmla="*/ 1004887 w 1838325"/>
+              <a:gd name="connsiteY1" fmla="*/ 323850 h 409575"/>
+              <a:gd name="connsiteX2" fmla="*/ 1704975 w 1838325"/>
+              <a:gd name="connsiteY2" fmla="*/ 138112 h 409575"/>
+              <a:gd name="connsiteX3" fmla="*/ 1838325 w 1838325"/>
+              <a:gd name="connsiteY3" fmla="*/ 0 h 409575"/>
+              <a:gd name="connsiteX0" fmla="*/ 0 w 1838325"/>
+              <a:gd name="connsiteY0" fmla="*/ 409575 h 409575"/>
+              <a:gd name="connsiteX1" fmla="*/ 1004887 w 1838325"/>
+              <a:gd name="connsiteY1" fmla="*/ 323850 h 409575"/>
+              <a:gd name="connsiteX2" fmla="*/ 1481137 w 1838325"/>
+              <a:gd name="connsiteY2" fmla="*/ 233362 h 409575"/>
+              <a:gd name="connsiteX3" fmla="*/ 1838325 w 1838325"/>
+              <a:gd name="connsiteY3" fmla="*/ 0 h 409575"/>
+              <a:gd name="connsiteX0" fmla="*/ 0 w 1838325"/>
+              <a:gd name="connsiteY0" fmla="*/ 409575 h 409575"/>
+              <a:gd name="connsiteX1" fmla="*/ 890587 w 1838325"/>
+              <a:gd name="connsiteY1" fmla="*/ 357187 h 409575"/>
+              <a:gd name="connsiteX2" fmla="*/ 1481137 w 1838325"/>
+              <a:gd name="connsiteY2" fmla="*/ 233362 h 409575"/>
+              <a:gd name="connsiteX3" fmla="*/ 1838325 w 1838325"/>
+              <a:gd name="connsiteY3" fmla="*/ 0 h 409575"/>
+            </a:gdLst>
+            <a:ahLst/>
+            <a:cxnLst>
+              <a:cxn ang="0">
+                <a:pos x="connsiteX0" y="connsiteY0"/>
+              </a:cxn>
+              <a:cxn ang="0">
+                <a:pos x="connsiteX1" y="connsiteY1"/>
+              </a:cxn>
+              <a:cxn ang="0">
+                <a:pos x="connsiteX2" y="connsiteY2"/>
+              </a:cxn>
+              <a:cxn ang="0">
+                <a:pos x="connsiteX3" y="connsiteY3"/>
+              </a:cxn>
+            </a:cxnLst>
+            <a:rect l="l" t="t" r="r" b="b"/>
+            <a:pathLst>
+              <a:path w="1838325" h="409575">
+                <a:moveTo>
+                  <a:pt x="0" y="409575"/>
+                </a:moveTo>
+                <a:cubicBezTo>
+                  <a:pt x="360362" y="389334"/>
+                  <a:pt x="643731" y="386556"/>
+                  <a:pt x="890587" y="357187"/>
+                </a:cubicBezTo>
+                <a:cubicBezTo>
+                  <a:pt x="1137443" y="327818"/>
+                  <a:pt x="1342231" y="287337"/>
+                  <a:pt x="1481137" y="233362"/>
+                </a:cubicBezTo>
+                <a:cubicBezTo>
+                  <a:pt x="1620043" y="179387"/>
+                  <a:pt x="1793875" y="157162"/>
+                  <a:pt x="1838325" y="0"/>
+                </a:cubicBezTo>
+              </a:path>
+            </a:pathLst>
+          </a:custGeom>
+          <a:solidFill>
+            <a:schemeClr val="bg1"/>
+          </a:solidFill>
+          <a:ln>
             <a:solidFill>
-              <a:schemeClr val="bg1"/>
+              <a:srgbClr val="FF0000"/>
             </a:solidFill>
-            <a:ln>
-              <a:solidFill>
-                <a:srgbClr val="FF0000"/>
-              </a:solidFill>
-            </a:ln>
-          </p:spPr>
-          <p:style>
-            <a:lnRef idx="2">
-              <a:schemeClr val="accent1">
-                <a:shade val="50000"/>
-              </a:schemeClr>
-            </a:lnRef>
-            <a:fillRef idx="1">
-              <a:schemeClr val="accent1"/>
-            </a:fillRef>
-            <a:effectRef idx="0">
-              <a:schemeClr val="accent1"/>
-            </a:effectRef>
-            <a:fontRef idx="minor">
-              <a:schemeClr val="lt1"/>
-            </a:fontRef>
-          </p:style>
-          <p:txBody>
-            <a:bodyPr rtlCol="0" anchor="ctr"/>
-            <a:lstStyle/>
-            <a:p>
-              <a:pPr algn="ctr"/>
-              <a:endParaRPr lang="en-US" dirty="0"/>
-            </a:p>
-          </p:txBody>
-        </p:sp>
-        <p:sp>
-          <p:nvSpPr>
-            <p:cNvPr id="33" name="Freeform: Shape 32">
-              <a:extLst>
-                <a:ext uri="{FF2B5EF4-FFF2-40B4-BE49-F238E27FC236}">
-                  <a16:creationId xmlns:a16="http://schemas.microsoft.com/office/drawing/2014/main" id="{8DDB9B03-03FC-1622-777A-8F9413548E8E}"/>
-                </a:ext>
-              </a:extLst>
-            </p:cNvPr>
-            <p:cNvSpPr>
-              <a:spLocks/>
-            </p:cNvSpPr>
-            <p:nvPr/>
-          </p:nvSpPr>
-          <p:spPr>
-            <a:xfrm rot="10800000" flipH="1">
-              <a:off x="1528763" y="690563"/>
-              <a:ext cx="1829519" cy="409575"/>
-            </a:xfrm>
-            <a:custGeom>
-              <a:avLst/>
-              <a:gdLst>
-                <a:gd name="connsiteX0" fmla="*/ 0 w 1838325"/>
-                <a:gd name="connsiteY0" fmla="*/ 409575 h 409575"/>
-                <a:gd name="connsiteX1" fmla="*/ 1004887 w 1838325"/>
-                <a:gd name="connsiteY1" fmla="*/ 323850 h 409575"/>
-                <a:gd name="connsiteX2" fmla="*/ 1704975 w 1838325"/>
-                <a:gd name="connsiteY2" fmla="*/ 138112 h 409575"/>
-                <a:gd name="connsiteX3" fmla="*/ 1838325 w 1838325"/>
-                <a:gd name="connsiteY3" fmla="*/ 0 h 409575"/>
-                <a:gd name="connsiteX0" fmla="*/ 0 w 1838325"/>
-                <a:gd name="connsiteY0" fmla="*/ 409575 h 409575"/>
-                <a:gd name="connsiteX1" fmla="*/ 1004887 w 1838325"/>
-                <a:gd name="connsiteY1" fmla="*/ 323850 h 409575"/>
-                <a:gd name="connsiteX2" fmla="*/ 1481137 w 1838325"/>
-                <a:gd name="connsiteY2" fmla="*/ 233362 h 409575"/>
-                <a:gd name="connsiteX3" fmla="*/ 1838325 w 1838325"/>
-                <a:gd name="connsiteY3" fmla="*/ 0 h 409575"/>
-                <a:gd name="connsiteX0" fmla="*/ 0 w 1838325"/>
-                <a:gd name="connsiteY0" fmla="*/ 409575 h 409575"/>
-                <a:gd name="connsiteX1" fmla="*/ 890587 w 1838325"/>
-                <a:gd name="connsiteY1" fmla="*/ 357187 h 409575"/>
-                <a:gd name="connsiteX2" fmla="*/ 1481137 w 1838325"/>
-                <a:gd name="connsiteY2" fmla="*/ 233362 h 409575"/>
-                <a:gd name="connsiteX3" fmla="*/ 1838325 w 1838325"/>
-                <a:gd name="connsiteY3" fmla="*/ 0 h 409575"/>
-              </a:gdLst>
-              <a:ahLst/>
-              <a:cxnLst>
-                <a:cxn ang="0">
-                  <a:pos x="connsiteX0" y="connsiteY0"/>
-                </a:cxn>
-                <a:cxn ang="0">
-                  <a:pos x="connsiteX1" y="connsiteY1"/>
-                </a:cxn>
-                <a:cxn ang="0">
-                  <a:pos x="connsiteX2" y="connsiteY2"/>
-                </a:cxn>
-                <a:cxn ang="0">
-                  <a:pos x="connsiteX3" y="connsiteY3"/>
-                </a:cxn>
-              </a:cxnLst>
-              <a:rect l="l" t="t" r="r" b="b"/>
-              <a:pathLst>
-                <a:path w="1838325" h="409575">
-                  <a:moveTo>
-                    <a:pt x="0" y="409575"/>
-                  </a:moveTo>
-                  <a:cubicBezTo>
-                    <a:pt x="360362" y="389334"/>
-                    <a:pt x="643731" y="386556"/>
-                    <a:pt x="890587" y="357187"/>
-                  </a:cubicBezTo>
-                  <a:cubicBezTo>
-                    <a:pt x="1137443" y="327818"/>
-                    <a:pt x="1342231" y="287337"/>
-                    <a:pt x="1481137" y="233362"/>
-                  </a:cubicBezTo>
-                  <a:cubicBezTo>
-                    <a:pt x="1620043" y="179387"/>
-                    <a:pt x="1793875" y="157162"/>
-                    <a:pt x="1838325" y="0"/>
-                  </a:cubicBezTo>
-                </a:path>
-              </a:pathLst>
-            </a:custGeom>
+          </a:ln>
+        </p:spPr>
+        <p:style>
+          <a:lnRef idx="2">
+            <a:schemeClr val="accent1">
+              <a:shade val="50000"/>
+            </a:schemeClr>
+          </a:lnRef>
+          <a:fillRef idx="1">
+            <a:schemeClr val="accent1"/>
+          </a:fillRef>
+          <a:effectRef idx="0">
+            <a:schemeClr val="accent1"/>
+          </a:effectRef>
+          <a:fontRef idx="minor">
+            <a:schemeClr val="lt1"/>
+          </a:fontRef>
+        </p:style>
+        <p:txBody>
+          <a:bodyPr rtlCol="0" anchor="ctr"/>
+          <a:lstStyle/>
+          <a:p>
+            <a:pPr algn="ctr"/>
+            <a:endParaRPr lang="en-US" dirty="0"/>
+          </a:p>
+        </p:txBody>
+      </p:sp>
+      <p:sp>
+        <p:nvSpPr>
+          <p:cNvPr id="33" name="Freeform: Shape 32">
+            <a:extLst>
+              <a:ext uri="{FF2B5EF4-FFF2-40B4-BE49-F238E27FC236}">
+                <a16:creationId xmlns:a16="http://schemas.microsoft.com/office/drawing/2014/main" id="{8DDB9B03-03FC-1622-777A-8F9413548E8E}"/>
+              </a:ext>
+            </a:extLst>
+          </p:cNvPr>
+          <p:cNvSpPr>
+            <a:spLocks/>
+          </p:cNvSpPr>
+          <p:nvPr/>
+        </p:nvSpPr>
+        <p:spPr>
+          <a:xfrm rot="10800000" flipH="1">
+            <a:off x="1541000" y="820165"/>
+            <a:ext cx="1817282" cy="279969"/>
+          </a:xfrm>
+          <a:custGeom>
+            <a:avLst/>
+            <a:gdLst>
+              <a:gd name="connsiteX0" fmla="*/ 0 w 1838325"/>
+              <a:gd name="connsiteY0" fmla="*/ 409575 h 409575"/>
+              <a:gd name="connsiteX1" fmla="*/ 1004887 w 1838325"/>
+              <a:gd name="connsiteY1" fmla="*/ 323850 h 409575"/>
+              <a:gd name="connsiteX2" fmla="*/ 1704975 w 1838325"/>
+              <a:gd name="connsiteY2" fmla="*/ 138112 h 409575"/>
+              <a:gd name="connsiteX3" fmla="*/ 1838325 w 1838325"/>
+              <a:gd name="connsiteY3" fmla="*/ 0 h 409575"/>
+              <a:gd name="connsiteX0" fmla="*/ 0 w 1838325"/>
+              <a:gd name="connsiteY0" fmla="*/ 409575 h 409575"/>
+              <a:gd name="connsiteX1" fmla="*/ 1004887 w 1838325"/>
+              <a:gd name="connsiteY1" fmla="*/ 323850 h 409575"/>
+              <a:gd name="connsiteX2" fmla="*/ 1481137 w 1838325"/>
+              <a:gd name="connsiteY2" fmla="*/ 233362 h 409575"/>
+              <a:gd name="connsiteX3" fmla="*/ 1838325 w 1838325"/>
+              <a:gd name="connsiteY3" fmla="*/ 0 h 409575"/>
+              <a:gd name="connsiteX0" fmla="*/ 0 w 1838325"/>
+              <a:gd name="connsiteY0" fmla="*/ 409575 h 409575"/>
+              <a:gd name="connsiteX1" fmla="*/ 890587 w 1838325"/>
+              <a:gd name="connsiteY1" fmla="*/ 357187 h 409575"/>
+              <a:gd name="connsiteX2" fmla="*/ 1481137 w 1838325"/>
+              <a:gd name="connsiteY2" fmla="*/ 233362 h 409575"/>
+              <a:gd name="connsiteX3" fmla="*/ 1838325 w 1838325"/>
+              <a:gd name="connsiteY3" fmla="*/ 0 h 409575"/>
+            </a:gdLst>
+            <a:ahLst/>
+            <a:cxnLst>
+              <a:cxn ang="0">
+                <a:pos x="connsiteX0" y="connsiteY0"/>
+              </a:cxn>
+              <a:cxn ang="0">
+                <a:pos x="connsiteX1" y="connsiteY1"/>
+              </a:cxn>
+              <a:cxn ang="0">
+                <a:pos x="connsiteX2" y="connsiteY2"/>
+              </a:cxn>
+              <a:cxn ang="0">
+                <a:pos x="connsiteX3" y="connsiteY3"/>
+              </a:cxn>
+            </a:cxnLst>
+            <a:rect l="l" t="t" r="r" b="b"/>
+            <a:pathLst>
+              <a:path w="1838325" h="409575">
+                <a:moveTo>
+                  <a:pt x="0" y="409575"/>
+                </a:moveTo>
+                <a:cubicBezTo>
+                  <a:pt x="360362" y="389334"/>
+                  <a:pt x="643731" y="386556"/>
+                  <a:pt x="890587" y="357187"/>
+                </a:cubicBezTo>
+                <a:cubicBezTo>
+                  <a:pt x="1137443" y="327818"/>
+                  <a:pt x="1342231" y="287337"/>
+                  <a:pt x="1481137" y="233362"/>
+                </a:cubicBezTo>
+                <a:cubicBezTo>
+                  <a:pt x="1620043" y="179387"/>
+                  <a:pt x="1793875" y="157162"/>
+                  <a:pt x="1838325" y="0"/>
+                </a:cubicBezTo>
+              </a:path>
+            </a:pathLst>
+          </a:custGeom>
+          <a:solidFill>
+            <a:schemeClr val="bg1"/>
+          </a:solidFill>
+          <a:ln>
             <a:solidFill>
-              <a:schemeClr val="bg1"/>
+              <a:srgbClr val="FF0000"/>
             </a:solidFill>
-            <a:ln>
-              <a:solidFill>
-                <a:srgbClr val="FF0000"/>
-              </a:solidFill>
-            </a:ln>
-          </p:spPr>
-          <p:style>
-            <a:lnRef idx="2">
-              <a:schemeClr val="accent1">
-                <a:shade val="50000"/>
-              </a:schemeClr>
-            </a:lnRef>
-            <a:fillRef idx="1">
-              <a:schemeClr val="accent1"/>
-            </a:fillRef>
-            <a:effectRef idx="0">
-              <a:schemeClr val="accent1"/>
-            </a:effectRef>
-            <a:fontRef idx="minor">
-              <a:schemeClr val="lt1"/>
-            </a:fontRef>
-          </p:style>
-          <p:txBody>
-            <a:bodyPr rtlCol="0" anchor="ctr"/>
-            <a:lstStyle/>
-            <a:p>
-              <a:pPr algn="ctr"/>
-              <a:endParaRPr lang="en-US" dirty="0"/>
-            </a:p>
-          </p:txBody>
-        </p:sp>
-        <p:cxnSp>
-          <p:nvCxnSpPr>
-            <p:cNvPr id="36" name="Straight Connector 35">
-              <a:extLst>
-                <a:ext uri="{FF2B5EF4-FFF2-40B4-BE49-F238E27FC236}">
-                  <a16:creationId xmlns:a16="http://schemas.microsoft.com/office/drawing/2014/main" id="{0EE0C533-33CC-0C97-F617-8A3F2BD19DD7}"/>
-                </a:ext>
-              </a:extLst>
-            </p:cNvPr>
-            <p:cNvCxnSpPr>
-              <a:stCxn id="33" idx="3"/>
-              <a:endCxn id="32" idx="3"/>
-            </p:cNvCxnSpPr>
-            <p:nvPr/>
-          </p:nvCxnSpPr>
-          <p:spPr>
-            <a:xfrm>
-              <a:off x="3358282" y="1100138"/>
-              <a:ext cx="8806" cy="1914525"/>
-            </a:xfrm>
-            <a:prstGeom prst="line">
-              <a:avLst/>
-            </a:prstGeom>
-            <a:ln w="12700">
-              <a:solidFill>
-                <a:srgbClr val="FF0000"/>
-              </a:solidFill>
-            </a:ln>
-          </p:spPr>
-          <p:style>
-            <a:lnRef idx="1">
-              <a:schemeClr val="accent1"/>
-            </a:lnRef>
-            <a:fillRef idx="0">
-              <a:schemeClr val="accent1"/>
-            </a:fillRef>
-            <a:effectRef idx="0">
-              <a:schemeClr val="accent1"/>
-            </a:effectRef>
-            <a:fontRef idx="minor">
-              <a:schemeClr val="tx1"/>
-            </a:fontRef>
-          </p:style>
-        </p:cxnSp>
-      </p:grpSp>
+          </a:ln>
+        </p:spPr>
+        <p:style>
+          <a:lnRef idx="2">
+            <a:schemeClr val="accent1">
+              <a:shade val="50000"/>
+            </a:schemeClr>
+          </a:lnRef>
+          <a:fillRef idx="1">
+            <a:schemeClr val="accent1"/>
+          </a:fillRef>
+          <a:effectRef idx="0">
+            <a:schemeClr val="accent1"/>
+          </a:effectRef>
+          <a:fontRef idx="minor">
+            <a:schemeClr val="lt1"/>
+          </a:fontRef>
+        </p:style>
+        <p:txBody>
+          <a:bodyPr rtlCol="0" anchor="ctr"/>
+          <a:lstStyle/>
+          <a:p>
+            <a:pPr algn="ctr"/>
+            <a:endParaRPr lang="en-US" dirty="0"/>
+          </a:p>
+        </p:txBody>
+      </p:sp>
+      <p:cxnSp>
+        <p:nvCxnSpPr>
+          <p:cNvPr id="36" name="Straight Connector 35">
+            <a:extLst>
+              <a:ext uri="{FF2B5EF4-FFF2-40B4-BE49-F238E27FC236}">
+                <a16:creationId xmlns:a16="http://schemas.microsoft.com/office/drawing/2014/main" id="{0EE0C533-33CC-0C97-F617-8A3F2BD19DD7}"/>
+              </a:ext>
+            </a:extLst>
+          </p:cNvPr>
+          <p:cNvCxnSpPr>
+            <a:cxnSpLocks/>
+            <a:stCxn id="33" idx="3"/>
+            <a:endCxn id="32" idx="3"/>
+          </p:cNvCxnSpPr>
+          <p:nvPr/>
+        </p:nvCxnSpPr>
+        <p:spPr>
+          <a:xfrm>
+            <a:off x="3358282" y="1100134"/>
+            <a:ext cx="8806" cy="1914530"/>
+          </a:xfrm>
+          <a:prstGeom prst="line">
+            <a:avLst/>
+          </a:prstGeom>
+          <a:ln w="12700">
+            <a:solidFill>
+              <a:srgbClr val="FF0000"/>
+            </a:solidFill>
+          </a:ln>
+        </p:spPr>
+        <p:style>
+          <a:lnRef idx="1">
+            <a:schemeClr val="accent1"/>
+          </a:lnRef>
+          <a:fillRef idx="0">
+            <a:schemeClr val="accent1"/>
+          </a:fillRef>
+          <a:effectRef idx="0">
+            <a:schemeClr val="accent1"/>
+          </a:effectRef>
+          <a:fontRef idx="minor">
+            <a:schemeClr val="tx1"/>
+          </a:fontRef>
+        </p:style>
+      </p:cxnSp>
       <p:cxnSp>
         <p:nvCxnSpPr>
           <p:cNvPr id="37" name="Straight Connector 36">
@@ -4902,13 +4882,16 @@
               </a:ext>
             </a:extLst>
           </p:cNvPr>
-          <p:cNvCxnSpPr/>
+          <p:cNvCxnSpPr>
+            <a:cxnSpLocks/>
+            <a:stCxn id="30" idx="0"/>
+          </p:cNvCxnSpPr>
           <p:nvPr/>
         </p:nvCxnSpPr>
         <p:spPr>
-          <a:xfrm>
-            <a:off x="8905301" y="3437056"/>
-            <a:ext cx="2511056" cy="0"/>
+          <a:xfrm flipV="1">
+            <a:off x="8871048" y="3437056"/>
+            <a:ext cx="2545309" cy="2180"/>
           </a:xfrm>
           <a:prstGeom prst="line">
             <a:avLst/>
@@ -21279,7 +21262,7 @@
         </p:nvGrpSpPr>
         <p:grpSpPr>
           <a:xfrm>
-            <a:off x="9396373" y="1438061"/>
+            <a:off x="9346332" y="1406215"/>
             <a:ext cx="2185590" cy="1231321"/>
             <a:chOff x="9385087" y="1500136"/>
             <a:chExt cx="2086253" cy="1175356"/>
@@ -31101,10 +31084,10 @@
         </p:nvGrpSpPr>
         <p:grpSpPr>
           <a:xfrm rot="2475978" flipV="1">
-            <a:off x="8256654" y="3128459"/>
-            <a:ext cx="787758" cy="81561"/>
-            <a:chOff x="2732567" y="4832495"/>
-            <a:chExt cx="2122097" cy="45722"/>
+            <a:off x="8268892" y="3095936"/>
+            <a:ext cx="689083" cy="81559"/>
+            <a:chOff x="2732567" y="4832496"/>
+            <a:chExt cx="1856282" cy="45721"/>
           </a:xfrm>
         </p:grpSpPr>
         <p:grpSp>
@@ -32744,10 +32727,10 @@
           </p:nvGrpSpPr>
           <p:grpSpPr>
             <a:xfrm>
-              <a:off x="3791408" y="4832495"/>
-              <a:ext cx="1063256" cy="45721"/>
-              <a:chOff x="2732567" y="4832496"/>
-              <a:chExt cx="1063256" cy="45721"/>
+              <a:off x="3791408" y="4832496"/>
+              <a:ext cx="797441" cy="45720"/>
+              <a:chOff x="2732567" y="4832497"/>
+              <a:chExt cx="797441" cy="45720"/>
             </a:xfrm>
           </p:grpSpPr>
           <p:grpSp>
@@ -33551,815 +33534,404 @@
               </p:txBody>
             </p:sp>
           </p:grpSp>
-          <p:grpSp>
-            <p:nvGrpSpPr>
-              <p:cNvPr id="453" name="Group 452">
+          <p:sp>
+            <p:nvSpPr>
+              <p:cNvPr id="454" name="Freeform: Shape 453">
                 <a:extLst>
                   <a:ext uri="{FF2B5EF4-FFF2-40B4-BE49-F238E27FC236}">
-                    <a16:creationId xmlns:a16="http://schemas.microsoft.com/office/drawing/2014/main" id="{F66FADFF-1520-7BEF-E1EF-A2BEF8F7AAA8}"/>
+                    <a16:creationId xmlns:a16="http://schemas.microsoft.com/office/drawing/2014/main" id="{20E3EB3E-DEA1-CDC5-EA1F-A4B741E280E0}"/>
                   </a:ext>
                 </a:extLst>
               </p:cNvPr>
-              <p:cNvGrpSpPr/>
+              <p:cNvSpPr/>
               <p:nvPr/>
-            </p:nvGrpSpPr>
-            <p:grpSpPr>
+            </p:nvSpPr>
+            <p:spPr>
               <a:xfrm>
-                <a:off x="3264195" y="4832496"/>
-                <a:ext cx="531628" cy="45720"/>
-                <a:chOff x="2732567" y="4832497"/>
-                <a:chExt cx="531628" cy="45720"/>
+                <a:off x="3264193" y="4832498"/>
+                <a:ext cx="265815" cy="45719"/>
               </a:xfrm>
-            </p:grpSpPr>
-            <p:sp>
-              <p:nvSpPr>
-                <p:cNvPr id="454" name="Freeform: Shape 453">
-                  <a:extLst>
-                    <a:ext uri="{FF2B5EF4-FFF2-40B4-BE49-F238E27FC236}">
-                      <a16:creationId xmlns:a16="http://schemas.microsoft.com/office/drawing/2014/main" id="{20E3EB3E-DEA1-CDC5-EA1F-A4B741E280E0}"/>
-                    </a:ext>
-                  </a:extLst>
-                </p:cNvPr>
-                <p:cNvSpPr/>
-                <p:nvPr/>
-              </p:nvSpPr>
-              <p:spPr>
-                <a:xfrm>
-                  <a:off x="2732567" y="4832498"/>
-                  <a:ext cx="265814" cy="45719"/>
-                </a:xfrm>
-                <a:custGeom>
-                  <a:avLst/>
-                  <a:gdLst>
-                    <a:gd name="connsiteX0" fmla="*/ 0 w 616700"/>
-                    <a:gd name="connsiteY0" fmla="*/ 228600 h 239232"/>
-                    <a:gd name="connsiteX1" fmla="*/ 15949 w 616700"/>
-                    <a:gd name="connsiteY1" fmla="*/ 138223 h 239232"/>
-                    <a:gd name="connsiteX2" fmla="*/ 21266 w 616700"/>
-                    <a:gd name="connsiteY2" fmla="*/ 111642 h 239232"/>
-                    <a:gd name="connsiteX3" fmla="*/ 31898 w 616700"/>
-                    <a:gd name="connsiteY3" fmla="*/ 79744 h 239232"/>
-                    <a:gd name="connsiteX4" fmla="*/ 53163 w 616700"/>
-                    <a:gd name="connsiteY4" fmla="*/ 69111 h 239232"/>
-                    <a:gd name="connsiteX5" fmla="*/ 74428 w 616700"/>
-                    <a:gd name="connsiteY5" fmla="*/ 106325 h 239232"/>
-                    <a:gd name="connsiteX6" fmla="*/ 95693 w 616700"/>
-                    <a:gd name="connsiteY6" fmla="*/ 170121 h 239232"/>
-                    <a:gd name="connsiteX7" fmla="*/ 106326 w 616700"/>
-                    <a:gd name="connsiteY7" fmla="*/ 207335 h 239232"/>
-                    <a:gd name="connsiteX8" fmla="*/ 148856 w 616700"/>
-                    <a:gd name="connsiteY8" fmla="*/ 239232 h 239232"/>
-                    <a:gd name="connsiteX9" fmla="*/ 196703 w 616700"/>
-                    <a:gd name="connsiteY9" fmla="*/ 217967 h 239232"/>
-                    <a:gd name="connsiteX10" fmla="*/ 228600 w 616700"/>
-                    <a:gd name="connsiteY10" fmla="*/ 154172 h 239232"/>
-                    <a:gd name="connsiteX11" fmla="*/ 228600 w 616700"/>
-                    <a:gd name="connsiteY11" fmla="*/ 26581 h 239232"/>
-                    <a:gd name="connsiteX12" fmla="*/ 281763 w 616700"/>
-                    <a:gd name="connsiteY12" fmla="*/ 47846 h 239232"/>
-                    <a:gd name="connsiteX13" fmla="*/ 297712 w 616700"/>
-                    <a:gd name="connsiteY13" fmla="*/ 106325 h 239232"/>
-                    <a:gd name="connsiteX14" fmla="*/ 303028 w 616700"/>
-                    <a:gd name="connsiteY14" fmla="*/ 122274 h 239232"/>
-                    <a:gd name="connsiteX15" fmla="*/ 313661 w 616700"/>
-                    <a:gd name="connsiteY15" fmla="*/ 175437 h 239232"/>
-                    <a:gd name="connsiteX16" fmla="*/ 318977 w 616700"/>
-                    <a:gd name="connsiteY16" fmla="*/ 207335 h 239232"/>
-                    <a:gd name="connsiteX17" fmla="*/ 345559 w 616700"/>
-                    <a:gd name="connsiteY17" fmla="*/ 212651 h 239232"/>
-                    <a:gd name="connsiteX18" fmla="*/ 382773 w 616700"/>
-                    <a:gd name="connsiteY18" fmla="*/ 223283 h 239232"/>
-                    <a:gd name="connsiteX19" fmla="*/ 419986 w 616700"/>
-                    <a:gd name="connsiteY19" fmla="*/ 175437 h 239232"/>
-                    <a:gd name="connsiteX20" fmla="*/ 430619 w 616700"/>
-                    <a:gd name="connsiteY20" fmla="*/ 132907 h 239232"/>
-                    <a:gd name="connsiteX21" fmla="*/ 441252 w 616700"/>
-                    <a:gd name="connsiteY21" fmla="*/ 111642 h 239232"/>
-                    <a:gd name="connsiteX22" fmla="*/ 446568 w 616700"/>
-                    <a:gd name="connsiteY22" fmla="*/ 26581 h 239232"/>
-                    <a:gd name="connsiteX23" fmla="*/ 457200 w 616700"/>
-                    <a:gd name="connsiteY23" fmla="*/ 5316 h 239232"/>
-                    <a:gd name="connsiteX24" fmla="*/ 489098 w 616700"/>
-                    <a:gd name="connsiteY24" fmla="*/ 0 h 239232"/>
-                    <a:gd name="connsiteX25" fmla="*/ 520996 w 616700"/>
-                    <a:gd name="connsiteY25" fmla="*/ 21265 h 239232"/>
-                    <a:gd name="connsiteX26" fmla="*/ 526312 w 616700"/>
-                    <a:gd name="connsiteY26" fmla="*/ 74428 h 239232"/>
-                    <a:gd name="connsiteX27" fmla="*/ 536945 w 616700"/>
-                    <a:gd name="connsiteY27" fmla="*/ 138223 h 239232"/>
-                    <a:gd name="connsiteX28" fmla="*/ 542261 w 616700"/>
-                    <a:gd name="connsiteY28" fmla="*/ 186069 h 239232"/>
-                    <a:gd name="connsiteX29" fmla="*/ 547577 w 616700"/>
-                    <a:gd name="connsiteY29" fmla="*/ 212651 h 239232"/>
-                    <a:gd name="connsiteX30" fmla="*/ 563526 w 616700"/>
-                    <a:gd name="connsiteY30" fmla="*/ 217967 h 239232"/>
-                    <a:gd name="connsiteX31" fmla="*/ 590107 w 616700"/>
-                    <a:gd name="connsiteY31" fmla="*/ 223283 h 239232"/>
-                    <a:gd name="connsiteX32" fmla="*/ 616689 w 616700"/>
-                    <a:gd name="connsiteY32" fmla="*/ 196702 h 239232"/>
-                  </a:gdLst>
-                  <a:ahLst/>
-                  <a:cxnLst>
-                    <a:cxn ang="0">
-                      <a:pos x="connsiteX0" y="connsiteY0"/>
-                    </a:cxn>
-                    <a:cxn ang="0">
-                      <a:pos x="connsiteX1" y="connsiteY1"/>
-                    </a:cxn>
-                    <a:cxn ang="0">
-                      <a:pos x="connsiteX2" y="connsiteY2"/>
-                    </a:cxn>
-                    <a:cxn ang="0">
-                      <a:pos x="connsiteX3" y="connsiteY3"/>
-                    </a:cxn>
-                    <a:cxn ang="0">
-                      <a:pos x="connsiteX4" y="connsiteY4"/>
-                    </a:cxn>
-                    <a:cxn ang="0">
-                      <a:pos x="connsiteX5" y="connsiteY5"/>
-                    </a:cxn>
-                    <a:cxn ang="0">
-                      <a:pos x="connsiteX6" y="connsiteY6"/>
-                    </a:cxn>
-                    <a:cxn ang="0">
-                      <a:pos x="connsiteX7" y="connsiteY7"/>
-                    </a:cxn>
-                    <a:cxn ang="0">
-                      <a:pos x="connsiteX8" y="connsiteY8"/>
-                    </a:cxn>
-                    <a:cxn ang="0">
-                      <a:pos x="connsiteX9" y="connsiteY9"/>
-                    </a:cxn>
-                    <a:cxn ang="0">
-                      <a:pos x="connsiteX10" y="connsiteY10"/>
-                    </a:cxn>
-                    <a:cxn ang="0">
-                      <a:pos x="connsiteX11" y="connsiteY11"/>
-                    </a:cxn>
-                    <a:cxn ang="0">
-                      <a:pos x="connsiteX12" y="connsiteY12"/>
-                    </a:cxn>
-                    <a:cxn ang="0">
-                      <a:pos x="connsiteX13" y="connsiteY13"/>
-                    </a:cxn>
-                    <a:cxn ang="0">
-                      <a:pos x="connsiteX14" y="connsiteY14"/>
-                    </a:cxn>
-                    <a:cxn ang="0">
-                      <a:pos x="connsiteX15" y="connsiteY15"/>
-                    </a:cxn>
-                    <a:cxn ang="0">
-                      <a:pos x="connsiteX16" y="connsiteY16"/>
-                    </a:cxn>
-                    <a:cxn ang="0">
-                      <a:pos x="connsiteX17" y="connsiteY17"/>
-                    </a:cxn>
-                    <a:cxn ang="0">
-                      <a:pos x="connsiteX18" y="connsiteY18"/>
-                    </a:cxn>
-                    <a:cxn ang="0">
-                      <a:pos x="connsiteX19" y="connsiteY19"/>
-                    </a:cxn>
-                    <a:cxn ang="0">
-                      <a:pos x="connsiteX20" y="connsiteY20"/>
-                    </a:cxn>
-                    <a:cxn ang="0">
-                      <a:pos x="connsiteX21" y="connsiteY21"/>
-                    </a:cxn>
-                    <a:cxn ang="0">
-                      <a:pos x="connsiteX22" y="connsiteY22"/>
-                    </a:cxn>
-                    <a:cxn ang="0">
-                      <a:pos x="connsiteX23" y="connsiteY23"/>
-                    </a:cxn>
-                    <a:cxn ang="0">
-                      <a:pos x="connsiteX24" y="connsiteY24"/>
-                    </a:cxn>
-                    <a:cxn ang="0">
-                      <a:pos x="connsiteX25" y="connsiteY25"/>
-                    </a:cxn>
-                    <a:cxn ang="0">
-                      <a:pos x="connsiteX26" y="connsiteY26"/>
-                    </a:cxn>
-                    <a:cxn ang="0">
-                      <a:pos x="connsiteX27" y="connsiteY27"/>
-                    </a:cxn>
-                    <a:cxn ang="0">
-                      <a:pos x="connsiteX28" y="connsiteY28"/>
-                    </a:cxn>
-                    <a:cxn ang="0">
-                      <a:pos x="connsiteX29" y="connsiteY29"/>
-                    </a:cxn>
-                    <a:cxn ang="0">
-                      <a:pos x="connsiteX30" y="connsiteY30"/>
-                    </a:cxn>
-                    <a:cxn ang="0">
-                      <a:pos x="connsiteX31" y="connsiteY31"/>
-                    </a:cxn>
-                    <a:cxn ang="0">
-                      <a:pos x="connsiteX32" y="connsiteY32"/>
-                    </a:cxn>
-                  </a:cxnLst>
-                  <a:rect l="l" t="t" r="r" b="b"/>
-                  <a:pathLst>
-                    <a:path w="616700" h="239232">
-                      <a:moveTo>
-                        <a:pt x="0" y="228600"/>
-                      </a:moveTo>
-                      <a:cubicBezTo>
-                        <a:pt x="5316" y="198474"/>
-                        <a:pt x="9949" y="168220"/>
-                        <a:pt x="15949" y="138223"/>
-                      </a:cubicBezTo>
-                      <a:cubicBezTo>
-                        <a:pt x="17721" y="129363"/>
-                        <a:pt x="18888" y="120359"/>
-                        <a:pt x="21266" y="111642"/>
-                      </a:cubicBezTo>
-                      <a:cubicBezTo>
-                        <a:pt x="24215" y="100829"/>
-                        <a:pt x="25174" y="88710"/>
-                        <a:pt x="31898" y="79744"/>
-                      </a:cubicBezTo>
-                      <a:cubicBezTo>
-                        <a:pt x="36653" y="73404"/>
-                        <a:pt x="46075" y="72655"/>
-                        <a:pt x="53163" y="69111"/>
-                      </a:cubicBezTo>
-                      <a:cubicBezTo>
-                        <a:pt x="72936" y="148191"/>
-                        <a:pt x="40316" y="33224"/>
-                        <a:pt x="74428" y="106325"/>
-                      </a:cubicBezTo>
-                      <a:cubicBezTo>
-                        <a:pt x="83907" y="126638"/>
-                        <a:pt x="89535" y="148568"/>
-                        <a:pt x="95693" y="170121"/>
-                      </a:cubicBezTo>
-                      <a:cubicBezTo>
-                        <a:pt x="99237" y="182526"/>
-                        <a:pt x="100148" y="196009"/>
-                        <a:pt x="106326" y="207335"/>
-                      </a:cubicBezTo>
-                      <a:cubicBezTo>
-                        <a:pt x="116402" y="225808"/>
-                        <a:pt x="131900" y="230755"/>
-                        <a:pt x="148856" y="239232"/>
-                      </a:cubicBezTo>
-                      <a:cubicBezTo>
-                        <a:pt x="164805" y="232144"/>
-                        <a:pt x="184766" y="230700"/>
-                        <a:pt x="196703" y="217967"/>
-                      </a:cubicBezTo>
-                      <a:cubicBezTo>
-                        <a:pt x="212964" y="200622"/>
-                        <a:pt x="228600" y="154172"/>
-                        <a:pt x="228600" y="154172"/>
-                      </a:cubicBezTo>
-                      <a:cubicBezTo>
-                        <a:pt x="223406" y="138589"/>
-                        <a:pt x="170729" y="45872"/>
-                        <a:pt x="228600" y="26581"/>
-                      </a:cubicBezTo>
-                      <a:cubicBezTo>
-                        <a:pt x="246707" y="20545"/>
-                        <a:pt x="264042" y="40758"/>
-                        <a:pt x="281763" y="47846"/>
-                      </a:cubicBezTo>
-                      <a:cubicBezTo>
-                        <a:pt x="300714" y="85746"/>
-                        <a:pt x="286984" y="52684"/>
-                        <a:pt x="297712" y="106325"/>
-                      </a:cubicBezTo>
-                      <a:cubicBezTo>
-                        <a:pt x="298811" y="111820"/>
-                        <a:pt x="301768" y="116814"/>
-                        <a:pt x="303028" y="122274"/>
-                      </a:cubicBezTo>
-                      <a:cubicBezTo>
-                        <a:pt x="307092" y="139883"/>
-                        <a:pt x="310331" y="157675"/>
-                        <a:pt x="313661" y="175437"/>
-                      </a:cubicBezTo>
-                      <a:cubicBezTo>
-                        <a:pt x="315648" y="186032"/>
-                        <a:pt x="311962" y="199151"/>
-                        <a:pt x="318977" y="207335"/>
-                      </a:cubicBezTo>
-                      <a:cubicBezTo>
-                        <a:pt x="324858" y="214196"/>
-                        <a:pt x="336738" y="210691"/>
-                        <a:pt x="345559" y="212651"/>
-                      </a:cubicBezTo>
-                      <a:cubicBezTo>
-                        <a:pt x="365584" y="217101"/>
-                        <a:pt x="365013" y="217363"/>
-                        <a:pt x="382773" y="223283"/>
-                      </a:cubicBezTo>
-                      <a:cubicBezTo>
-                        <a:pt x="388662" y="216216"/>
-                        <a:pt x="413118" y="189173"/>
-                        <a:pt x="419986" y="175437"/>
-                      </a:cubicBezTo>
-                      <a:cubicBezTo>
-                        <a:pt x="427947" y="159515"/>
-                        <a:pt x="424548" y="151119"/>
-                        <a:pt x="430619" y="132907"/>
-                      </a:cubicBezTo>
-                      <a:cubicBezTo>
-                        <a:pt x="433125" y="125389"/>
-                        <a:pt x="437708" y="118730"/>
-                        <a:pt x="441252" y="111642"/>
-                      </a:cubicBezTo>
-                      <a:cubicBezTo>
-                        <a:pt x="443024" y="83288"/>
-                        <a:pt x="442354" y="54676"/>
-                        <a:pt x="446568" y="26581"/>
-                      </a:cubicBezTo>
-                      <a:cubicBezTo>
-                        <a:pt x="447744" y="18744"/>
-                        <a:pt x="450480" y="9516"/>
-                        <a:pt x="457200" y="5316"/>
-                      </a:cubicBezTo>
-                      <a:cubicBezTo>
-                        <a:pt x="466341" y="-397"/>
-                        <a:pt x="478465" y="1772"/>
-                        <a:pt x="489098" y="0"/>
-                      </a:cubicBezTo>
-                      <a:cubicBezTo>
-                        <a:pt x="499731" y="7088"/>
-                        <a:pt x="515281" y="9835"/>
-                        <a:pt x="520996" y="21265"/>
-                      </a:cubicBezTo>
-                      <a:cubicBezTo>
-                        <a:pt x="528961" y="37194"/>
-                        <a:pt x="523906" y="56782"/>
-                        <a:pt x="526312" y="74428"/>
-                      </a:cubicBezTo>
-                      <a:cubicBezTo>
-                        <a:pt x="529225" y="95789"/>
-                        <a:pt x="533896" y="116881"/>
-                        <a:pt x="536945" y="138223"/>
-                      </a:cubicBezTo>
-                      <a:cubicBezTo>
-                        <a:pt x="539214" y="154109"/>
-                        <a:pt x="539992" y="170183"/>
-                        <a:pt x="542261" y="186069"/>
-                      </a:cubicBezTo>
-                      <a:cubicBezTo>
-                        <a:pt x="543539" y="195014"/>
-                        <a:pt x="542565" y="205132"/>
-                        <a:pt x="547577" y="212651"/>
-                      </a:cubicBezTo>
-                      <a:cubicBezTo>
-                        <a:pt x="550685" y="217314"/>
-                        <a:pt x="558089" y="216608"/>
-                        <a:pt x="563526" y="217967"/>
-                      </a:cubicBezTo>
-                      <a:cubicBezTo>
-                        <a:pt x="572292" y="220158"/>
-                        <a:pt x="581247" y="221511"/>
-                        <a:pt x="590107" y="223283"/>
-                      </a:cubicBezTo>
-                      <a:cubicBezTo>
-                        <a:pt x="618073" y="200911"/>
-                        <a:pt x="616689" y="213365"/>
-                        <a:pt x="616689" y="196702"/>
-                      </a:cubicBezTo>
-                    </a:path>
-                  </a:pathLst>
-                </a:custGeom>
-                <a:noFill/>
-                <a:ln>
-                  <a:solidFill>
-                    <a:srgbClr val="FF0000"/>
-                  </a:solidFill>
-                </a:ln>
-              </p:spPr>
-              <p:style>
-                <a:lnRef idx="2">
-                  <a:schemeClr val="accent1">
-                    <a:shade val="50000"/>
-                  </a:schemeClr>
-                </a:lnRef>
-                <a:fillRef idx="1">
-                  <a:schemeClr val="accent1"/>
-                </a:fillRef>
-                <a:effectRef idx="0">
-                  <a:schemeClr val="accent1"/>
-                </a:effectRef>
-                <a:fontRef idx="minor">
-                  <a:schemeClr val="lt1"/>
-                </a:fontRef>
-              </p:style>
-              <p:txBody>
-                <a:bodyPr rtlCol="0" anchor="ctr"/>
-                <a:lstStyle/>
-                <a:p>
-                  <a:pPr algn="ctr"/>
-                  <a:endParaRPr lang="en-US"/>
-                </a:p>
-              </p:txBody>
-            </p:sp>
-            <p:sp>
-              <p:nvSpPr>
-                <p:cNvPr id="455" name="Freeform: Shape 454">
-                  <a:extLst>
-                    <a:ext uri="{FF2B5EF4-FFF2-40B4-BE49-F238E27FC236}">
-                      <a16:creationId xmlns:a16="http://schemas.microsoft.com/office/drawing/2014/main" id="{3BC4D098-264E-F750-8E03-B5AF9BF3BB3F}"/>
-                    </a:ext>
-                  </a:extLst>
-                </p:cNvPr>
-                <p:cNvSpPr/>
-                <p:nvPr/>
-              </p:nvSpPr>
-              <p:spPr>
-                <a:xfrm>
-                  <a:off x="2998381" y="4832497"/>
-                  <a:ext cx="265814" cy="45719"/>
-                </a:xfrm>
-                <a:custGeom>
-                  <a:avLst/>
-                  <a:gdLst>
-                    <a:gd name="connsiteX0" fmla="*/ 0 w 616700"/>
-                    <a:gd name="connsiteY0" fmla="*/ 228600 h 239232"/>
-                    <a:gd name="connsiteX1" fmla="*/ 15949 w 616700"/>
-                    <a:gd name="connsiteY1" fmla="*/ 138223 h 239232"/>
-                    <a:gd name="connsiteX2" fmla="*/ 21266 w 616700"/>
-                    <a:gd name="connsiteY2" fmla="*/ 111642 h 239232"/>
-                    <a:gd name="connsiteX3" fmla="*/ 31898 w 616700"/>
-                    <a:gd name="connsiteY3" fmla="*/ 79744 h 239232"/>
-                    <a:gd name="connsiteX4" fmla="*/ 53163 w 616700"/>
-                    <a:gd name="connsiteY4" fmla="*/ 69111 h 239232"/>
-                    <a:gd name="connsiteX5" fmla="*/ 74428 w 616700"/>
-                    <a:gd name="connsiteY5" fmla="*/ 106325 h 239232"/>
-                    <a:gd name="connsiteX6" fmla="*/ 95693 w 616700"/>
-                    <a:gd name="connsiteY6" fmla="*/ 170121 h 239232"/>
-                    <a:gd name="connsiteX7" fmla="*/ 106326 w 616700"/>
-                    <a:gd name="connsiteY7" fmla="*/ 207335 h 239232"/>
-                    <a:gd name="connsiteX8" fmla="*/ 148856 w 616700"/>
-                    <a:gd name="connsiteY8" fmla="*/ 239232 h 239232"/>
-                    <a:gd name="connsiteX9" fmla="*/ 196703 w 616700"/>
-                    <a:gd name="connsiteY9" fmla="*/ 217967 h 239232"/>
-                    <a:gd name="connsiteX10" fmla="*/ 228600 w 616700"/>
-                    <a:gd name="connsiteY10" fmla="*/ 154172 h 239232"/>
-                    <a:gd name="connsiteX11" fmla="*/ 228600 w 616700"/>
-                    <a:gd name="connsiteY11" fmla="*/ 26581 h 239232"/>
-                    <a:gd name="connsiteX12" fmla="*/ 281763 w 616700"/>
-                    <a:gd name="connsiteY12" fmla="*/ 47846 h 239232"/>
-                    <a:gd name="connsiteX13" fmla="*/ 297712 w 616700"/>
-                    <a:gd name="connsiteY13" fmla="*/ 106325 h 239232"/>
-                    <a:gd name="connsiteX14" fmla="*/ 303028 w 616700"/>
-                    <a:gd name="connsiteY14" fmla="*/ 122274 h 239232"/>
-                    <a:gd name="connsiteX15" fmla="*/ 313661 w 616700"/>
-                    <a:gd name="connsiteY15" fmla="*/ 175437 h 239232"/>
-                    <a:gd name="connsiteX16" fmla="*/ 318977 w 616700"/>
-                    <a:gd name="connsiteY16" fmla="*/ 207335 h 239232"/>
-                    <a:gd name="connsiteX17" fmla="*/ 345559 w 616700"/>
-                    <a:gd name="connsiteY17" fmla="*/ 212651 h 239232"/>
-                    <a:gd name="connsiteX18" fmla="*/ 382773 w 616700"/>
-                    <a:gd name="connsiteY18" fmla="*/ 223283 h 239232"/>
-                    <a:gd name="connsiteX19" fmla="*/ 419986 w 616700"/>
-                    <a:gd name="connsiteY19" fmla="*/ 175437 h 239232"/>
-                    <a:gd name="connsiteX20" fmla="*/ 430619 w 616700"/>
-                    <a:gd name="connsiteY20" fmla="*/ 132907 h 239232"/>
-                    <a:gd name="connsiteX21" fmla="*/ 441252 w 616700"/>
-                    <a:gd name="connsiteY21" fmla="*/ 111642 h 239232"/>
-                    <a:gd name="connsiteX22" fmla="*/ 446568 w 616700"/>
-                    <a:gd name="connsiteY22" fmla="*/ 26581 h 239232"/>
-                    <a:gd name="connsiteX23" fmla="*/ 457200 w 616700"/>
-                    <a:gd name="connsiteY23" fmla="*/ 5316 h 239232"/>
-                    <a:gd name="connsiteX24" fmla="*/ 489098 w 616700"/>
-                    <a:gd name="connsiteY24" fmla="*/ 0 h 239232"/>
-                    <a:gd name="connsiteX25" fmla="*/ 520996 w 616700"/>
-                    <a:gd name="connsiteY25" fmla="*/ 21265 h 239232"/>
-                    <a:gd name="connsiteX26" fmla="*/ 526312 w 616700"/>
-                    <a:gd name="connsiteY26" fmla="*/ 74428 h 239232"/>
-                    <a:gd name="connsiteX27" fmla="*/ 536945 w 616700"/>
-                    <a:gd name="connsiteY27" fmla="*/ 138223 h 239232"/>
-                    <a:gd name="connsiteX28" fmla="*/ 542261 w 616700"/>
-                    <a:gd name="connsiteY28" fmla="*/ 186069 h 239232"/>
-                    <a:gd name="connsiteX29" fmla="*/ 547577 w 616700"/>
-                    <a:gd name="connsiteY29" fmla="*/ 212651 h 239232"/>
-                    <a:gd name="connsiteX30" fmla="*/ 563526 w 616700"/>
-                    <a:gd name="connsiteY30" fmla="*/ 217967 h 239232"/>
-                    <a:gd name="connsiteX31" fmla="*/ 590107 w 616700"/>
-                    <a:gd name="connsiteY31" fmla="*/ 223283 h 239232"/>
-                    <a:gd name="connsiteX32" fmla="*/ 616689 w 616700"/>
-                    <a:gd name="connsiteY32" fmla="*/ 196702 h 239232"/>
-                  </a:gdLst>
-                  <a:ahLst/>
-                  <a:cxnLst>
-                    <a:cxn ang="0">
-                      <a:pos x="connsiteX0" y="connsiteY0"/>
-                    </a:cxn>
-                    <a:cxn ang="0">
-                      <a:pos x="connsiteX1" y="connsiteY1"/>
-                    </a:cxn>
-                    <a:cxn ang="0">
-                      <a:pos x="connsiteX2" y="connsiteY2"/>
-                    </a:cxn>
-                    <a:cxn ang="0">
-                      <a:pos x="connsiteX3" y="connsiteY3"/>
-                    </a:cxn>
-                    <a:cxn ang="0">
-                      <a:pos x="connsiteX4" y="connsiteY4"/>
-                    </a:cxn>
-                    <a:cxn ang="0">
-                      <a:pos x="connsiteX5" y="connsiteY5"/>
-                    </a:cxn>
-                    <a:cxn ang="0">
-                      <a:pos x="connsiteX6" y="connsiteY6"/>
-                    </a:cxn>
-                    <a:cxn ang="0">
-                      <a:pos x="connsiteX7" y="connsiteY7"/>
-                    </a:cxn>
-                    <a:cxn ang="0">
-                      <a:pos x="connsiteX8" y="connsiteY8"/>
-                    </a:cxn>
-                    <a:cxn ang="0">
-                      <a:pos x="connsiteX9" y="connsiteY9"/>
-                    </a:cxn>
-                    <a:cxn ang="0">
-                      <a:pos x="connsiteX10" y="connsiteY10"/>
-                    </a:cxn>
-                    <a:cxn ang="0">
-                      <a:pos x="connsiteX11" y="connsiteY11"/>
-                    </a:cxn>
-                    <a:cxn ang="0">
-                      <a:pos x="connsiteX12" y="connsiteY12"/>
-                    </a:cxn>
-                    <a:cxn ang="0">
-                      <a:pos x="connsiteX13" y="connsiteY13"/>
-                    </a:cxn>
-                    <a:cxn ang="0">
-                      <a:pos x="connsiteX14" y="connsiteY14"/>
-                    </a:cxn>
-                    <a:cxn ang="0">
-                      <a:pos x="connsiteX15" y="connsiteY15"/>
-                    </a:cxn>
-                    <a:cxn ang="0">
-                      <a:pos x="connsiteX16" y="connsiteY16"/>
-                    </a:cxn>
-                    <a:cxn ang="0">
-                      <a:pos x="connsiteX17" y="connsiteY17"/>
-                    </a:cxn>
-                    <a:cxn ang="0">
-                      <a:pos x="connsiteX18" y="connsiteY18"/>
-                    </a:cxn>
-                    <a:cxn ang="0">
-                      <a:pos x="connsiteX19" y="connsiteY19"/>
-                    </a:cxn>
-                    <a:cxn ang="0">
-                      <a:pos x="connsiteX20" y="connsiteY20"/>
-                    </a:cxn>
-                    <a:cxn ang="0">
-                      <a:pos x="connsiteX21" y="connsiteY21"/>
-                    </a:cxn>
-                    <a:cxn ang="0">
-                      <a:pos x="connsiteX22" y="connsiteY22"/>
-                    </a:cxn>
-                    <a:cxn ang="0">
-                      <a:pos x="connsiteX23" y="connsiteY23"/>
-                    </a:cxn>
-                    <a:cxn ang="0">
-                      <a:pos x="connsiteX24" y="connsiteY24"/>
-                    </a:cxn>
-                    <a:cxn ang="0">
-                      <a:pos x="connsiteX25" y="connsiteY25"/>
-                    </a:cxn>
-                    <a:cxn ang="0">
-                      <a:pos x="connsiteX26" y="connsiteY26"/>
-                    </a:cxn>
-                    <a:cxn ang="0">
-                      <a:pos x="connsiteX27" y="connsiteY27"/>
-                    </a:cxn>
-                    <a:cxn ang="0">
-                      <a:pos x="connsiteX28" y="connsiteY28"/>
-                    </a:cxn>
-                    <a:cxn ang="0">
-                      <a:pos x="connsiteX29" y="connsiteY29"/>
-                    </a:cxn>
-                    <a:cxn ang="0">
-                      <a:pos x="connsiteX30" y="connsiteY30"/>
-                    </a:cxn>
-                    <a:cxn ang="0">
-                      <a:pos x="connsiteX31" y="connsiteY31"/>
-                    </a:cxn>
-                    <a:cxn ang="0">
-                      <a:pos x="connsiteX32" y="connsiteY32"/>
-                    </a:cxn>
-                  </a:cxnLst>
-                  <a:rect l="l" t="t" r="r" b="b"/>
-                  <a:pathLst>
-                    <a:path w="616700" h="239232">
-                      <a:moveTo>
-                        <a:pt x="0" y="228600"/>
-                      </a:moveTo>
-                      <a:cubicBezTo>
-                        <a:pt x="5316" y="198474"/>
-                        <a:pt x="9949" y="168220"/>
-                        <a:pt x="15949" y="138223"/>
-                      </a:cubicBezTo>
-                      <a:cubicBezTo>
-                        <a:pt x="17721" y="129363"/>
-                        <a:pt x="18888" y="120359"/>
-                        <a:pt x="21266" y="111642"/>
-                      </a:cubicBezTo>
-                      <a:cubicBezTo>
-                        <a:pt x="24215" y="100829"/>
-                        <a:pt x="25174" y="88710"/>
-                        <a:pt x="31898" y="79744"/>
-                      </a:cubicBezTo>
-                      <a:cubicBezTo>
-                        <a:pt x="36653" y="73404"/>
-                        <a:pt x="46075" y="72655"/>
-                        <a:pt x="53163" y="69111"/>
-                      </a:cubicBezTo>
-                      <a:cubicBezTo>
-                        <a:pt x="72936" y="148191"/>
-                        <a:pt x="40316" y="33224"/>
-                        <a:pt x="74428" y="106325"/>
-                      </a:cubicBezTo>
-                      <a:cubicBezTo>
-                        <a:pt x="83907" y="126638"/>
-                        <a:pt x="89535" y="148568"/>
-                        <a:pt x="95693" y="170121"/>
-                      </a:cubicBezTo>
-                      <a:cubicBezTo>
-                        <a:pt x="99237" y="182526"/>
-                        <a:pt x="100148" y="196009"/>
-                        <a:pt x="106326" y="207335"/>
-                      </a:cubicBezTo>
-                      <a:cubicBezTo>
-                        <a:pt x="116402" y="225808"/>
-                        <a:pt x="131900" y="230755"/>
-                        <a:pt x="148856" y="239232"/>
-                      </a:cubicBezTo>
-                      <a:cubicBezTo>
-                        <a:pt x="164805" y="232144"/>
-                        <a:pt x="184766" y="230700"/>
-                        <a:pt x="196703" y="217967"/>
-                      </a:cubicBezTo>
-                      <a:cubicBezTo>
-                        <a:pt x="212964" y="200622"/>
-                        <a:pt x="228600" y="154172"/>
-                        <a:pt x="228600" y="154172"/>
-                      </a:cubicBezTo>
-                      <a:cubicBezTo>
-                        <a:pt x="223406" y="138589"/>
-                        <a:pt x="170729" y="45872"/>
-                        <a:pt x="228600" y="26581"/>
-                      </a:cubicBezTo>
-                      <a:cubicBezTo>
-                        <a:pt x="246707" y="20545"/>
-                        <a:pt x="264042" y="40758"/>
-                        <a:pt x="281763" y="47846"/>
-                      </a:cubicBezTo>
-                      <a:cubicBezTo>
-                        <a:pt x="300714" y="85746"/>
-                        <a:pt x="286984" y="52684"/>
-                        <a:pt x="297712" y="106325"/>
-                      </a:cubicBezTo>
-                      <a:cubicBezTo>
-                        <a:pt x="298811" y="111820"/>
-                        <a:pt x="301768" y="116814"/>
-                        <a:pt x="303028" y="122274"/>
-                      </a:cubicBezTo>
-                      <a:cubicBezTo>
-                        <a:pt x="307092" y="139883"/>
-                        <a:pt x="310331" y="157675"/>
-                        <a:pt x="313661" y="175437"/>
-                      </a:cubicBezTo>
-                      <a:cubicBezTo>
-                        <a:pt x="315648" y="186032"/>
-                        <a:pt x="311962" y="199151"/>
-                        <a:pt x="318977" y="207335"/>
-                      </a:cubicBezTo>
-                      <a:cubicBezTo>
-                        <a:pt x="324858" y="214196"/>
-                        <a:pt x="336738" y="210691"/>
-                        <a:pt x="345559" y="212651"/>
-                      </a:cubicBezTo>
-                      <a:cubicBezTo>
-                        <a:pt x="365584" y="217101"/>
-                        <a:pt x="365013" y="217363"/>
-                        <a:pt x="382773" y="223283"/>
-                      </a:cubicBezTo>
-                      <a:cubicBezTo>
-                        <a:pt x="388662" y="216216"/>
-                        <a:pt x="413118" y="189173"/>
-                        <a:pt x="419986" y="175437"/>
-                      </a:cubicBezTo>
-                      <a:cubicBezTo>
-                        <a:pt x="427947" y="159515"/>
-                        <a:pt x="424548" y="151119"/>
-                        <a:pt x="430619" y="132907"/>
-                      </a:cubicBezTo>
-                      <a:cubicBezTo>
-                        <a:pt x="433125" y="125389"/>
-                        <a:pt x="437708" y="118730"/>
-                        <a:pt x="441252" y="111642"/>
-                      </a:cubicBezTo>
-                      <a:cubicBezTo>
-                        <a:pt x="443024" y="83288"/>
-                        <a:pt x="442354" y="54676"/>
-                        <a:pt x="446568" y="26581"/>
-                      </a:cubicBezTo>
-                      <a:cubicBezTo>
-                        <a:pt x="447744" y="18744"/>
-                        <a:pt x="450480" y="9516"/>
-                        <a:pt x="457200" y="5316"/>
-                      </a:cubicBezTo>
-                      <a:cubicBezTo>
-                        <a:pt x="466341" y="-397"/>
-                        <a:pt x="478465" y="1772"/>
-                        <a:pt x="489098" y="0"/>
-                      </a:cubicBezTo>
-                      <a:cubicBezTo>
-                        <a:pt x="499731" y="7088"/>
-                        <a:pt x="515281" y="9835"/>
-                        <a:pt x="520996" y="21265"/>
-                      </a:cubicBezTo>
-                      <a:cubicBezTo>
-                        <a:pt x="528961" y="37194"/>
-                        <a:pt x="523906" y="56782"/>
-                        <a:pt x="526312" y="74428"/>
-                      </a:cubicBezTo>
-                      <a:cubicBezTo>
-                        <a:pt x="529225" y="95789"/>
-                        <a:pt x="533896" y="116881"/>
-                        <a:pt x="536945" y="138223"/>
-                      </a:cubicBezTo>
-                      <a:cubicBezTo>
-                        <a:pt x="539214" y="154109"/>
-                        <a:pt x="539992" y="170183"/>
-                        <a:pt x="542261" y="186069"/>
-                      </a:cubicBezTo>
-                      <a:cubicBezTo>
-                        <a:pt x="543539" y="195014"/>
-                        <a:pt x="542565" y="205132"/>
-                        <a:pt x="547577" y="212651"/>
-                      </a:cubicBezTo>
-                      <a:cubicBezTo>
-                        <a:pt x="550685" y="217314"/>
-                        <a:pt x="558089" y="216608"/>
-                        <a:pt x="563526" y="217967"/>
-                      </a:cubicBezTo>
-                      <a:cubicBezTo>
-                        <a:pt x="572292" y="220158"/>
-                        <a:pt x="581247" y="221511"/>
-                        <a:pt x="590107" y="223283"/>
-                      </a:cubicBezTo>
-                      <a:cubicBezTo>
-                        <a:pt x="618073" y="200911"/>
-                        <a:pt x="616689" y="213365"/>
-                        <a:pt x="616689" y="196702"/>
-                      </a:cubicBezTo>
-                    </a:path>
-                  </a:pathLst>
-                </a:custGeom>
-                <a:noFill/>
-                <a:ln>
-                  <a:solidFill>
-                    <a:srgbClr val="FF0000"/>
-                  </a:solidFill>
-                </a:ln>
-              </p:spPr>
-              <p:style>
-                <a:lnRef idx="2">
-                  <a:schemeClr val="accent1">
-                    <a:shade val="50000"/>
-                  </a:schemeClr>
-                </a:lnRef>
-                <a:fillRef idx="1">
-                  <a:schemeClr val="accent1"/>
-                </a:fillRef>
-                <a:effectRef idx="0">
-                  <a:schemeClr val="accent1"/>
-                </a:effectRef>
-                <a:fontRef idx="minor">
-                  <a:schemeClr val="lt1"/>
-                </a:fontRef>
-              </p:style>
-              <p:txBody>
-                <a:bodyPr rtlCol="0" anchor="ctr"/>
-                <a:lstStyle/>
-                <a:p>
-                  <a:pPr algn="ctr"/>
-                  <a:endParaRPr lang="en-US"/>
-                </a:p>
-              </p:txBody>
-            </p:sp>
-          </p:grpSp>
+              <a:custGeom>
+                <a:avLst/>
+                <a:gdLst>
+                  <a:gd name="connsiteX0" fmla="*/ 0 w 616700"/>
+                  <a:gd name="connsiteY0" fmla="*/ 228600 h 239232"/>
+                  <a:gd name="connsiteX1" fmla="*/ 15949 w 616700"/>
+                  <a:gd name="connsiteY1" fmla="*/ 138223 h 239232"/>
+                  <a:gd name="connsiteX2" fmla="*/ 21266 w 616700"/>
+                  <a:gd name="connsiteY2" fmla="*/ 111642 h 239232"/>
+                  <a:gd name="connsiteX3" fmla="*/ 31898 w 616700"/>
+                  <a:gd name="connsiteY3" fmla="*/ 79744 h 239232"/>
+                  <a:gd name="connsiteX4" fmla="*/ 53163 w 616700"/>
+                  <a:gd name="connsiteY4" fmla="*/ 69111 h 239232"/>
+                  <a:gd name="connsiteX5" fmla="*/ 74428 w 616700"/>
+                  <a:gd name="connsiteY5" fmla="*/ 106325 h 239232"/>
+                  <a:gd name="connsiteX6" fmla="*/ 95693 w 616700"/>
+                  <a:gd name="connsiteY6" fmla="*/ 170121 h 239232"/>
+                  <a:gd name="connsiteX7" fmla="*/ 106326 w 616700"/>
+                  <a:gd name="connsiteY7" fmla="*/ 207335 h 239232"/>
+                  <a:gd name="connsiteX8" fmla="*/ 148856 w 616700"/>
+                  <a:gd name="connsiteY8" fmla="*/ 239232 h 239232"/>
+                  <a:gd name="connsiteX9" fmla="*/ 196703 w 616700"/>
+                  <a:gd name="connsiteY9" fmla="*/ 217967 h 239232"/>
+                  <a:gd name="connsiteX10" fmla="*/ 228600 w 616700"/>
+                  <a:gd name="connsiteY10" fmla="*/ 154172 h 239232"/>
+                  <a:gd name="connsiteX11" fmla="*/ 228600 w 616700"/>
+                  <a:gd name="connsiteY11" fmla="*/ 26581 h 239232"/>
+                  <a:gd name="connsiteX12" fmla="*/ 281763 w 616700"/>
+                  <a:gd name="connsiteY12" fmla="*/ 47846 h 239232"/>
+                  <a:gd name="connsiteX13" fmla="*/ 297712 w 616700"/>
+                  <a:gd name="connsiteY13" fmla="*/ 106325 h 239232"/>
+                  <a:gd name="connsiteX14" fmla="*/ 303028 w 616700"/>
+                  <a:gd name="connsiteY14" fmla="*/ 122274 h 239232"/>
+                  <a:gd name="connsiteX15" fmla="*/ 313661 w 616700"/>
+                  <a:gd name="connsiteY15" fmla="*/ 175437 h 239232"/>
+                  <a:gd name="connsiteX16" fmla="*/ 318977 w 616700"/>
+                  <a:gd name="connsiteY16" fmla="*/ 207335 h 239232"/>
+                  <a:gd name="connsiteX17" fmla="*/ 345559 w 616700"/>
+                  <a:gd name="connsiteY17" fmla="*/ 212651 h 239232"/>
+                  <a:gd name="connsiteX18" fmla="*/ 382773 w 616700"/>
+                  <a:gd name="connsiteY18" fmla="*/ 223283 h 239232"/>
+                  <a:gd name="connsiteX19" fmla="*/ 419986 w 616700"/>
+                  <a:gd name="connsiteY19" fmla="*/ 175437 h 239232"/>
+                  <a:gd name="connsiteX20" fmla="*/ 430619 w 616700"/>
+                  <a:gd name="connsiteY20" fmla="*/ 132907 h 239232"/>
+                  <a:gd name="connsiteX21" fmla="*/ 441252 w 616700"/>
+                  <a:gd name="connsiteY21" fmla="*/ 111642 h 239232"/>
+                  <a:gd name="connsiteX22" fmla="*/ 446568 w 616700"/>
+                  <a:gd name="connsiteY22" fmla="*/ 26581 h 239232"/>
+                  <a:gd name="connsiteX23" fmla="*/ 457200 w 616700"/>
+                  <a:gd name="connsiteY23" fmla="*/ 5316 h 239232"/>
+                  <a:gd name="connsiteX24" fmla="*/ 489098 w 616700"/>
+                  <a:gd name="connsiteY24" fmla="*/ 0 h 239232"/>
+                  <a:gd name="connsiteX25" fmla="*/ 520996 w 616700"/>
+                  <a:gd name="connsiteY25" fmla="*/ 21265 h 239232"/>
+                  <a:gd name="connsiteX26" fmla="*/ 526312 w 616700"/>
+                  <a:gd name="connsiteY26" fmla="*/ 74428 h 239232"/>
+                  <a:gd name="connsiteX27" fmla="*/ 536945 w 616700"/>
+                  <a:gd name="connsiteY27" fmla="*/ 138223 h 239232"/>
+                  <a:gd name="connsiteX28" fmla="*/ 542261 w 616700"/>
+                  <a:gd name="connsiteY28" fmla="*/ 186069 h 239232"/>
+                  <a:gd name="connsiteX29" fmla="*/ 547577 w 616700"/>
+                  <a:gd name="connsiteY29" fmla="*/ 212651 h 239232"/>
+                  <a:gd name="connsiteX30" fmla="*/ 563526 w 616700"/>
+                  <a:gd name="connsiteY30" fmla="*/ 217967 h 239232"/>
+                  <a:gd name="connsiteX31" fmla="*/ 590107 w 616700"/>
+                  <a:gd name="connsiteY31" fmla="*/ 223283 h 239232"/>
+                  <a:gd name="connsiteX32" fmla="*/ 616689 w 616700"/>
+                  <a:gd name="connsiteY32" fmla="*/ 196702 h 239232"/>
+                </a:gdLst>
+                <a:ahLst/>
+                <a:cxnLst>
+                  <a:cxn ang="0">
+                    <a:pos x="connsiteX0" y="connsiteY0"/>
+                  </a:cxn>
+                  <a:cxn ang="0">
+                    <a:pos x="connsiteX1" y="connsiteY1"/>
+                  </a:cxn>
+                  <a:cxn ang="0">
+                    <a:pos x="connsiteX2" y="connsiteY2"/>
+                  </a:cxn>
+                  <a:cxn ang="0">
+                    <a:pos x="connsiteX3" y="connsiteY3"/>
+                  </a:cxn>
+                  <a:cxn ang="0">
+                    <a:pos x="connsiteX4" y="connsiteY4"/>
+                  </a:cxn>
+                  <a:cxn ang="0">
+                    <a:pos x="connsiteX5" y="connsiteY5"/>
+                  </a:cxn>
+                  <a:cxn ang="0">
+                    <a:pos x="connsiteX6" y="connsiteY6"/>
+                  </a:cxn>
+                  <a:cxn ang="0">
+                    <a:pos x="connsiteX7" y="connsiteY7"/>
+                  </a:cxn>
+                  <a:cxn ang="0">
+                    <a:pos x="connsiteX8" y="connsiteY8"/>
+                  </a:cxn>
+                  <a:cxn ang="0">
+                    <a:pos x="connsiteX9" y="connsiteY9"/>
+                  </a:cxn>
+                  <a:cxn ang="0">
+                    <a:pos x="connsiteX10" y="connsiteY10"/>
+                  </a:cxn>
+                  <a:cxn ang="0">
+                    <a:pos x="connsiteX11" y="connsiteY11"/>
+                  </a:cxn>
+                  <a:cxn ang="0">
+                    <a:pos x="connsiteX12" y="connsiteY12"/>
+                  </a:cxn>
+                  <a:cxn ang="0">
+                    <a:pos x="connsiteX13" y="connsiteY13"/>
+                  </a:cxn>
+                  <a:cxn ang="0">
+                    <a:pos x="connsiteX14" y="connsiteY14"/>
+                  </a:cxn>
+                  <a:cxn ang="0">
+                    <a:pos x="connsiteX15" y="connsiteY15"/>
+                  </a:cxn>
+                  <a:cxn ang="0">
+                    <a:pos x="connsiteX16" y="connsiteY16"/>
+                  </a:cxn>
+                  <a:cxn ang="0">
+                    <a:pos x="connsiteX17" y="connsiteY17"/>
+                  </a:cxn>
+                  <a:cxn ang="0">
+                    <a:pos x="connsiteX18" y="connsiteY18"/>
+                  </a:cxn>
+                  <a:cxn ang="0">
+                    <a:pos x="connsiteX19" y="connsiteY19"/>
+                  </a:cxn>
+                  <a:cxn ang="0">
+                    <a:pos x="connsiteX20" y="connsiteY20"/>
+                  </a:cxn>
+                  <a:cxn ang="0">
+                    <a:pos x="connsiteX21" y="connsiteY21"/>
+                  </a:cxn>
+                  <a:cxn ang="0">
+                    <a:pos x="connsiteX22" y="connsiteY22"/>
+                  </a:cxn>
+                  <a:cxn ang="0">
+                    <a:pos x="connsiteX23" y="connsiteY23"/>
+                  </a:cxn>
+                  <a:cxn ang="0">
+                    <a:pos x="connsiteX24" y="connsiteY24"/>
+                  </a:cxn>
+                  <a:cxn ang="0">
+                    <a:pos x="connsiteX25" y="connsiteY25"/>
+                  </a:cxn>
+                  <a:cxn ang="0">
+                    <a:pos x="connsiteX26" y="connsiteY26"/>
+                  </a:cxn>
+                  <a:cxn ang="0">
+                    <a:pos x="connsiteX27" y="connsiteY27"/>
+                  </a:cxn>
+                  <a:cxn ang="0">
+                    <a:pos x="connsiteX28" y="connsiteY28"/>
+                  </a:cxn>
+                  <a:cxn ang="0">
+                    <a:pos x="connsiteX29" y="connsiteY29"/>
+                  </a:cxn>
+                  <a:cxn ang="0">
+                    <a:pos x="connsiteX30" y="connsiteY30"/>
+                  </a:cxn>
+                  <a:cxn ang="0">
+                    <a:pos x="connsiteX31" y="connsiteY31"/>
+                  </a:cxn>
+                  <a:cxn ang="0">
+                    <a:pos x="connsiteX32" y="connsiteY32"/>
+                  </a:cxn>
+                </a:cxnLst>
+                <a:rect l="l" t="t" r="r" b="b"/>
+                <a:pathLst>
+                  <a:path w="616700" h="239232">
+                    <a:moveTo>
+                      <a:pt x="0" y="228600"/>
+                    </a:moveTo>
+                    <a:cubicBezTo>
+                      <a:pt x="5316" y="198474"/>
+                      <a:pt x="9949" y="168220"/>
+                      <a:pt x="15949" y="138223"/>
+                    </a:cubicBezTo>
+                    <a:cubicBezTo>
+                      <a:pt x="17721" y="129363"/>
+                      <a:pt x="18888" y="120359"/>
+                      <a:pt x="21266" y="111642"/>
+                    </a:cubicBezTo>
+                    <a:cubicBezTo>
+                      <a:pt x="24215" y="100829"/>
+                      <a:pt x="25174" y="88710"/>
+                      <a:pt x="31898" y="79744"/>
+                    </a:cubicBezTo>
+                    <a:cubicBezTo>
+                      <a:pt x="36653" y="73404"/>
+                      <a:pt x="46075" y="72655"/>
+                      <a:pt x="53163" y="69111"/>
+                    </a:cubicBezTo>
+                    <a:cubicBezTo>
+                      <a:pt x="72936" y="148191"/>
+                      <a:pt x="40316" y="33224"/>
+                      <a:pt x="74428" y="106325"/>
+                    </a:cubicBezTo>
+                    <a:cubicBezTo>
+                      <a:pt x="83907" y="126638"/>
+                      <a:pt x="89535" y="148568"/>
+                      <a:pt x="95693" y="170121"/>
+                    </a:cubicBezTo>
+                    <a:cubicBezTo>
+                      <a:pt x="99237" y="182526"/>
+                      <a:pt x="100148" y="196009"/>
+                      <a:pt x="106326" y="207335"/>
+                    </a:cubicBezTo>
+                    <a:cubicBezTo>
+                      <a:pt x="116402" y="225808"/>
+                      <a:pt x="131900" y="230755"/>
+                      <a:pt x="148856" y="239232"/>
+                    </a:cubicBezTo>
+                    <a:cubicBezTo>
+                      <a:pt x="164805" y="232144"/>
+                      <a:pt x="184766" y="230700"/>
+                      <a:pt x="196703" y="217967"/>
+                    </a:cubicBezTo>
+                    <a:cubicBezTo>
+                      <a:pt x="212964" y="200622"/>
+                      <a:pt x="228600" y="154172"/>
+                      <a:pt x="228600" y="154172"/>
+                    </a:cubicBezTo>
+                    <a:cubicBezTo>
+                      <a:pt x="223406" y="138589"/>
+                      <a:pt x="170729" y="45872"/>
+                      <a:pt x="228600" y="26581"/>
+                    </a:cubicBezTo>
+                    <a:cubicBezTo>
+                      <a:pt x="246707" y="20545"/>
+                      <a:pt x="264042" y="40758"/>
+                      <a:pt x="281763" y="47846"/>
+                    </a:cubicBezTo>
+                    <a:cubicBezTo>
+                      <a:pt x="300714" y="85746"/>
+                      <a:pt x="286984" y="52684"/>
+                      <a:pt x="297712" y="106325"/>
+                    </a:cubicBezTo>
+                    <a:cubicBezTo>
+                      <a:pt x="298811" y="111820"/>
+                      <a:pt x="301768" y="116814"/>
+                      <a:pt x="303028" y="122274"/>
+                    </a:cubicBezTo>
+                    <a:cubicBezTo>
+                      <a:pt x="307092" y="139883"/>
+                      <a:pt x="310331" y="157675"/>
+                      <a:pt x="313661" y="175437"/>
+                    </a:cubicBezTo>
+                    <a:cubicBezTo>
+                      <a:pt x="315648" y="186032"/>
+                      <a:pt x="311962" y="199151"/>
+                      <a:pt x="318977" y="207335"/>
+                    </a:cubicBezTo>
+                    <a:cubicBezTo>
+                      <a:pt x="324858" y="214196"/>
+                      <a:pt x="336738" y="210691"/>
+                      <a:pt x="345559" y="212651"/>
+                    </a:cubicBezTo>
+                    <a:cubicBezTo>
+                      <a:pt x="365584" y="217101"/>
+                      <a:pt x="365013" y="217363"/>
+                      <a:pt x="382773" y="223283"/>
+                    </a:cubicBezTo>
+                    <a:cubicBezTo>
+                      <a:pt x="388662" y="216216"/>
+                      <a:pt x="413118" y="189173"/>
+                      <a:pt x="419986" y="175437"/>
+                    </a:cubicBezTo>
+                    <a:cubicBezTo>
+                      <a:pt x="427947" y="159515"/>
+                      <a:pt x="424548" y="151119"/>
+                      <a:pt x="430619" y="132907"/>
+                    </a:cubicBezTo>
+                    <a:cubicBezTo>
+                      <a:pt x="433125" y="125389"/>
+                      <a:pt x="437708" y="118730"/>
+                      <a:pt x="441252" y="111642"/>
+                    </a:cubicBezTo>
+                    <a:cubicBezTo>
+                      <a:pt x="443024" y="83288"/>
+                      <a:pt x="442354" y="54676"/>
+                      <a:pt x="446568" y="26581"/>
+                    </a:cubicBezTo>
+                    <a:cubicBezTo>
+                      <a:pt x="447744" y="18744"/>
+                      <a:pt x="450480" y="9516"/>
+                      <a:pt x="457200" y="5316"/>
+                    </a:cubicBezTo>
+                    <a:cubicBezTo>
+                      <a:pt x="466341" y="-397"/>
+                      <a:pt x="478465" y="1772"/>
+                      <a:pt x="489098" y="0"/>
+                    </a:cubicBezTo>
+                    <a:cubicBezTo>
+                      <a:pt x="499731" y="7088"/>
+                      <a:pt x="515281" y="9835"/>
+                      <a:pt x="520996" y="21265"/>
+                    </a:cubicBezTo>
+                    <a:cubicBezTo>
+                      <a:pt x="528961" y="37194"/>
+                      <a:pt x="523906" y="56782"/>
+                      <a:pt x="526312" y="74428"/>
+                    </a:cubicBezTo>
+                    <a:cubicBezTo>
+                      <a:pt x="529225" y="95789"/>
+                      <a:pt x="533896" y="116881"/>
+                      <a:pt x="536945" y="138223"/>
+                    </a:cubicBezTo>
+                    <a:cubicBezTo>
+                      <a:pt x="539214" y="154109"/>
+                      <a:pt x="539992" y="170183"/>
+                      <a:pt x="542261" y="186069"/>
+                    </a:cubicBezTo>
+                    <a:cubicBezTo>
+                      <a:pt x="543539" y="195014"/>
+                      <a:pt x="542565" y="205132"/>
+                      <a:pt x="547577" y="212651"/>
+                    </a:cubicBezTo>
+                    <a:cubicBezTo>
+                      <a:pt x="550685" y="217314"/>
+                      <a:pt x="558089" y="216608"/>
+                      <a:pt x="563526" y="217967"/>
+                    </a:cubicBezTo>
+                    <a:cubicBezTo>
+                      <a:pt x="572292" y="220158"/>
+                      <a:pt x="581247" y="221511"/>
+                      <a:pt x="590107" y="223283"/>
+                    </a:cubicBezTo>
+                    <a:cubicBezTo>
+                      <a:pt x="618073" y="200911"/>
+                      <a:pt x="616689" y="213365"/>
+                      <a:pt x="616689" y="196702"/>
+                    </a:cubicBezTo>
+                  </a:path>
+                </a:pathLst>
+              </a:custGeom>
+              <a:noFill/>
+              <a:ln>
+                <a:solidFill>
+                  <a:srgbClr val="FF0000"/>
+                </a:solidFill>
+              </a:ln>
+            </p:spPr>
+            <p:style>
+              <a:lnRef idx="2">
+                <a:schemeClr val="accent1">
+                  <a:shade val="50000"/>
+                </a:schemeClr>
+              </a:lnRef>
+              <a:fillRef idx="1">
+                <a:schemeClr val="accent1"/>
+              </a:fillRef>
+              <a:effectRef idx="0">
+                <a:schemeClr val="accent1"/>
+              </a:effectRef>
+              <a:fontRef idx="minor">
+                <a:schemeClr val="lt1"/>
+              </a:fontRef>
+            </p:style>
+            <p:txBody>
+              <a:bodyPr rtlCol="0" anchor="ctr"/>
+              <a:lstStyle/>
+              <a:p>
+                <a:pPr algn="ctr"/>
+                <a:endParaRPr lang="en-US" dirty="0"/>
+              </a:p>
+            </p:txBody>
+          </p:sp>
         </p:grpSp>
       </p:grpSp>
       <p:sp>
         <p:nvSpPr>
-          <p:cNvPr id="481" name="Freeform: Shape 480">
+          <p:cNvPr id="482" name="Freeform: Shape 481">
             <a:extLst>
               <a:ext uri="{FF2B5EF4-FFF2-40B4-BE49-F238E27FC236}">
-                <a16:creationId xmlns:a16="http://schemas.microsoft.com/office/drawing/2014/main" id="{896D0CBB-A768-6C09-4A65-7DEC67B1AB1F}"/>
+                <a16:creationId xmlns:a16="http://schemas.microsoft.com/office/drawing/2014/main" id="{FF6DCF83-E381-8CEC-25AC-B2CADA73FFB3}"/>
               </a:ext>
             </a:extLst>
           </p:cNvPr>
@@ -34367,8 +33939,8 @@
           <p:nvPr/>
         </p:nvSpPr>
         <p:spPr>
-          <a:xfrm rot="9078713" flipV="1">
-            <a:off x="8912115" y="3325633"/>
+          <a:xfrm rot="6371808" flipV="1">
+            <a:off x="8932854" y="3249387"/>
             <a:ext cx="110866" cy="91632"/>
           </a:xfrm>
           <a:custGeom>
@@ -34735,16 +34307,16 @@
           <a:lstStyle/>
           <a:p>
             <a:pPr algn="ctr"/>
-            <a:endParaRPr lang="en-US"/>
+            <a:endParaRPr lang="en-US" dirty="0"/>
           </a:p>
         </p:txBody>
       </p:sp>
       <p:sp>
         <p:nvSpPr>
-          <p:cNvPr id="482" name="Freeform: Shape 481">
+          <p:cNvPr id="483" name="Freeform: Shape 482">
             <a:extLst>
               <a:ext uri="{FF2B5EF4-FFF2-40B4-BE49-F238E27FC236}">
-                <a16:creationId xmlns:a16="http://schemas.microsoft.com/office/drawing/2014/main" id="{FF6DCF83-E381-8CEC-25AC-B2CADA73FFB3}"/>
+                <a16:creationId xmlns:a16="http://schemas.microsoft.com/office/drawing/2014/main" id="{D688DADC-4F80-6934-307A-F5EE9CCA59FD}"/>
               </a:ext>
             </a:extLst>
           </p:cNvPr>
@@ -34752,8 +34324,8 @@
           <p:nvPr/>
         </p:nvSpPr>
         <p:spPr>
-          <a:xfrm rot="9344361" flipV="1">
-            <a:off x="9031608" y="3303286"/>
+          <a:xfrm rot="8952787" flipV="1">
+            <a:off x="9336361" y="2856520"/>
             <a:ext cx="110866" cy="91632"/>
           </a:xfrm>
           <a:custGeom>
@@ -35120,392 +34692,7 @@
           <a:lstStyle/>
           <a:p>
             <a:pPr algn="ctr"/>
-            <a:endParaRPr lang="en-US"/>
-          </a:p>
-        </p:txBody>
-      </p:sp>
-      <p:sp>
-        <p:nvSpPr>
-          <p:cNvPr id="483" name="Freeform: Shape 482">
-            <a:extLst>
-              <a:ext uri="{FF2B5EF4-FFF2-40B4-BE49-F238E27FC236}">
-                <a16:creationId xmlns:a16="http://schemas.microsoft.com/office/drawing/2014/main" id="{D688DADC-4F80-6934-307A-F5EE9CCA59FD}"/>
-              </a:ext>
-            </a:extLst>
-          </p:cNvPr>
-          <p:cNvSpPr/>
-          <p:nvPr/>
-        </p:nvSpPr>
-        <p:spPr>
-          <a:xfrm rot="7780277" flipV="1">
-            <a:off x="9412205" y="2916052"/>
-            <a:ext cx="110866" cy="91632"/>
-          </a:xfrm>
-          <a:custGeom>
-            <a:avLst/>
-            <a:gdLst>
-              <a:gd name="connsiteX0" fmla="*/ 0 w 616700"/>
-              <a:gd name="connsiteY0" fmla="*/ 228600 h 239232"/>
-              <a:gd name="connsiteX1" fmla="*/ 15949 w 616700"/>
-              <a:gd name="connsiteY1" fmla="*/ 138223 h 239232"/>
-              <a:gd name="connsiteX2" fmla="*/ 21266 w 616700"/>
-              <a:gd name="connsiteY2" fmla="*/ 111642 h 239232"/>
-              <a:gd name="connsiteX3" fmla="*/ 31898 w 616700"/>
-              <a:gd name="connsiteY3" fmla="*/ 79744 h 239232"/>
-              <a:gd name="connsiteX4" fmla="*/ 53163 w 616700"/>
-              <a:gd name="connsiteY4" fmla="*/ 69111 h 239232"/>
-              <a:gd name="connsiteX5" fmla="*/ 74428 w 616700"/>
-              <a:gd name="connsiteY5" fmla="*/ 106325 h 239232"/>
-              <a:gd name="connsiteX6" fmla="*/ 95693 w 616700"/>
-              <a:gd name="connsiteY6" fmla="*/ 170121 h 239232"/>
-              <a:gd name="connsiteX7" fmla="*/ 106326 w 616700"/>
-              <a:gd name="connsiteY7" fmla="*/ 207335 h 239232"/>
-              <a:gd name="connsiteX8" fmla="*/ 148856 w 616700"/>
-              <a:gd name="connsiteY8" fmla="*/ 239232 h 239232"/>
-              <a:gd name="connsiteX9" fmla="*/ 196703 w 616700"/>
-              <a:gd name="connsiteY9" fmla="*/ 217967 h 239232"/>
-              <a:gd name="connsiteX10" fmla="*/ 228600 w 616700"/>
-              <a:gd name="connsiteY10" fmla="*/ 154172 h 239232"/>
-              <a:gd name="connsiteX11" fmla="*/ 228600 w 616700"/>
-              <a:gd name="connsiteY11" fmla="*/ 26581 h 239232"/>
-              <a:gd name="connsiteX12" fmla="*/ 281763 w 616700"/>
-              <a:gd name="connsiteY12" fmla="*/ 47846 h 239232"/>
-              <a:gd name="connsiteX13" fmla="*/ 297712 w 616700"/>
-              <a:gd name="connsiteY13" fmla="*/ 106325 h 239232"/>
-              <a:gd name="connsiteX14" fmla="*/ 303028 w 616700"/>
-              <a:gd name="connsiteY14" fmla="*/ 122274 h 239232"/>
-              <a:gd name="connsiteX15" fmla="*/ 313661 w 616700"/>
-              <a:gd name="connsiteY15" fmla="*/ 175437 h 239232"/>
-              <a:gd name="connsiteX16" fmla="*/ 318977 w 616700"/>
-              <a:gd name="connsiteY16" fmla="*/ 207335 h 239232"/>
-              <a:gd name="connsiteX17" fmla="*/ 345559 w 616700"/>
-              <a:gd name="connsiteY17" fmla="*/ 212651 h 239232"/>
-              <a:gd name="connsiteX18" fmla="*/ 382773 w 616700"/>
-              <a:gd name="connsiteY18" fmla="*/ 223283 h 239232"/>
-              <a:gd name="connsiteX19" fmla="*/ 419986 w 616700"/>
-              <a:gd name="connsiteY19" fmla="*/ 175437 h 239232"/>
-              <a:gd name="connsiteX20" fmla="*/ 430619 w 616700"/>
-              <a:gd name="connsiteY20" fmla="*/ 132907 h 239232"/>
-              <a:gd name="connsiteX21" fmla="*/ 441252 w 616700"/>
-              <a:gd name="connsiteY21" fmla="*/ 111642 h 239232"/>
-              <a:gd name="connsiteX22" fmla="*/ 446568 w 616700"/>
-              <a:gd name="connsiteY22" fmla="*/ 26581 h 239232"/>
-              <a:gd name="connsiteX23" fmla="*/ 457200 w 616700"/>
-              <a:gd name="connsiteY23" fmla="*/ 5316 h 239232"/>
-              <a:gd name="connsiteX24" fmla="*/ 489098 w 616700"/>
-              <a:gd name="connsiteY24" fmla="*/ 0 h 239232"/>
-              <a:gd name="connsiteX25" fmla="*/ 520996 w 616700"/>
-              <a:gd name="connsiteY25" fmla="*/ 21265 h 239232"/>
-              <a:gd name="connsiteX26" fmla="*/ 526312 w 616700"/>
-              <a:gd name="connsiteY26" fmla="*/ 74428 h 239232"/>
-              <a:gd name="connsiteX27" fmla="*/ 536945 w 616700"/>
-              <a:gd name="connsiteY27" fmla="*/ 138223 h 239232"/>
-              <a:gd name="connsiteX28" fmla="*/ 542261 w 616700"/>
-              <a:gd name="connsiteY28" fmla="*/ 186069 h 239232"/>
-              <a:gd name="connsiteX29" fmla="*/ 547577 w 616700"/>
-              <a:gd name="connsiteY29" fmla="*/ 212651 h 239232"/>
-              <a:gd name="connsiteX30" fmla="*/ 563526 w 616700"/>
-              <a:gd name="connsiteY30" fmla="*/ 217967 h 239232"/>
-              <a:gd name="connsiteX31" fmla="*/ 590107 w 616700"/>
-              <a:gd name="connsiteY31" fmla="*/ 223283 h 239232"/>
-              <a:gd name="connsiteX32" fmla="*/ 616689 w 616700"/>
-              <a:gd name="connsiteY32" fmla="*/ 196702 h 239232"/>
-            </a:gdLst>
-            <a:ahLst/>
-            <a:cxnLst>
-              <a:cxn ang="0">
-                <a:pos x="connsiteX0" y="connsiteY0"/>
-              </a:cxn>
-              <a:cxn ang="0">
-                <a:pos x="connsiteX1" y="connsiteY1"/>
-              </a:cxn>
-              <a:cxn ang="0">
-                <a:pos x="connsiteX2" y="connsiteY2"/>
-              </a:cxn>
-              <a:cxn ang="0">
-                <a:pos x="connsiteX3" y="connsiteY3"/>
-              </a:cxn>
-              <a:cxn ang="0">
-                <a:pos x="connsiteX4" y="connsiteY4"/>
-              </a:cxn>
-              <a:cxn ang="0">
-                <a:pos x="connsiteX5" y="connsiteY5"/>
-              </a:cxn>
-              <a:cxn ang="0">
-                <a:pos x="connsiteX6" y="connsiteY6"/>
-              </a:cxn>
-              <a:cxn ang="0">
-                <a:pos x="connsiteX7" y="connsiteY7"/>
-              </a:cxn>
-              <a:cxn ang="0">
-                <a:pos x="connsiteX8" y="connsiteY8"/>
-              </a:cxn>
-              <a:cxn ang="0">
-                <a:pos x="connsiteX9" y="connsiteY9"/>
-              </a:cxn>
-              <a:cxn ang="0">
-                <a:pos x="connsiteX10" y="connsiteY10"/>
-              </a:cxn>
-              <a:cxn ang="0">
-                <a:pos x="connsiteX11" y="connsiteY11"/>
-              </a:cxn>
-              <a:cxn ang="0">
-                <a:pos x="connsiteX12" y="connsiteY12"/>
-              </a:cxn>
-              <a:cxn ang="0">
-                <a:pos x="connsiteX13" y="connsiteY13"/>
-              </a:cxn>
-              <a:cxn ang="0">
-                <a:pos x="connsiteX14" y="connsiteY14"/>
-              </a:cxn>
-              <a:cxn ang="0">
-                <a:pos x="connsiteX15" y="connsiteY15"/>
-              </a:cxn>
-              <a:cxn ang="0">
-                <a:pos x="connsiteX16" y="connsiteY16"/>
-              </a:cxn>
-              <a:cxn ang="0">
-                <a:pos x="connsiteX17" y="connsiteY17"/>
-              </a:cxn>
-              <a:cxn ang="0">
-                <a:pos x="connsiteX18" y="connsiteY18"/>
-              </a:cxn>
-              <a:cxn ang="0">
-                <a:pos x="connsiteX19" y="connsiteY19"/>
-              </a:cxn>
-              <a:cxn ang="0">
-                <a:pos x="connsiteX20" y="connsiteY20"/>
-              </a:cxn>
-              <a:cxn ang="0">
-                <a:pos x="connsiteX21" y="connsiteY21"/>
-              </a:cxn>
-              <a:cxn ang="0">
-                <a:pos x="connsiteX22" y="connsiteY22"/>
-              </a:cxn>
-              <a:cxn ang="0">
-                <a:pos x="connsiteX23" y="connsiteY23"/>
-              </a:cxn>
-              <a:cxn ang="0">
-                <a:pos x="connsiteX24" y="connsiteY24"/>
-              </a:cxn>
-              <a:cxn ang="0">
-                <a:pos x="connsiteX25" y="connsiteY25"/>
-              </a:cxn>
-              <a:cxn ang="0">
-                <a:pos x="connsiteX26" y="connsiteY26"/>
-              </a:cxn>
-              <a:cxn ang="0">
-                <a:pos x="connsiteX27" y="connsiteY27"/>
-              </a:cxn>
-              <a:cxn ang="0">
-                <a:pos x="connsiteX28" y="connsiteY28"/>
-              </a:cxn>
-              <a:cxn ang="0">
-                <a:pos x="connsiteX29" y="connsiteY29"/>
-              </a:cxn>
-              <a:cxn ang="0">
-                <a:pos x="connsiteX30" y="connsiteY30"/>
-              </a:cxn>
-              <a:cxn ang="0">
-                <a:pos x="connsiteX31" y="connsiteY31"/>
-              </a:cxn>
-              <a:cxn ang="0">
-                <a:pos x="connsiteX32" y="connsiteY32"/>
-              </a:cxn>
-            </a:cxnLst>
-            <a:rect l="l" t="t" r="r" b="b"/>
-            <a:pathLst>
-              <a:path w="616700" h="239232">
-                <a:moveTo>
-                  <a:pt x="0" y="228600"/>
-                </a:moveTo>
-                <a:cubicBezTo>
-                  <a:pt x="5316" y="198474"/>
-                  <a:pt x="9949" y="168220"/>
-                  <a:pt x="15949" y="138223"/>
-                </a:cubicBezTo>
-                <a:cubicBezTo>
-                  <a:pt x="17721" y="129363"/>
-                  <a:pt x="18888" y="120359"/>
-                  <a:pt x="21266" y="111642"/>
-                </a:cubicBezTo>
-                <a:cubicBezTo>
-                  <a:pt x="24215" y="100829"/>
-                  <a:pt x="25174" y="88710"/>
-                  <a:pt x="31898" y="79744"/>
-                </a:cubicBezTo>
-                <a:cubicBezTo>
-                  <a:pt x="36653" y="73404"/>
-                  <a:pt x="46075" y="72655"/>
-                  <a:pt x="53163" y="69111"/>
-                </a:cubicBezTo>
-                <a:cubicBezTo>
-                  <a:pt x="72936" y="148191"/>
-                  <a:pt x="40316" y="33224"/>
-                  <a:pt x="74428" y="106325"/>
-                </a:cubicBezTo>
-                <a:cubicBezTo>
-                  <a:pt x="83907" y="126638"/>
-                  <a:pt x="89535" y="148568"/>
-                  <a:pt x="95693" y="170121"/>
-                </a:cubicBezTo>
-                <a:cubicBezTo>
-                  <a:pt x="99237" y="182526"/>
-                  <a:pt x="100148" y="196009"/>
-                  <a:pt x="106326" y="207335"/>
-                </a:cubicBezTo>
-                <a:cubicBezTo>
-                  <a:pt x="116402" y="225808"/>
-                  <a:pt x="131900" y="230755"/>
-                  <a:pt x="148856" y="239232"/>
-                </a:cubicBezTo>
-                <a:cubicBezTo>
-                  <a:pt x="164805" y="232144"/>
-                  <a:pt x="184766" y="230700"/>
-                  <a:pt x="196703" y="217967"/>
-                </a:cubicBezTo>
-                <a:cubicBezTo>
-                  <a:pt x="212964" y="200622"/>
-                  <a:pt x="228600" y="154172"/>
-                  <a:pt x="228600" y="154172"/>
-                </a:cubicBezTo>
-                <a:cubicBezTo>
-                  <a:pt x="223406" y="138589"/>
-                  <a:pt x="170729" y="45872"/>
-                  <a:pt x="228600" y="26581"/>
-                </a:cubicBezTo>
-                <a:cubicBezTo>
-                  <a:pt x="246707" y="20545"/>
-                  <a:pt x="264042" y="40758"/>
-                  <a:pt x="281763" y="47846"/>
-                </a:cubicBezTo>
-                <a:cubicBezTo>
-                  <a:pt x="300714" y="85746"/>
-                  <a:pt x="286984" y="52684"/>
-                  <a:pt x="297712" y="106325"/>
-                </a:cubicBezTo>
-                <a:cubicBezTo>
-                  <a:pt x="298811" y="111820"/>
-                  <a:pt x="301768" y="116814"/>
-                  <a:pt x="303028" y="122274"/>
-                </a:cubicBezTo>
-                <a:cubicBezTo>
-                  <a:pt x="307092" y="139883"/>
-                  <a:pt x="310331" y="157675"/>
-                  <a:pt x="313661" y="175437"/>
-                </a:cubicBezTo>
-                <a:cubicBezTo>
-                  <a:pt x="315648" y="186032"/>
-                  <a:pt x="311962" y="199151"/>
-                  <a:pt x="318977" y="207335"/>
-                </a:cubicBezTo>
-                <a:cubicBezTo>
-                  <a:pt x="324858" y="214196"/>
-                  <a:pt x="336738" y="210691"/>
-                  <a:pt x="345559" y="212651"/>
-                </a:cubicBezTo>
-                <a:cubicBezTo>
-                  <a:pt x="365584" y="217101"/>
-                  <a:pt x="365013" y="217363"/>
-                  <a:pt x="382773" y="223283"/>
-                </a:cubicBezTo>
-                <a:cubicBezTo>
-                  <a:pt x="388662" y="216216"/>
-                  <a:pt x="413118" y="189173"/>
-                  <a:pt x="419986" y="175437"/>
-                </a:cubicBezTo>
-                <a:cubicBezTo>
-                  <a:pt x="427947" y="159515"/>
-                  <a:pt x="424548" y="151119"/>
-                  <a:pt x="430619" y="132907"/>
-                </a:cubicBezTo>
-                <a:cubicBezTo>
-                  <a:pt x="433125" y="125389"/>
-                  <a:pt x="437708" y="118730"/>
-                  <a:pt x="441252" y="111642"/>
-                </a:cubicBezTo>
-                <a:cubicBezTo>
-                  <a:pt x="443024" y="83288"/>
-                  <a:pt x="442354" y="54676"/>
-                  <a:pt x="446568" y="26581"/>
-                </a:cubicBezTo>
-                <a:cubicBezTo>
-                  <a:pt x="447744" y="18744"/>
-                  <a:pt x="450480" y="9516"/>
-                  <a:pt x="457200" y="5316"/>
-                </a:cubicBezTo>
-                <a:cubicBezTo>
-                  <a:pt x="466341" y="-397"/>
-                  <a:pt x="478465" y="1772"/>
-                  <a:pt x="489098" y="0"/>
-                </a:cubicBezTo>
-                <a:cubicBezTo>
-                  <a:pt x="499731" y="7088"/>
-                  <a:pt x="515281" y="9835"/>
-                  <a:pt x="520996" y="21265"/>
-                </a:cubicBezTo>
-                <a:cubicBezTo>
-                  <a:pt x="528961" y="37194"/>
-                  <a:pt x="523906" y="56782"/>
-                  <a:pt x="526312" y="74428"/>
-                </a:cubicBezTo>
-                <a:cubicBezTo>
-                  <a:pt x="529225" y="95789"/>
-                  <a:pt x="533896" y="116881"/>
-                  <a:pt x="536945" y="138223"/>
-                </a:cubicBezTo>
-                <a:cubicBezTo>
-                  <a:pt x="539214" y="154109"/>
-                  <a:pt x="539992" y="170183"/>
-                  <a:pt x="542261" y="186069"/>
-                </a:cubicBezTo>
-                <a:cubicBezTo>
-                  <a:pt x="543539" y="195014"/>
-                  <a:pt x="542565" y="205132"/>
-                  <a:pt x="547577" y="212651"/>
-                </a:cubicBezTo>
-                <a:cubicBezTo>
-                  <a:pt x="550685" y="217314"/>
-                  <a:pt x="558089" y="216608"/>
-                  <a:pt x="563526" y="217967"/>
-                </a:cubicBezTo>
-                <a:cubicBezTo>
-                  <a:pt x="572292" y="220158"/>
-                  <a:pt x="581247" y="221511"/>
-                  <a:pt x="590107" y="223283"/>
-                </a:cubicBezTo>
-                <a:cubicBezTo>
-                  <a:pt x="618073" y="200911"/>
-                  <a:pt x="616689" y="213365"/>
-                  <a:pt x="616689" y="196702"/>
-                </a:cubicBezTo>
-              </a:path>
-            </a:pathLst>
-          </a:custGeom>
-          <a:noFill/>
-        </p:spPr>
-        <p:style>
-          <a:lnRef idx="2">
-            <a:schemeClr val="accent1">
-              <a:shade val="50000"/>
-            </a:schemeClr>
-          </a:lnRef>
-          <a:fillRef idx="1">
-            <a:schemeClr val="accent1"/>
-          </a:fillRef>
-          <a:effectRef idx="0">
-            <a:schemeClr val="accent1"/>
-          </a:effectRef>
-          <a:fontRef idx="minor">
-            <a:schemeClr val="lt1"/>
-          </a:fontRef>
-        </p:style>
-        <p:txBody>
-          <a:bodyPr rtlCol="0" anchor="ctr"/>
-          <a:lstStyle/>
-          <a:p>
-            <a:pPr algn="ctr"/>
-            <a:endParaRPr lang="en-US"/>
+            <a:endParaRPr lang="en-US" dirty="0"/>
           </a:p>
         </p:txBody>
       </p:sp>
@@ -35522,8 +34709,8 @@
           <p:nvPr/>
         </p:nvSpPr>
         <p:spPr>
-          <a:xfrm rot="6893650" flipV="1">
-            <a:off x="9350288" y="3000059"/>
+          <a:xfrm rot="8788032" flipV="1">
+            <a:off x="9249985" y="2926524"/>
             <a:ext cx="110866" cy="91632"/>
           </a:xfrm>
           <a:custGeom>
@@ -35907,9 +35094,9 @@
           <p:nvPr/>
         </p:nvSpPr>
         <p:spPr>
-          <a:xfrm rot="7780277" flipV="1">
-            <a:off x="9134387" y="3250754"/>
-            <a:ext cx="110866" cy="91632"/>
+          <a:xfrm rot="7031022" flipV="1">
+            <a:off x="8978307" y="3135333"/>
+            <a:ext cx="110866" cy="90698"/>
           </a:xfrm>
           <a:custGeom>
             <a:avLst/>
@@ -36275,7 +35462,7 @@
           <a:lstStyle/>
           <a:p>
             <a:pPr algn="ctr"/>
-            <a:endParaRPr lang="en-US"/>
+            <a:endParaRPr lang="en-US" dirty="0"/>
           </a:p>
         </p:txBody>
       </p:sp>
@@ -36292,8 +35479,8 @@
           <p:nvPr/>
         </p:nvSpPr>
         <p:spPr>
-          <a:xfrm rot="7190616" flipV="1">
-            <a:off x="9209797" y="3167177"/>
+          <a:xfrm rot="8093303" flipV="1">
+            <a:off x="9052257" y="3058953"/>
             <a:ext cx="123518" cy="80925"/>
           </a:xfrm>
           <a:custGeom>
@@ -36677,8 +35864,8 @@
           <p:nvPr/>
         </p:nvSpPr>
         <p:spPr>
-          <a:xfrm rot="6973892" flipV="1">
-            <a:off x="9285996" y="3079191"/>
+          <a:xfrm rot="7726815" flipV="1">
+            <a:off x="9152569" y="2979808"/>
             <a:ext cx="110866" cy="91632"/>
           </a:xfrm>
           <a:custGeom>
@@ -37063,7 +36250,7 @@
         </p:nvSpPr>
         <p:spPr>
           <a:xfrm rot="7780277" flipV="1">
-            <a:off x="11476256" y="1105060"/>
+            <a:off x="11428239" y="1075541"/>
             <a:ext cx="110866" cy="91632"/>
           </a:xfrm>
           <a:custGeom>
@@ -37448,7 +36635,7 @@
         </p:nvSpPr>
         <p:spPr>
           <a:xfrm rot="7642867" flipV="1">
-            <a:off x="11563568" y="1006122"/>
+            <a:off x="11512335" y="989915"/>
             <a:ext cx="123518" cy="82046"/>
           </a:xfrm>
           <a:custGeom>
@@ -37821,10 +37008,45 @@
       </p:sp>
       <p:sp>
         <p:nvSpPr>
-          <p:cNvPr id="490" name="Freeform: Shape 489">
+          <p:cNvPr id="493" name="TextBox 492">
             <a:extLst>
               <a:ext uri="{FF2B5EF4-FFF2-40B4-BE49-F238E27FC236}">
-                <a16:creationId xmlns:a16="http://schemas.microsoft.com/office/drawing/2014/main" id="{A121A9BC-B7F8-3FDC-57EC-6183D9BC4FEF}"/>
+                <a16:creationId xmlns:a16="http://schemas.microsoft.com/office/drawing/2014/main" id="{881CEE48-A79E-9C5C-C064-E5BC772190F8}"/>
+              </a:ext>
+            </a:extLst>
+          </p:cNvPr>
+          <p:cNvSpPr txBox="1"/>
+          <p:nvPr/>
+        </p:nvSpPr>
+        <p:spPr>
+          <a:xfrm>
+            <a:off x="11405470" y="3437056"/>
+            <a:ext cx="255494" cy="369332"/>
+          </a:xfrm>
+          <a:prstGeom prst="rect">
+            <a:avLst/>
+          </a:prstGeom>
+          <a:noFill/>
+        </p:spPr>
+        <p:txBody>
+          <a:bodyPr wrap="square" rtlCol="0">
+            <a:spAutoFit/>
+          </a:bodyPr>
+          <a:lstStyle/>
+          <a:p>
+            <a:r>
+              <a:rPr lang="en-US" dirty="0"/>
+              <a:t>x</a:t>
+            </a:r>
+          </a:p>
+        </p:txBody>
+      </p:sp>
+      <p:sp>
+        <p:nvSpPr>
+          <p:cNvPr id="496" name="Freeform: Shape 495">
+            <a:extLst>
+              <a:ext uri="{FF2B5EF4-FFF2-40B4-BE49-F238E27FC236}">
+                <a16:creationId xmlns:a16="http://schemas.microsoft.com/office/drawing/2014/main" id="{56279D50-9AD9-CCAC-90F2-906A51741A40}"/>
               </a:ext>
             </a:extLst>
           </p:cNvPr>
@@ -37832,8 +37054,8 @@
           <p:nvPr/>
         </p:nvSpPr>
         <p:spPr>
-          <a:xfrm rot="7819618" flipV="1">
-            <a:off x="11722628" y="802817"/>
+          <a:xfrm rot="5945600" flipV="1">
+            <a:off x="11578136" y="881458"/>
             <a:ext cx="123518" cy="80925"/>
           </a:xfrm>
           <a:custGeom>
@@ -38206,10 +37428,10 @@
       </p:sp>
       <p:sp>
         <p:nvSpPr>
-          <p:cNvPr id="491" name="Freeform: Shape 490">
+          <p:cNvPr id="5" name="Star: 5 Points 4">
             <a:extLst>
               <a:ext uri="{FF2B5EF4-FFF2-40B4-BE49-F238E27FC236}">
-                <a16:creationId xmlns:a16="http://schemas.microsoft.com/office/drawing/2014/main" id="{7039543C-7AB0-BD10-EA37-B877913F2450}"/>
+                <a16:creationId xmlns:a16="http://schemas.microsoft.com/office/drawing/2014/main" id="{1EC7B0ED-93EA-FEC3-ADF2-F387ACB5A2AB}"/>
               </a:ext>
             </a:extLst>
           </p:cNvPr>
@@ -38217,352 +37439,13 @@
           <p:nvPr/>
         </p:nvSpPr>
         <p:spPr>
-          <a:xfrm rot="9508214" flipV="1">
-            <a:off x="11804091" y="720454"/>
-            <a:ext cx="123518" cy="80925"/>
+          <a:xfrm>
+            <a:off x="1446532" y="799861"/>
+            <a:ext cx="45719" cy="45719"/>
           </a:xfrm>
-          <a:custGeom>
+          <a:prstGeom prst="star5">
             <a:avLst/>
-            <a:gdLst>
-              <a:gd name="connsiteX0" fmla="*/ 0 w 616700"/>
-              <a:gd name="connsiteY0" fmla="*/ 228600 h 239232"/>
-              <a:gd name="connsiteX1" fmla="*/ 15949 w 616700"/>
-              <a:gd name="connsiteY1" fmla="*/ 138223 h 239232"/>
-              <a:gd name="connsiteX2" fmla="*/ 21266 w 616700"/>
-              <a:gd name="connsiteY2" fmla="*/ 111642 h 239232"/>
-              <a:gd name="connsiteX3" fmla="*/ 31898 w 616700"/>
-              <a:gd name="connsiteY3" fmla="*/ 79744 h 239232"/>
-              <a:gd name="connsiteX4" fmla="*/ 53163 w 616700"/>
-              <a:gd name="connsiteY4" fmla="*/ 69111 h 239232"/>
-              <a:gd name="connsiteX5" fmla="*/ 74428 w 616700"/>
-              <a:gd name="connsiteY5" fmla="*/ 106325 h 239232"/>
-              <a:gd name="connsiteX6" fmla="*/ 95693 w 616700"/>
-              <a:gd name="connsiteY6" fmla="*/ 170121 h 239232"/>
-              <a:gd name="connsiteX7" fmla="*/ 106326 w 616700"/>
-              <a:gd name="connsiteY7" fmla="*/ 207335 h 239232"/>
-              <a:gd name="connsiteX8" fmla="*/ 148856 w 616700"/>
-              <a:gd name="connsiteY8" fmla="*/ 239232 h 239232"/>
-              <a:gd name="connsiteX9" fmla="*/ 196703 w 616700"/>
-              <a:gd name="connsiteY9" fmla="*/ 217967 h 239232"/>
-              <a:gd name="connsiteX10" fmla="*/ 228600 w 616700"/>
-              <a:gd name="connsiteY10" fmla="*/ 154172 h 239232"/>
-              <a:gd name="connsiteX11" fmla="*/ 228600 w 616700"/>
-              <a:gd name="connsiteY11" fmla="*/ 26581 h 239232"/>
-              <a:gd name="connsiteX12" fmla="*/ 281763 w 616700"/>
-              <a:gd name="connsiteY12" fmla="*/ 47846 h 239232"/>
-              <a:gd name="connsiteX13" fmla="*/ 297712 w 616700"/>
-              <a:gd name="connsiteY13" fmla="*/ 106325 h 239232"/>
-              <a:gd name="connsiteX14" fmla="*/ 303028 w 616700"/>
-              <a:gd name="connsiteY14" fmla="*/ 122274 h 239232"/>
-              <a:gd name="connsiteX15" fmla="*/ 313661 w 616700"/>
-              <a:gd name="connsiteY15" fmla="*/ 175437 h 239232"/>
-              <a:gd name="connsiteX16" fmla="*/ 318977 w 616700"/>
-              <a:gd name="connsiteY16" fmla="*/ 207335 h 239232"/>
-              <a:gd name="connsiteX17" fmla="*/ 345559 w 616700"/>
-              <a:gd name="connsiteY17" fmla="*/ 212651 h 239232"/>
-              <a:gd name="connsiteX18" fmla="*/ 382773 w 616700"/>
-              <a:gd name="connsiteY18" fmla="*/ 223283 h 239232"/>
-              <a:gd name="connsiteX19" fmla="*/ 419986 w 616700"/>
-              <a:gd name="connsiteY19" fmla="*/ 175437 h 239232"/>
-              <a:gd name="connsiteX20" fmla="*/ 430619 w 616700"/>
-              <a:gd name="connsiteY20" fmla="*/ 132907 h 239232"/>
-              <a:gd name="connsiteX21" fmla="*/ 441252 w 616700"/>
-              <a:gd name="connsiteY21" fmla="*/ 111642 h 239232"/>
-              <a:gd name="connsiteX22" fmla="*/ 446568 w 616700"/>
-              <a:gd name="connsiteY22" fmla="*/ 26581 h 239232"/>
-              <a:gd name="connsiteX23" fmla="*/ 457200 w 616700"/>
-              <a:gd name="connsiteY23" fmla="*/ 5316 h 239232"/>
-              <a:gd name="connsiteX24" fmla="*/ 489098 w 616700"/>
-              <a:gd name="connsiteY24" fmla="*/ 0 h 239232"/>
-              <a:gd name="connsiteX25" fmla="*/ 520996 w 616700"/>
-              <a:gd name="connsiteY25" fmla="*/ 21265 h 239232"/>
-              <a:gd name="connsiteX26" fmla="*/ 526312 w 616700"/>
-              <a:gd name="connsiteY26" fmla="*/ 74428 h 239232"/>
-              <a:gd name="connsiteX27" fmla="*/ 536945 w 616700"/>
-              <a:gd name="connsiteY27" fmla="*/ 138223 h 239232"/>
-              <a:gd name="connsiteX28" fmla="*/ 542261 w 616700"/>
-              <a:gd name="connsiteY28" fmla="*/ 186069 h 239232"/>
-              <a:gd name="connsiteX29" fmla="*/ 547577 w 616700"/>
-              <a:gd name="connsiteY29" fmla="*/ 212651 h 239232"/>
-              <a:gd name="connsiteX30" fmla="*/ 563526 w 616700"/>
-              <a:gd name="connsiteY30" fmla="*/ 217967 h 239232"/>
-              <a:gd name="connsiteX31" fmla="*/ 590107 w 616700"/>
-              <a:gd name="connsiteY31" fmla="*/ 223283 h 239232"/>
-              <a:gd name="connsiteX32" fmla="*/ 616689 w 616700"/>
-              <a:gd name="connsiteY32" fmla="*/ 196702 h 239232"/>
-            </a:gdLst>
-            <a:ahLst/>
-            <a:cxnLst>
-              <a:cxn ang="0">
-                <a:pos x="connsiteX0" y="connsiteY0"/>
-              </a:cxn>
-              <a:cxn ang="0">
-                <a:pos x="connsiteX1" y="connsiteY1"/>
-              </a:cxn>
-              <a:cxn ang="0">
-                <a:pos x="connsiteX2" y="connsiteY2"/>
-              </a:cxn>
-              <a:cxn ang="0">
-                <a:pos x="connsiteX3" y="connsiteY3"/>
-              </a:cxn>
-              <a:cxn ang="0">
-                <a:pos x="connsiteX4" y="connsiteY4"/>
-              </a:cxn>
-              <a:cxn ang="0">
-                <a:pos x="connsiteX5" y="connsiteY5"/>
-              </a:cxn>
-              <a:cxn ang="0">
-                <a:pos x="connsiteX6" y="connsiteY6"/>
-              </a:cxn>
-              <a:cxn ang="0">
-                <a:pos x="connsiteX7" y="connsiteY7"/>
-              </a:cxn>
-              <a:cxn ang="0">
-                <a:pos x="connsiteX8" y="connsiteY8"/>
-              </a:cxn>
-              <a:cxn ang="0">
-                <a:pos x="connsiteX9" y="connsiteY9"/>
-              </a:cxn>
-              <a:cxn ang="0">
-                <a:pos x="connsiteX10" y="connsiteY10"/>
-              </a:cxn>
-              <a:cxn ang="0">
-                <a:pos x="connsiteX11" y="connsiteY11"/>
-              </a:cxn>
-              <a:cxn ang="0">
-                <a:pos x="connsiteX12" y="connsiteY12"/>
-              </a:cxn>
-              <a:cxn ang="0">
-                <a:pos x="connsiteX13" y="connsiteY13"/>
-              </a:cxn>
-              <a:cxn ang="0">
-                <a:pos x="connsiteX14" y="connsiteY14"/>
-              </a:cxn>
-              <a:cxn ang="0">
-                <a:pos x="connsiteX15" y="connsiteY15"/>
-              </a:cxn>
-              <a:cxn ang="0">
-                <a:pos x="connsiteX16" y="connsiteY16"/>
-              </a:cxn>
-              <a:cxn ang="0">
-                <a:pos x="connsiteX17" y="connsiteY17"/>
-              </a:cxn>
-              <a:cxn ang="0">
-                <a:pos x="connsiteX18" y="connsiteY18"/>
-              </a:cxn>
-              <a:cxn ang="0">
-                <a:pos x="connsiteX19" y="connsiteY19"/>
-              </a:cxn>
-              <a:cxn ang="0">
-                <a:pos x="connsiteX20" y="connsiteY20"/>
-              </a:cxn>
-              <a:cxn ang="0">
-                <a:pos x="connsiteX21" y="connsiteY21"/>
-              </a:cxn>
-              <a:cxn ang="0">
-                <a:pos x="connsiteX22" y="connsiteY22"/>
-              </a:cxn>
-              <a:cxn ang="0">
-                <a:pos x="connsiteX23" y="connsiteY23"/>
-              </a:cxn>
-              <a:cxn ang="0">
-                <a:pos x="connsiteX24" y="connsiteY24"/>
-              </a:cxn>
-              <a:cxn ang="0">
-                <a:pos x="connsiteX25" y="connsiteY25"/>
-              </a:cxn>
-              <a:cxn ang="0">
-                <a:pos x="connsiteX26" y="connsiteY26"/>
-              </a:cxn>
-              <a:cxn ang="0">
-                <a:pos x="connsiteX27" y="connsiteY27"/>
-              </a:cxn>
-              <a:cxn ang="0">
-                <a:pos x="connsiteX28" y="connsiteY28"/>
-              </a:cxn>
-              <a:cxn ang="0">
-                <a:pos x="connsiteX29" y="connsiteY29"/>
-              </a:cxn>
-              <a:cxn ang="0">
-                <a:pos x="connsiteX30" y="connsiteY30"/>
-              </a:cxn>
-              <a:cxn ang="0">
-                <a:pos x="connsiteX31" y="connsiteY31"/>
-              </a:cxn>
-              <a:cxn ang="0">
-                <a:pos x="connsiteX32" y="connsiteY32"/>
-              </a:cxn>
-            </a:cxnLst>
-            <a:rect l="l" t="t" r="r" b="b"/>
-            <a:pathLst>
-              <a:path w="616700" h="239232">
-                <a:moveTo>
-                  <a:pt x="0" y="228600"/>
-                </a:moveTo>
-                <a:cubicBezTo>
-                  <a:pt x="5316" y="198474"/>
-                  <a:pt x="9949" y="168220"/>
-                  <a:pt x="15949" y="138223"/>
-                </a:cubicBezTo>
-                <a:cubicBezTo>
-                  <a:pt x="17721" y="129363"/>
-                  <a:pt x="18888" y="120359"/>
-                  <a:pt x="21266" y="111642"/>
-                </a:cubicBezTo>
-                <a:cubicBezTo>
-                  <a:pt x="24215" y="100829"/>
-                  <a:pt x="25174" y="88710"/>
-                  <a:pt x="31898" y="79744"/>
-                </a:cubicBezTo>
-                <a:cubicBezTo>
-                  <a:pt x="36653" y="73404"/>
-                  <a:pt x="46075" y="72655"/>
-                  <a:pt x="53163" y="69111"/>
-                </a:cubicBezTo>
-                <a:cubicBezTo>
-                  <a:pt x="72936" y="148191"/>
-                  <a:pt x="40316" y="33224"/>
-                  <a:pt x="74428" y="106325"/>
-                </a:cubicBezTo>
-                <a:cubicBezTo>
-                  <a:pt x="83907" y="126638"/>
-                  <a:pt x="89535" y="148568"/>
-                  <a:pt x="95693" y="170121"/>
-                </a:cubicBezTo>
-                <a:cubicBezTo>
-                  <a:pt x="99237" y="182526"/>
-                  <a:pt x="100148" y="196009"/>
-                  <a:pt x="106326" y="207335"/>
-                </a:cubicBezTo>
-                <a:cubicBezTo>
-                  <a:pt x="116402" y="225808"/>
-                  <a:pt x="131900" y="230755"/>
-                  <a:pt x="148856" y="239232"/>
-                </a:cubicBezTo>
-                <a:cubicBezTo>
-                  <a:pt x="164805" y="232144"/>
-                  <a:pt x="184766" y="230700"/>
-                  <a:pt x="196703" y="217967"/>
-                </a:cubicBezTo>
-                <a:cubicBezTo>
-                  <a:pt x="212964" y="200622"/>
-                  <a:pt x="228600" y="154172"/>
-                  <a:pt x="228600" y="154172"/>
-                </a:cubicBezTo>
-                <a:cubicBezTo>
-                  <a:pt x="223406" y="138589"/>
-                  <a:pt x="170729" y="45872"/>
-                  <a:pt x="228600" y="26581"/>
-                </a:cubicBezTo>
-                <a:cubicBezTo>
-                  <a:pt x="246707" y="20545"/>
-                  <a:pt x="264042" y="40758"/>
-                  <a:pt x="281763" y="47846"/>
-                </a:cubicBezTo>
-                <a:cubicBezTo>
-                  <a:pt x="300714" y="85746"/>
-                  <a:pt x="286984" y="52684"/>
-                  <a:pt x="297712" y="106325"/>
-                </a:cubicBezTo>
-                <a:cubicBezTo>
-                  <a:pt x="298811" y="111820"/>
-                  <a:pt x="301768" y="116814"/>
-                  <a:pt x="303028" y="122274"/>
-                </a:cubicBezTo>
-                <a:cubicBezTo>
-                  <a:pt x="307092" y="139883"/>
-                  <a:pt x="310331" y="157675"/>
-                  <a:pt x="313661" y="175437"/>
-                </a:cubicBezTo>
-                <a:cubicBezTo>
-                  <a:pt x="315648" y="186032"/>
-                  <a:pt x="311962" y="199151"/>
-                  <a:pt x="318977" y="207335"/>
-                </a:cubicBezTo>
-                <a:cubicBezTo>
-                  <a:pt x="324858" y="214196"/>
-                  <a:pt x="336738" y="210691"/>
-                  <a:pt x="345559" y="212651"/>
-                </a:cubicBezTo>
-                <a:cubicBezTo>
-                  <a:pt x="365584" y="217101"/>
-                  <a:pt x="365013" y="217363"/>
-                  <a:pt x="382773" y="223283"/>
-                </a:cubicBezTo>
-                <a:cubicBezTo>
-                  <a:pt x="388662" y="216216"/>
-                  <a:pt x="413118" y="189173"/>
-                  <a:pt x="419986" y="175437"/>
-                </a:cubicBezTo>
-                <a:cubicBezTo>
-                  <a:pt x="427947" y="159515"/>
-                  <a:pt x="424548" y="151119"/>
-                  <a:pt x="430619" y="132907"/>
-                </a:cubicBezTo>
-                <a:cubicBezTo>
-                  <a:pt x="433125" y="125389"/>
-                  <a:pt x="437708" y="118730"/>
-                  <a:pt x="441252" y="111642"/>
-                </a:cubicBezTo>
-                <a:cubicBezTo>
-                  <a:pt x="443024" y="83288"/>
-                  <a:pt x="442354" y="54676"/>
-                  <a:pt x="446568" y="26581"/>
-                </a:cubicBezTo>
-                <a:cubicBezTo>
-                  <a:pt x="447744" y="18744"/>
-                  <a:pt x="450480" y="9516"/>
-                  <a:pt x="457200" y="5316"/>
-                </a:cubicBezTo>
-                <a:cubicBezTo>
-                  <a:pt x="466341" y="-397"/>
-                  <a:pt x="478465" y="1772"/>
-                  <a:pt x="489098" y="0"/>
-                </a:cubicBezTo>
-                <a:cubicBezTo>
-                  <a:pt x="499731" y="7088"/>
-                  <a:pt x="515281" y="9835"/>
-                  <a:pt x="520996" y="21265"/>
-                </a:cubicBezTo>
-                <a:cubicBezTo>
-                  <a:pt x="528961" y="37194"/>
-                  <a:pt x="523906" y="56782"/>
-                  <a:pt x="526312" y="74428"/>
-                </a:cubicBezTo>
-                <a:cubicBezTo>
-                  <a:pt x="529225" y="95789"/>
-                  <a:pt x="533896" y="116881"/>
-                  <a:pt x="536945" y="138223"/>
-                </a:cubicBezTo>
-                <a:cubicBezTo>
-                  <a:pt x="539214" y="154109"/>
-                  <a:pt x="539992" y="170183"/>
-                  <a:pt x="542261" y="186069"/>
-                </a:cubicBezTo>
-                <a:cubicBezTo>
-                  <a:pt x="543539" y="195014"/>
-                  <a:pt x="542565" y="205132"/>
-                  <a:pt x="547577" y="212651"/>
-                </a:cubicBezTo>
-                <a:cubicBezTo>
-                  <a:pt x="550685" y="217314"/>
-                  <a:pt x="558089" y="216608"/>
-                  <a:pt x="563526" y="217967"/>
-                </a:cubicBezTo>
-                <a:cubicBezTo>
-                  <a:pt x="572292" y="220158"/>
-                  <a:pt x="581247" y="221511"/>
-                  <a:pt x="590107" y="223283"/>
-                </a:cubicBezTo>
-                <a:cubicBezTo>
-                  <a:pt x="618073" y="200911"/>
-                  <a:pt x="616689" y="213365"/>
-                  <a:pt x="616689" y="196702"/>
-                </a:cubicBezTo>
-              </a:path>
-            </a:pathLst>
-          </a:custGeom>
-          <a:noFill/>
+          </a:prstGeom>
         </p:spPr>
         <p:style>
           <a:lnRef idx="2">
@@ -38585,16 +37468,16 @@
           <a:lstStyle/>
           <a:p>
             <a:pPr algn="ctr"/>
-            <a:endParaRPr lang="en-US" dirty="0"/>
+            <a:endParaRPr lang="en-US"/>
           </a:p>
         </p:txBody>
       </p:sp>
       <p:sp>
         <p:nvSpPr>
-          <p:cNvPr id="492" name="Freeform: Shape 491">
+          <p:cNvPr id="7" name="Star: 5 Points 6">
             <a:extLst>
               <a:ext uri="{FF2B5EF4-FFF2-40B4-BE49-F238E27FC236}">
-                <a16:creationId xmlns:a16="http://schemas.microsoft.com/office/drawing/2014/main" id="{E8EE217C-CFDD-4253-936C-8CC5D9526553}"/>
+                <a16:creationId xmlns:a16="http://schemas.microsoft.com/office/drawing/2014/main" id="{A63388C2-28F2-443B-4E46-537DFDD5F08B}"/>
               </a:ext>
             </a:extLst>
           </p:cNvPr>
@@ -38602,352 +37485,13 @@
           <p:nvPr/>
         </p:nvSpPr>
         <p:spPr>
-          <a:xfrm rot="9714761" flipV="1">
-            <a:off x="11913273" y="692491"/>
-            <a:ext cx="123518" cy="80925"/>
+          <a:xfrm>
+            <a:off x="1429565" y="3241572"/>
+            <a:ext cx="45719" cy="45719"/>
           </a:xfrm>
-          <a:custGeom>
+          <a:prstGeom prst="star5">
             <a:avLst/>
-            <a:gdLst>
-              <a:gd name="connsiteX0" fmla="*/ 0 w 616700"/>
-              <a:gd name="connsiteY0" fmla="*/ 228600 h 239232"/>
-              <a:gd name="connsiteX1" fmla="*/ 15949 w 616700"/>
-              <a:gd name="connsiteY1" fmla="*/ 138223 h 239232"/>
-              <a:gd name="connsiteX2" fmla="*/ 21266 w 616700"/>
-              <a:gd name="connsiteY2" fmla="*/ 111642 h 239232"/>
-              <a:gd name="connsiteX3" fmla="*/ 31898 w 616700"/>
-              <a:gd name="connsiteY3" fmla="*/ 79744 h 239232"/>
-              <a:gd name="connsiteX4" fmla="*/ 53163 w 616700"/>
-              <a:gd name="connsiteY4" fmla="*/ 69111 h 239232"/>
-              <a:gd name="connsiteX5" fmla="*/ 74428 w 616700"/>
-              <a:gd name="connsiteY5" fmla="*/ 106325 h 239232"/>
-              <a:gd name="connsiteX6" fmla="*/ 95693 w 616700"/>
-              <a:gd name="connsiteY6" fmla="*/ 170121 h 239232"/>
-              <a:gd name="connsiteX7" fmla="*/ 106326 w 616700"/>
-              <a:gd name="connsiteY7" fmla="*/ 207335 h 239232"/>
-              <a:gd name="connsiteX8" fmla="*/ 148856 w 616700"/>
-              <a:gd name="connsiteY8" fmla="*/ 239232 h 239232"/>
-              <a:gd name="connsiteX9" fmla="*/ 196703 w 616700"/>
-              <a:gd name="connsiteY9" fmla="*/ 217967 h 239232"/>
-              <a:gd name="connsiteX10" fmla="*/ 228600 w 616700"/>
-              <a:gd name="connsiteY10" fmla="*/ 154172 h 239232"/>
-              <a:gd name="connsiteX11" fmla="*/ 228600 w 616700"/>
-              <a:gd name="connsiteY11" fmla="*/ 26581 h 239232"/>
-              <a:gd name="connsiteX12" fmla="*/ 281763 w 616700"/>
-              <a:gd name="connsiteY12" fmla="*/ 47846 h 239232"/>
-              <a:gd name="connsiteX13" fmla="*/ 297712 w 616700"/>
-              <a:gd name="connsiteY13" fmla="*/ 106325 h 239232"/>
-              <a:gd name="connsiteX14" fmla="*/ 303028 w 616700"/>
-              <a:gd name="connsiteY14" fmla="*/ 122274 h 239232"/>
-              <a:gd name="connsiteX15" fmla="*/ 313661 w 616700"/>
-              <a:gd name="connsiteY15" fmla="*/ 175437 h 239232"/>
-              <a:gd name="connsiteX16" fmla="*/ 318977 w 616700"/>
-              <a:gd name="connsiteY16" fmla="*/ 207335 h 239232"/>
-              <a:gd name="connsiteX17" fmla="*/ 345559 w 616700"/>
-              <a:gd name="connsiteY17" fmla="*/ 212651 h 239232"/>
-              <a:gd name="connsiteX18" fmla="*/ 382773 w 616700"/>
-              <a:gd name="connsiteY18" fmla="*/ 223283 h 239232"/>
-              <a:gd name="connsiteX19" fmla="*/ 419986 w 616700"/>
-              <a:gd name="connsiteY19" fmla="*/ 175437 h 239232"/>
-              <a:gd name="connsiteX20" fmla="*/ 430619 w 616700"/>
-              <a:gd name="connsiteY20" fmla="*/ 132907 h 239232"/>
-              <a:gd name="connsiteX21" fmla="*/ 441252 w 616700"/>
-              <a:gd name="connsiteY21" fmla="*/ 111642 h 239232"/>
-              <a:gd name="connsiteX22" fmla="*/ 446568 w 616700"/>
-              <a:gd name="connsiteY22" fmla="*/ 26581 h 239232"/>
-              <a:gd name="connsiteX23" fmla="*/ 457200 w 616700"/>
-              <a:gd name="connsiteY23" fmla="*/ 5316 h 239232"/>
-              <a:gd name="connsiteX24" fmla="*/ 489098 w 616700"/>
-              <a:gd name="connsiteY24" fmla="*/ 0 h 239232"/>
-              <a:gd name="connsiteX25" fmla="*/ 520996 w 616700"/>
-              <a:gd name="connsiteY25" fmla="*/ 21265 h 239232"/>
-              <a:gd name="connsiteX26" fmla="*/ 526312 w 616700"/>
-              <a:gd name="connsiteY26" fmla="*/ 74428 h 239232"/>
-              <a:gd name="connsiteX27" fmla="*/ 536945 w 616700"/>
-              <a:gd name="connsiteY27" fmla="*/ 138223 h 239232"/>
-              <a:gd name="connsiteX28" fmla="*/ 542261 w 616700"/>
-              <a:gd name="connsiteY28" fmla="*/ 186069 h 239232"/>
-              <a:gd name="connsiteX29" fmla="*/ 547577 w 616700"/>
-              <a:gd name="connsiteY29" fmla="*/ 212651 h 239232"/>
-              <a:gd name="connsiteX30" fmla="*/ 563526 w 616700"/>
-              <a:gd name="connsiteY30" fmla="*/ 217967 h 239232"/>
-              <a:gd name="connsiteX31" fmla="*/ 590107 w 616700"/>
-              <a:gd name="connsiteY31" fmla="*/ 223283 h 239232"/>
-              <a:gd name="connsiteX32" fmla="*/ 616689 w 616700"/>
-              <a:gd name="connsiteY32" fmla="*/ 196702 h 239232"/>
-            </a:gdLst>
-            <a:ahLst/>
-            <a:cxnLst>
-              <a:cxn ang="0">
-                <a:pos x="connsiteX0" y="connsiteY0"/>
-              </a:cxn>
-              <a:cxn ang="0">
-                <a:pos x="connsiteX1" y="connsiteY1"/>
-              </a:cxn>
-              <a:cxn ang="0">
-                <a:pos x="connsiteX2" y="connsiteY2"/>
-              </a:cxn>
-              <a:cxn ang="0">
-                <a:pos x="connsiteX3" y="connsiteY3"/>
-              </a:cxn>
-              <a:cxn ang="0">
-                <a:pos x="connsiteX4" y="connsiteY4"/>
-              </a:cxn>
-              <a:cxn ang="0">
-                <a:pos x="connsiteX5" y="connsiteY5"/>
-              </a:cxn>
-              <a:cxn ang="0">
-                <a:pos x="connsiteX6" y="connsiteY6"/>
-              </a:cxn>
-              <a:cxn ang="0">
-                <a:pos x="connsiteX7" y="connsiteY7"/>
-              </a:cxn>
-              <a:cxn ang="0">
-                <a:pos x="connsiteX8" y="connsiteY8"/>
-              </a:cxn>
-              <a:cxn ang="0">
-                <a:pos x="connsiteX9" y="connsiteY9"/>
-              </a:cxn>
-              <a:cxn ang="0">
-                <a:pos x="connsiteX10" y="connsiteY10"/>
-              </a:cxn>
-              <a:cxn ang="0">
-                <a:pos x="connsiteX11" y="connsiteY11"/>
-              </a:cxn>
-              <a:cxn ang="0">
-                <a:pos x="connsiteX12" y="connsiteY12"/>
-              </a:cxn>
-              <a:cxn ang="0">
-                <a:pos x="connsiteX13" y="connsiteY13"/>
-              </a:cxn>
-              <a:cxn ang="0">
-                <a:pos x="connsiteX14" y="connsiteY14"/>
-              </a:cxn>
-              <a:cxn ang="0">
-                <a:pos x="connsiteX15" y="connsiteY15"/>
-              </a:cxn>
-              <a:cxn ang="0">
-                <a:pos x="connsiteX16" y="connsiteY16"/>
-              </a:cxn>
-              <a:cxn ang="0">
-                <a:pos x="connsiteX17" y="connsiteY17"/>
-              </a:cxn>
-              <a:cxn ang="0">
-                <a:pos x="connsiteX18" y="connsiteY18"/>
-              </a:cxn>
-              <a:cxn ang="0">
-                <a:pos x="connsiteX19" y="connsiteY19"/>
-              </a:cxn>
-              <a:cxn ang="0">
-                <a:pos x="connsiteX20" y="connsiteY20"/>
-              </a:cxn>
-              <a:cxn ang="0">
-                <a:pos x="connsiteX21" y="connsiteY21"/>
-              </a:cxn>
-              <a:cxn ang="0">
-                <a:pos x="connsiteX22" y="connsiteY22"/>
-              </a:cxn>
-              <a:cxn ang="0">
-                <a:pos x="connsiteX23" y="connsiteY23"/>
-              </a:cxn>
-              <a:cxn ang="0">
-                <a:pos x="connsiteX24" y="connsiteY24"/>
-              </a:cxn>
-              <a:cxn ang="0">
-                <a:pos x="connsiteX25" y="connsiteY25"/>
-              </a:cxn>
-              <a:cxn ang="0">
-                <a:pos x="connsiteX26" y="connsiteY26"/>
-              </a:cxn>
-              <a:cxn ang="0">
-                <a:pos x="connsiteX27" y="connsiteY27"/>
-              </a:cxn>
-              <a:cxn ang="0">
-                <a:pos x="connsiteX28" y="connsiteY28"/>
-              </a:cxn>
-              <a:cxn ang="0">
-                <a:pos x="connsiteX29" y="connsiteY29"/>
-              </a:cxn>
-              <a:cxn ang="0">
-                <a:pos x="connsiteX30" y="connsiteY30"/>
-              </a:cxn>
-              <a:cxn ang="0">
-                <a:pos x="connsiteX31" y="connsiteY31"/>
-              </a:cxn>
-              <a:cxn ang="0">
-                <a:pos x="connsiteX32" y="connsiteY32"/>
-              </a:cxn>
-            </a:cxnLst>
-            <a:rect l="l" t="t" r="r" b="b"/>
-            <a:pathLst>
-              <a:path w="616700" h="239232">
-                <a:moveTo>
-                  <a:pt x="0" y="228600"/>
-                </a:moveTo>
-                <a:cubicBezTo>
-                  <a:pt x="5316" y="198474"/>
-                  <a:pt x="9949" y="168220"/>
-                  <a:pt x="15949" y="138223"/>
-                </a:cubicBezTo>
-                <a:cubicBezTo>
-                  <a:pt x="17721" y="129363"/>
-                  <a:pt x="18888" y="120359"/>
-                  <a:pt x="21266" y="111642"/>
-                </a:cubicBezTo>
-                <a:cubicBezTo>
-                  <a:pt x="24215" y="100829"/>
-                  <a:pt x="25174" y="88710"/>
-                  <a:pt x="31898" y="79744"/>
-                </a:cubicBezTo>
-                <a:cubicBezTo>
-                  <a:pt x="36653" y="73404"/>
-                  <a:pt x="46075" y="72655"/>
-                  <a:pt x="53163" y="69111"/>
-                </a:cubicBezTo>
-                <a:cubicBezTo>
-                  <a:pt x="72936" y="148191"/>
-                  <a:pt x="40316" y="33224"/>
-                  <a:pt x="74428" y="106325"/>
-                </a:cubicBezTo>
-                <a:cubicBezTo>
-                  <a:pt x="83907" y="126638"/>
-                  <a:pt x="89535" y="148568"/>
-                  <a:pt x="95693" y="170121"/>
-                </a:cubicBezTo>
-                <a:cubicBezTo>
-                  <a:pt x="99237" y="182526"/>
-                  <a:pt x="100148" y="196009"/>
-                  <a:pt x="106326" y="207335"/>
-                </a:cubicBezTo>
-                <a:cubicBezTo>
-                  <a:pt x="116402" y="225808"/>
-                  <a:pt x="131900" y="230755"/>
-                  <a:pt x="148856" y="239232"/>
-                </a:cubicBezTo>
-                <a:cubicBezTo>
-                  <a:pt x="164805" y="232144"/>
-                  <a:pt x="184766" y="230700"/>
-                  <a:pt x="196703" y="217967"/>
-                </a:cubicBezTo>
-                <a:cubicBezTo>
-                  <a:pt x="212964" y="200622"/>
-                  <a:pt x="228600" y="154172"/>
-                  <a:pt x="228600" y="154172"/>
-                </a:cubicBezTo>
-                <a:cubicBezTo>
-                  <a:pt x="223406" y="138589"/>
-                  <a:pt x="170729" y="45872"/>
-                  <a:pt x="228600" y="26581"/>
-                </a:cubicBezTo>
-                <a:cubicBezTo>
-                  <a:pt x="246707" y="20545"/>
-                  <a:pt x="264042" y="40758"/>
-                  <a:pt x="281763" y="47846"/>
-                </a:cubicBezTo>
-                <a:cubicBezTo>
-                  <a:pt x="300714" y="85746"/>
-                  <a:pt x="286984" y="52684"/>
-                  <a:pt x="297712" y="106325"/>
-                </a:cubicBezTo>
-                <a:cubicBezTo>
-                  <a:pt x="298811" y="111820"/>
-                  <a:pt x="301768" y="116814"/>
-                  <a:pt x="303028" y="122274"/>
-                </a:cubicBezTo>
-                <a:cubicBezTo>
-                  <a:pt x="307092" y="139883"/>
-                  <a:pt x="310331" y="157675"/>
-                  <a:pt x="313661" y="175437"/>
-                </a:cubicBezTo>
-                <a:cubicBezTo>
-                  <a:pt x="315648" y="186032"/>
-                  <a:pt x="311962" y="199151"/>
-                  <a:pt x="318977" y="207335"/>
-                </a:cubicBezTo>
-                <a:cubicBezTo>
-                  <a:pt x="324858" y="214196"/>
-                  <a:pt x="336738" y="210691"/>
-                  <a:pt x="345559" y="212651"/>
-                </a:cubicBezTo>
-                <a:cubicBezTo>
-                  <a:pt x="365584" y="217101"/>
-                  <a:pt x="365013" y="217363"/>
-                  <a:pt x="382773" y="223283"/>
-                </a:cubicBezTo>
-                <a:cubicBezTo>
-                  <a:pt x="388662" y="216216"/>
-                  <a:pt x="413118" y="189173"/>
-                  <a:pt x="419986" y="175437"/>
-                </a:cubicBezTo>
-                <a:cubicBezTo>
-                  <a:pt x="427947" y="159515"/>
-                  <a:pt x="424548" y="151119"/>
-                  <a:pt x="430619" y="132907"/>
-                </a:cubicBezTo>
-                <a:cubicBezTo>
-                  <a:pt x="433125" y="125389"/>
-                  <a:pt x="437708" y="118730"/>
-                  <a:pt x="441252" y="111642"/>
-                </a:cubicBezTo>
-                <a:cubicBezTo>
-                  <a:pt x="443024" y="83288"/>
-                  <a:pt x="442354" y="54676"/>
-                  <a:pt x="446568" y="26581"/>
-                </a:cubicBezTo>
-                <a:cubicBezTo>
-                  <a:pt x="447744" y="18744"/>
-                  <a:pt x="450480" y="9516"/>
-                  <a:pt x="457200" y="5316"/>
-                </a:cubicBezTo>
-                <a:cubicBezTo>
-                  <a:pt x="466341" y="-397"/>
-                  <a:pt x="478465" y="1772"/>
-                  <a:pt x="489098" y="0"/>
-                </a:cubicBezTo>
-                <a:cubicBezTo>
-                  <a:pt x="499731" y="7088"/>
-                  <a:pt x="515281" y="9835"/>
-                  <a:pt x="520996" y="21265"/>
-                </a:cubicBezTo>
-                <a:cubicBezTo>
-                  <a:pt x="528961" y="37194"/>
-                  <a:pt x="523906" y="56782"/>
-                  <a:pt x="526312" y="74428"/>
-                </a:cubicBezTo>
-                <a:cubicBezTo>
-                  <a:pt x="529225" y="95789"/>
-                  <a:pt x="533896" y="116881"/>
-                  <a:pt x="536945" y="138223"/>
-                </a:cubicBezTo>
-                <a:cubicBezTo>
-                  <a:pt x="539214" y="154109"/>
-                  <a:pt x="539992" y="170183"/>
-                  <a:pt x="542261" y="186069"/>
-                </a:cubicBezTo>
-                <a:cubicBezTo>
-                  <a:pt x="543539" y="195014"/>
-                  <a:pt x="542565" y="205132"/>
-                  <a:pt x="547577" y="212651"/>
-                </a:cubicBezTo>
-                <a:cubicBezTo>
-                  <a:pt x="550685" y="217314"/>
-                  <a:pt x="558089" y="216608"/>
-                  <a:pt x="563526" y="217967"/>
-                </a:cubicBezTo>
-                <a:cubicBezTo>
-                  <a:pt x="572292" y="220158"/>
-                  <a:pt x="581247" y="221511"/>
-                  <a:pt x="590107" y="223283"/>
-                </a:cubicBezTo>
-                <a:cubicBezTo>
-                  <a:pt x="618073" y="200911"/>
-                  <a:pt x="616689" y="213365"/>
-                  <a:pt x="616689" y="196702"/>
-                </a:cubicBezTo>
-              </a:path>
-            </a:pathLst>
-          </a:custGeom>
-          <a:noFill/>
+          </a:prstGeom>
         </p:spPr>
         <p:style>
           <a:lnRef idx="2">
@@ -38970,16 +37514,16 @@
           <a:lstStyle/>
           <a:p>
             <a:pPr algn="ctr"/>
-            <a:endParaRPr lang="en-US" dirty="0"/>
+            <a:endParaRPr lang="en-US"/>
           </a:p>
         </p:txBody>
       </p:sp>
       <p:sp>
         <p:nvSpPr>
-          <p:cNvPr id="493" name="TextBox 492">
+          <p:cNvPr id="10" name="TextBox 9">
             <a:extLst>
               <a:ext uri="{FF2B5EF4-FFF2-40B4-BE49-F238E27FC236}">
-                <a16:creationId xmlns:a16="http://schemas.microsoft.com/office/drawing/2014/main" id="{881CEE48-A79E-9C5C-C064-E5BC772190F8}"/>
+                <a16:creationId xmlns:a16="http://schemas.microsoft.com/office/drawing/2014/main" id="{846B2947-B089-755F-A6CF-286773D15E8E}"/>
               </a:ext>
             </a:extLst>
           </p:cNvPr>
@@ -38988,8 +37532,8 @@
         </p:nvSpPr>
         <p:spPr>
           <a:xfrm>
-            <a:off x="11405470" y="3437056"/>
-            <a:ext cx="255494" cy="369332"/>
+            <a:off x="1531924" y="3503198"/>
+            <a:ext cx="2392343" cy="523220"/>
           </a:xfrm>
           <a:prstGeom prst="rect">
             <a:avLst/>
@@ -39003,18 +37547,26 @@
           <a:lstStyle/>
           <a:p>
             <a:r>
-              <a:rPr lang="en-US" dirty="0"/>
-              <a:t>x</a:t>
+              <a:rPr lang="en-US" sz="1400" dirty="0"/>
+              <a:t>No </a:t>
+            </a:r>
+            <a:r>
+              <a:rPr lang="el-GR" sz="1400" dirty="0"/>
+              <a:t>β</a:t>
+            </a:r>
+            <a:r>
+              <a:rPr lang="en-US" sz="1400" dirty="0"/>
+              <a:t> below sonic condition (  ) within boundary layer </a:t>
             </a:r>
           </a:p>
         </p:txBody>
       </p:sp>
       <p:sp>
         <p:nvSpPr>
-          <p:cNvPr id="496" name="Freeform: Shape 495">
+          <p:cNvPr id="13" name="Star: 5 Points 12">
             <a:extLst>
               <a:ext uri="{FF2B5EF4-FFF2-40B4-BE49-F238E27FC236}">
-                <a16:creationId xmlns:a16="http://schemas.microsoft.com/office/drawing/2014/main" id="{56279D50-9AD9-CCAC-90F2-906A51741A40}"/>
+                <a16:creationId xmlns:a16="http://schemas.microsoft.com/office/drawing/2014/main" id="{FBCB5454-BEB8-4C3F-AA3E-EF8F658FA8A0}"/>
               </a:ext>
             </a:extLst>
           </p:cNvPr>
@@ -39022,352 +37574,13 @@
           <p:nvPr/>
         </p:nvSpPr>
         <p:spPr>
-          <a:xfrm rot="7587793" flipV="1">
-            <a:off x="11638258" y="904443"/>
-            <a:ext cx="123518" cy="80925"/>
+          <a:xfrm>
+            <a:off x="3695130" y="3632236"/>
+            <a:ext cx="45719" cy="45719"/>
           </a:xfrm>
-          <a:custGeom>
+          <a:prstGeom prst="star5">
             <a:avLst/>
-            <a:gdLst>
-              <a:gd name="connsiteX0" fmla="*/ 0 w 616700"/>
-              <a:gd name="connsiteY0" fmla="*/ 228600 h 239232"/>
-              <a:gd name="connsiteX1" fmla="*/ 15949 w 616700"/>
-              <a:gd name="connsiteY1" fmla="*/ 138223 h 239232"/>
-              <a:gd name="connsiteX2" fmla="*/ 21266 w 616700"/>
-              <a:gd name="connsiteY2" fmla="*/ 111642 h 239232"/>
-              <a:gd name="connsiteX3" fmla="*/ 31898 w 616700"/>
-              <a:gd name="connsiteY3" fmla="*/ 79744 h 239232"/>
-              <a:gd name="connsiteX4" fmla="*/ 53163 w 616700"/>
-              <a:gd name="connsiteY4" fmla="*/ 69111 h 239232"/>
-              <a:gd name="connsiteX5" fmla="*/ 74428 w 616700"/>
-              <a:gd name="connsiteY5" fmla="*/ 106325 h 239232"/>
-              <a:gd name="connsiteX6" fmla="*/ 95693 w 616700"/>
-              <a:gd name="connsiteY6" fmla="*/ 170121 h 239232"/>
-              <a:gd name="connsiteX7" fmla="*/ 106326 w 616700"/>
-              <a:gd name="connsiteY7" fmla="*/ 207335 h 239232"/>
-              <a:gd name="connsiteX8" fmla="*/ 148856 w 616700"/>
-              <a:gd name="connsiteY8" fmla="*/ 239232 h 239232"/>
-              <a:gd name="connsiteX9" fmla="*/ 196703 w 616700"/>
-              <a:gd name="connsiteY9" fmla="*/ 217967 h 239232"/>
-              <a:gd name="connsiteX10" fmla="*/ 228600 w 616700"/>
-              <a:gd name="connsiteY10" fmla="*/ 154172 h 239232"/>
-              <a:gd name="connsiteX11" fmla="*/ 228600 w 616700"/>
-              <a:gd name="connsiteY11" fmla="*/ 26581 h 239232"/>
-              <a:gd name="connsiteX12" fmla="*/ 281763 w 616700"/>
-              <a:gd name="connsiteY12" fmla="*/ 47846 h 239232"/>
-              <a:gd name="connsiteX13" fmla="*/ 297712 w 616700"/>
-              <a:gd name="connsiteY13" fmla="*/ 106325 h 239232"/>
-              <a:gd name="connsiteX14" fmla="*/ 303028 w 616700"/>
-              <a:gd name="connsiteY14" fmla="*/ 122274 h 239232"/>
-              <a:gd name="connsiteX15" fmla="*/ 313661 w 616700"/>
-              <a:gd name="connsiteY15" fmla="*/ 175437 h 239232"/>
-              <a:gd name="connsiteX16" fmla="*/ 318977 w 616700"/>
-              <a:gd name="connsiteY16" fmla="*/ 207335 h 239232"/>
-              <a:gd name="connsiteX17" fmla="*/ 345559 w 616700"/>
-              <a:gd name="connsiteY17" fmla="*/ 212651 h 239232"/>
-              <a:gd name="connsiteX18" fmla="*/ 382773 w 616700"/>
-              <a:gd name="connsiteY18" fmla="*/ 223283 h 239232"/>
-              <a:gd name="connsiteX19" fmla="*/ 419986 w 616700"/>
-              <a:gd name="connsiteY19" fmla="*/ 175437 h 239232"/>
-              <a:gd name="connsiteX20" fmla="*/ 430619 w 616700"/>
-              <a:gd name="connsiteY20" fmla="*/ 132907 h 239232"/>
-              <a:gd name="connsiteX21" fmla="*/ 441252 w 616700"/>
-              <a:gd name="connsiteY21" fmla="*/ 111642 h 239232"/>
-              <a:gd name="connsiteX22" fmla="*/ 446568 w 616700"/>
-              <a:gd name="connsiteY22" fmla="*/ 26581 h 239232"/>
-              <a:gd name="connsiteX23" fmla="*/ 457200 w 616700"/>
-              <a:gd name="connsiteY23" fmla="*/ 5316 h 239232"/>
-              <a:gd name="connsiteX24" fmla="*/ 489098 w 616700"/>
-              <a:gd name="connsiteY24" fmla="*/ 0 h 239232"/>
-              <a:gd name="connsiteX25" fmla="*/ 520996 w 616700"/>
-              <a:gd name="connsiteY25" fmla="*/ 21265 h 239232"/>
-              <a:gd name="connsiteX26" fmla="*/ 526312 w 616700"/>
-              <a:gd name="connsiteY26" fmla="*/ 74428 h 239232"/>
-              <a:gd name="connsiteX27" fmla="*/ 536945 w 616700"/>
-              <a:gd name="connsiteY27" fmla="*/ 138223 h 239232"/>
-              <a:gd name="connsiteX28" fmla="*/ 542261 w 616700"/>
-              <a:gd name="connsiteY28" fmla="*/ 186069 h 239232"/>
-              <a:gd name="connsiteX29" fmla="*/ 547577 w 616700"/>
-              <a:gd name="connsiteY29" fmla="*/ 212651 h 239232"/>
-              <a:gd name="connsiteX30" fmla="*/ 563526 w 616700"/>
-              <a:gd name="connsiteY30" fmla="*/ 217967 h 239232"/>
-              <a:gd name="connsiteX31" fmla="*/ 590107 w 616700"/>
-              <a:gd name="connsiteY31" fmla="*/ 223283 h 239232"/>
-              <a:gd name="connsiteX32" fmla="*/ 616689 w 616700"/>
-              <a:gd name="connsiteY32" fmla="*/ 196702 h 239232"/>
-            </a:gdLst>
-            <a:ahLst/>
-            <a:cxnLst>
-              <a:cxn ang="0">
-                <a:pos x="connsiteX0" y="connsiteY0"/>
-              </a:cxn>
-              <a:cxn ang="0">
-                <a:pos x="connsiteX1" y="connsiteY1"/>
-              </a:cxn>
-              <a:cxn ang="0">
-                <a:pos x="connsiteX2" y="connsiteY2"/>
-              </a:cxn>
-              <a:cxn ang="0">
-                <a:pos x="connsiteX3" y="connsiteY3"/>
-              </a:cxn>
-              <a:cxn ang="0">
-                <a:pos x="connsiteX4" y="connsiteY4"/>
-              </a:cxn>
-              <a:cxn ang="0">
-                <a:pos x="connsiteX5" y="connsiteY5"/>
-              </a:cxn>
-              <a:cxn ang="0">
-                <a:pos x="connsiteX6" y="connsiteY6"/>
-              </a:cxn>
-              <a:cxn ang="0">
-                <a:pos x="connsiteX7" y="connsiteY7"/>
-              </a:cxn>
-              <a:cxn ang="0">
-                <a:pos x="connsiteX8" y="connsiteY8"/>
-              </a:cxn>
-              <a:cxn ang="0">
-                <a:pos x="connsiteX9" y="connsiteY9"/>
-              </a:cxn>
-              <a:cxn ang="0">
-                <a:pos x="connsiteX10" y="connsiteY10"/>
-              </a:cxn>
-              <a:cxn ang="0">
-                <a:pos x="connsiteX11" y="connsiteY11"/>
-              </a:cxn>
-              <a:cxn ang="0">
-                <a:pos x="connsiteX12" y="connsiteY12"/>
-              </a:cxn>
-              <a:cxn ang="0">
-                <a:pos x="connsiteX13" y="connsiteY13"/>
-              </a:cxn>
-              <a:cxn ang="0">
-                <a:pos x="connsiteX14" y="connsiteY14"/>
-              </a:cxn>
-              <a:cxn ang="0">
-                <a:pos x="connsiteX15" y="connsiteY15"/>
-              </a:cxn>
-              <a:cxn ang="0">
-                <a:pos x="connsiteX16" y="connsiteY16"/>
-              </a:cxn>
-              <a:cxn ang="0">
-                <a:pos x="connsiteX17" y="connsiteY17"/>
-              </a:cxn>
-              <a:cxn ang="0">
-                <a:pos x="connsiteX18" y="connsiteY18"/>
-              </a:cxn>
-              <a:cxn ang="0">
-                <a:pos x="connsiteX19" y="connsiteY19"/>
-              </a:cxn>
-              <a:cxn ang="0">
-                <a:pos x="connsiteX20" y="connsiteY20"/>
-              </a:cxn>
-              <a:cxn ang="0">
-                <a:pos x="connsiteX21" y="connsiteY21"/>
-              </a:cxn>
-              <a:cxn ang="0">
-                <a:pos x="connsiteX22" y="connsiteY22"/>
-              </a:cxn>
-              <a:cxn ang="0">
-                <a:pos x="connsiteX23" y="connsiteY23"/>
-              </a:cxn>
-              <a:cxn ang="0">
-                <a:pos x="connsiteX24" y="connsiteY24"/>
-              </a:cxn>
-              <a:cxn ang="0">
-                <a:pos x="connsiteX25" y="connsiteY25"/>
-              </a:cxn>
-              <a:cxn ang="0">
-                <a:pos x="connsiteX26" y="connsiteY26"/>
-              </a:cxn>
-              <a:cxn ang="0">
-                <a:pos x="connsiteX27" y="connsiteY27"/>
-              </a:cxn>
-              <a:cxn ang="0">
-                <a:pos x="connsiteX28" y="connsiteY28"/>
-              </a:cxn>
-              <a:cxn ang="0">
-                <a:pos x="connsiteX29" y="connsiteY29"/>
-              </a:cxn>
-              <a:cxn ang="0">
-                <a:pos x="connsiteX30" y="connsiteY30"/>
-              </a:cxn>
-              <a:cxn ang="0">
-                <a:pos x="connsiteX31" y="connsiteY31"/>
-              </a:cxn>
-              <a:cxn ang="0">
-                <a:pos x="connsiteX32" y="connsiteY32"/>
-              </a:cxn>
-            </a:cxnLst>
-            <a:rect l="l" t="t" r="r" b="b"/>
-            <a:pathLst>
-              <a:path w="616700" h="239232">
-                <a:moveTo>
-                  <a:pt x="0" y="228600"/>
-                </a:moveTo>
-                <a:cubicBezTo>
-                  <a:pt x="5316" y="198474"/>
-                  <a:pt x="9949" y="168220"/>
-                  <a:pt x="15949" y="138223"/>
-                </a:cubicBezTo>
-                <a:cubicBezTo>
-                  <a:pt x="17721" y="129363"/>
-                  <a:pt x="18888" y="120359"/>
-                  <a:pt x="21266" y="111642"/>
-                </a:cubicBezTo>
-                <a:cubicBezTo>
-                  <a:pt x="24215" y="100829"/>
-                  <a:pt x="25174" y="88710"/>
-                  <a:pt x="31898" y="79744"/>
-                </a:cubicBezTo>
-                <a:cubicBezTo>
-                  <a:pt x="36653" y="73404"/>
-                  <a:pt x="46075" y="72655"/>
-                  <a:pt x="53163" y="69111"/>
-                </a:cubicBezTo>
-                <a:cubicBezTo>
-                  <a:pt x="72936" y="148191"/>
-                  <a:pt x="40316" y="33224"/>
-                  <a:pt x="74428" y="106325"/>
-                </a:cubicBezTo>
-                <a:cubicBezTo>
-                  <a:pt x="83907" y="126638"/>
-                  <a:pt x="89535" y="148568"/>
-                  <a:pt x="95693" y="170121"/>
-                </a:cubicBezTo>
-                <a:cubicBezTo>
-                  <a:pt x="99237" y="182526"/>
-                  <a:pt x="100148" y="196009"/>
-                  <a:pt x="106326" y="207335"/>
-                </a:cubicBezTo>
-                <a:cubicBezTo>
-                  <a:pt x="116402" y="225808"/>
-                  <a:pt x="131900" y="230755"/>
-                  <a:pt x="148856" y="239232"/>
-                </a:cubicBezTo>
-                <a:cubicBezTo>
-                  <a:pt x="164805" y="232144"/>
-                  <a:pt x="184766" y="230700"/>
-                  <a:pt x="196703" y="217967"/>
-                </a:cubicBezTo>
-                <a:cubicBezTo>
-                  <a:pt x="212964" y="200622"/>
-                  <a:pt x="228600" y="154172"/>
-                  <a:pt x="228600" y="154172"/>
-                </a:cubicBezTo>
-                <a:cubicBezTo>
-                  <a:pt x="223406" y="138589"/>
-                  <a:pt x="170729" y="45872"/>
-                  <a:pt x="228600" y="26581"/>
-                </a:cubicBezTo>
-                <a:cubicBezTo>
-                  <a:pt x="246707" y="20545"/>
-                  <a:pt x="264042" y="40758"/>
-                  <a:pt x="281763" y="47846"/>
-                </a:cubicBezTo>
-                <a:cubicBezTo>
-                  <a:pt x="300714" y="85746"/>
-                  <a:pt x="286984" y="52684"/>
-                  <a:pt x="297712" y="106325"/>
-                </a:cubicBezTo>
-                <a:cubicBezTo>
-                  <a:pt x="298811" y="111820"/>
-                  <a:pt x="301768" y="116814"/>
-                  <a:pt x="303028" y="122274"/>
-                </a:cubicBezTo>
-                <a:cubicBezTo>
-                  <a:pt x="307092" y="139883"/>
-                  <a:pt x="310331" y="157675"/>
-                  <a:pt x="313661" y="175437"/>
-                </a:cubicBezTo>
-                <a:cubicBezTo>
-                  <a:pt x="315648" y="186032"/>
-                  <a:pt x="311962" y="199151"/>
-                  <a:pt x="318977" y="207335"/>
-                </a:cubicBezTo>
-                <a:cubicBezTo>
-                  <a:pt x="324858" y="214196"/>
-                  <a:pt x="336738" y="210691"/>
-                  <a:pt x="345559" y="212651"/>
-                </a:cubicBezTo>
-                <a:cubicBezTo>
-                  <a:pt x="365584" y="217101"/>
-                  <a:pt x="365013" y="217363"/>
-                  <a:pt x="382773" y="223283"/>
-                </a:cubicBezTo>
-                <a:cubicBezTo>
-                  <a:pt x="388662" y="216216"/>
-                  <a:pt x="413118" y="189173"/>
-                  <a:pt x="419986" y="175437"/>
-                </a:cubicBezTo>
-                <a:cubicBezTo>
-                  <a:pt x="427947" y="159515"/>
-                  <a:pt x="424548" y="151119"/>
-                  <a:pt x="430619" y="132907"/>
-                </a:cubicBezTo>
-                <a:cubicBezTo>
-                  <a:pt x="433125" y="125389"/>
-                  <a:pt x="437708" y="118730"/>
-                  <a:pt x="441252" y="111642"/>
-                </a:cubicBezTo>
-                <a:cubicBezTo>
-                  <a:pt x="443024" y="83288"/>
-                  <a:pt x="442354" y="54676"/>
-                  <a:pt x="446568" y="26581"/>
-                </a:cubicBezTo>
-                <a:cubicBezTo>
-                  <a:pt x="447744" y="18744"/>
-                  <a:pt x="450480" y="9516"/>
-                  <a:pt x="457200" y="5316"/>
-                </a:cubicBezTo>
-                <a:cubicBezTo>
-                  <a:pt x="466341" y="-397"/>
-                  <a:pt x="478465" y="1772"/>
-                  <a:pt x="489098" y="0"/>
-                </a:cubicBezTo>
-                <a:cubicBezTo>
-                  <a:pt x="499731" y="7088"/>
-                  <a:pt x="515281" y="9835"/>
-                  <a:pt x="520996" y="21265"/>
-                </a:cubicBezTo>
-                <a:cubicBezTo>
-                  <a:pt x="528961" y="37194"/>
-                  <a:pt x="523906" y="56782"/>
-                  <a:pt x="526312" y="74428"/>
-                </a:cubicBezTo>
-                <a:cubicBezTo>
-                  <a:pt x="529225" y="95789"/>
-                  <a:pt x="533896" y="116881"/>
-                  <a:pt x="536945" y="138223"/>
-                </a:cubicBezTo>
-                <a:cubicBezTo>
-                  <a:pt x="539214" y="154109"/>
-                  <a:pt x="539992" y="170183"/>
-                  <a:pt x="542261" y="186069"/>
-                </a:cubicBezTo>
-                <a:cubicBezTo>
-                  <a:pt x="543539" y="195014"/>
-                  <a:pt x="542565" y="205132"/>
-                  <a:pt x="547577" y="212651"/>
-                </a:cubicBezTo>
-                <a:cubicBezTo>
-                  <a:pt x="550685" y="217314"/>
-                  <a:pt x="558089" y="216608"/>
-                  <a:pt x="563526" y="217967"/>
-                </a:cubicBezTo>
-                <a:cubicBezTo>
-                  <a:pt x="572292" y="220158"/>
-                  <a:pt x="581247" y="221511"/>
-                  <a:pt x="590107" y="223283"/>
-                </a:cubicBezTo>
-                <a:cubicBezTo>
-                  <a:pt x="618073" y="200911"/>
-                  <a:pt x="616689" y="213365"/>
-                  <a:pt x="616689" y="196702"/>
-                </a:cubicBezTo>
-              </a:path>
-            </a:pathLst>
-          </a:custGeom>
-          <a:noFill/>
+          </a:prstGeom>
         </p:spPr>
         <p:style>
           <a:lnRef idx="2">
@@ -39390,7 +37603,294 @@
           <a:lstStyle/>
           <a:p>
             <a:pPr algn="ctr"/>
-            <a:endParaRPr lang="en-US" dirty="0"/>
+            <a:endParaRPr lang="en-US"/>
+          </a:p>
+        </p:txBody>
+      </p:sp>
+      <p:sp>
+        <p:nvSpPr>
+          <p:cNvPr id="30" name="Freeform: Shape 29">
+            <a:extLst>
+              <a:ext uri="{FF2B5EF4-FFF2-40B4-BE49-F238E27FC236}">
+                <a16:creationId xmlns:a16="http://schemas.microsoft.com/office/drawing/2014/main" id="{5554DB88-1223-DCFE-61D7-3667E81961FD}"/>
+              </a:ext>
+            </a:extLst>
+          </p:cNvPr>
+          <p:cNvSpPr/>
+          <p:nvPr/>
+        </p:nvSpPr>
+        <p:spPr>
+          <a:xfrm>
+            <a:off x="8864190" y="3257266"/>
+            <a:ext cx="2486201" cy="181970"/>
+          </a:xfrm>
+          <a:custGeom>
+            <a:avLst/>
+            <a:gdLst>
+              <a:gd name="connsiteX0" fmla="*/ 6858 w 2486201"/>
+              <a:gd name="connsiteY0" fmla="*/ 181970 h 181970"/>
+              <a:gd name="connsiteX1" fmla="*/ 97843 w 2486201"/>
+              <a:gd name="connsiteY1" fmla="*/ 77337 h 181970"/>
+              <a:gd name="connsiteX2" fmla="*/ 689246 w 2486201"/>
+              <a:gd name="connsiteY2" fmla="*/ 27295 h 181970"/>
+              <a:gd name="connsiteX3" fmla="*/ 2486201 w 2486201"/>
+              <a:gd name="connsiteY3" fmla="*/ 0 h 181970"/>
+            </a:gdLst>
+            <a:ahLst/>
+            <a:cxnLst>
+              <a:cxn ang="0">
+                <a:pos x="connsiteX0" y="connsiteY0"/>
+              </a:cxn>
+              <a:cxn ang="0">
+                <a:pos x="connsiteX1" y="connsiteY1"/>
+              </a:cxn>
+              <a:cxn ang="0">
+                <a:pos x="connsiteX2" y="connsiteY2"/>
+              </a:cxn>
+              <a:cxn ang="0">
+                <a:pos x="connsiteX3" y="connsiteY3"/>
+              </a:cxn>
+            </a:cxnLst>
+            <a:rect l="l" t="t" r="r" b="b"/>
+            <a:pathLst>
+              <a:path w="2486201" h="181970">
+                <a:moveTo>
+                  <a:pt x="6858" y="181970"/>
+                </a:moveTo>
+                <a:cubicBezTo>
+                  <a:pt x="-4515" y="142543"/>
+                  <a:pt x="-15888" y="103116"/>
+                  <a:pt x="97843" y="77337"/>
+                </a:cubicBezTo>
+                <a:cubicBezTo>
+                  <a:pt x="211574" y="51558"/>
+                  <a:pt x="291186" y="40184"/>
+                  <a:pt x="689246" y="27295"/>
+                </a:cubicBezTo>
+                <a:cubicBezTo>
+                  <a:pt x="1087306" y="14406"/>
+                  <a:pt x="2162446" y="15922"/>
+                  <a:pt x="2486201" y="0"/>
+                </a:cubicBezTo>
+              </a:path>
+            </a:pathLst>
+          </a:custGeom>
+          <a:noFill/>
+          <a:ln>
+            <a:solidFill>
+              <a:srgbClr val="FFC000"/>
+            </a:solidFill>
+          </a:ln>
+        </p:spPr>
+        <p:style>
+          <a:lnRef idx="2">
+            <a:schemeClr val="accent1">
+              <a:shade val="50000"/>
+            </a:schemeClr>
+          </a:lnRef>
+          <a:fillRef idx="1">
+            <a:schemeClr val="accent1"/>
+          </a:fillRef>
+          <a:effectRef idx="0">
+            <a:schemeClr val="accent1"/>
+          </a:effectRef>
+          <a:fontRef idx="minor">
+            <a:schemeClr val="lt1"/>
+          </a:fontRef>
+        </p:style>
+        <p:txBody>
+          <a:bodyPr rtlCol="0" anchor="ctr"/>
+          <a:lstStyle/>
+          <a:p>
+            <a:pPr algn="ctr"/>
+            <a:endParaRPr lang="en-US"/>
+          </a:p>
+        </p:txBody>
+      </p:sp>
+      <p:sp>
+        <p:nvSpPr>
+          <p:cNvPr id="31" name="TextBox 30">
+            <a:extLst>
+              <a:ext uri="{FF2B5EF4-FFF2-40B4-BE49-F238E27FC236}">
+                <a16:creationId xmlns:a16="http://schemas.microsoft.com/office/drawing/2014/main" id="{E9DC279E-3037-CFB6-074E-9F8947387AA8}"/>
+              </a:ext>
+            </a:extLst>
+          </p:cNvPr>
+          <p:cNvSpPr txBox="1"/>
+          <p:nvPr/>
+        </p:nvSpPr>
+        <p:spPr>
+          <a:xfrm>
+            <a:off x="8835157" y="3490546"/>
+            <a:ext cx="2737261" cy="523220"/>
+          </a:xfrm>
+          <a:prstGeom prst="rect">
+            <a:avLst/>
+          </a:prstGeom>
+          <a:noFill/>
+        </p:spPr>
+        <p:txBody>
+          <a:bodyPr wrap="square" rtlCol="0">
+            <a:spAutoFit/>
+          </a:bodyPr>
+          <a:lstStyle/>
+          <a:p>
+            <a:r>
+              <a:rPr lang="en-US" sz="1400" dirty="0"/>
+              <a:t>Sonic line marked by </a:t>
+            </a:r>
+            <a:r>
+              <a:rPr lang="en-US" sz="1400" dirty="0">
+                <a:solidFill>
+                  <a:srgbClr val="FFC000"/>
+                </a:solidFill>
+              </a:rPr>
+              <a:t>orange</a:t>
+            </a:r>
+            <a:r>
+              <a:rPr lang="en-US" sz="1400" dirty="0"/>
+              <a:t> curve, no shock in subsonic flow</a:t>
+            </a:r>
+          </a:p>
+        </p:txBody>
+      </p:sp>
+      <p:sp>
+        <p:nvSpPr>
+          <p:cNvPr id="448" name="Freeform: Shape 447">
+            <a:extLst>
+              <a:ext uri="{FF2B5EF4-FFF2-40B4-BE49-F238E27FC236}">
+                <a16:creationId xmlns:a16="http://schemas.microsoft.com/office/drawing/2014/main" id="{2DC286EE-E4AE-6B73-8117-1D54528F8379}"/>
+              </a:ext>
+            </a:extLst>
+          </p:cNvPr>
+          <p:cNvSpPr/>
+          <p:nvPr/>
+        </p:nvSpPr>
+        <p:spPr>
+          <a:xfrm flipV="1">
+            <a:off x="6710189" y="716743"/>
+            <a:ext cx="5436317" cy="113460"/>
+          </a:xfrm>
+          <a:custGeom>
+            <a:avLst/>
+            <a:gdLst>
+              <a:gd name="connsiteX0" fmla="*/ 6858 w 2486201"/>
+              <a:gd name="connsiteY0" fmla="*/ 181970 h 181970"/>
+              <a:gd name="connsiteX1" fmla="*/ 97843 w 2486201"/>
+              <a:gd name="connsiteY1" fmla="*/ 77337 h 181970"/>
+              <a:gd name="connsiteX2" fmla="*/ 689246 w 2486201"/>
+              <a:gd name="connsiteY2" fmla="*/ 27295 h 181970"/>
+              <a:gd name="connsiteX3" fmla="*/ 2486201 w 2486201"/>
+              <a:gd name="connsiteY3" fmla="*/ 0 h 181970"/>
+            </a:gdLst>
+            <a:ahLst/>
+            <a:cxnLst>
+              <a:cxn ang="0">
+                <a:pos x="connsiteX0" y="connsiteY0"/>
+              </a:cxn>
+              <a:cxn ang="0">
+                <a:pos x="connsiteX1" y="connsiteY1"/>
+              </a:cxn>
+              <a:cxn ang="0">
+                <a:pos x="connsiteX2" y="connsiteY2"/>
+              </a:cxn>
+              <a:cxn ang="0">
+                <a:pos x="connsiteX3" y="connsiteY3"/>
+              </a:cxn>
+            </a:cxnLst>
+            <a:rect l="l" t="t" r="r" b="b"/>
+            <a:pathLst>
+              <a:path w="2486201" h="181970">
+                <a:moveTo>
+                  <a:pt x="6858" y="181970"/>
+                </a:moveTo>
+                <a:cubicBezTo>
+                  <a:pt x="-4515" y="142543"/>
+                  <a:pt x="-15888" y="103116"/>
+                  <a:pt x="97843" y="77337"/>
+                </a:cubicBezTo>
+                <a:cubicBezTo>
+                  <a:pt x="211574" y="51558"/>
+                  <a:pt x="291186" y="40184"/>
+                  <a:pt x="689246" y="27295"/>
+                </a:cubicBezTo>
+                <a:cubicBezTo>
+                  <a:pt x="1087306" y="14406"/>
+                  <a:pt x="2162446" y="15922"/>
+                  <a:pt x="2486201" y="0"/>
+                </a:cubicBezTo>
+              </a:path>
+            </a:pathLst>
+          </a:custGeom>
+          <a:noFill/>
+          <a:ln>
+            <a:solidFill>
+              <a:srgbClr val="FFC000"/>
+            </a:solidFill>
+          </a:ln>
+        </p:spPr>
+        <p:style>
+          <a:lnRef idx="2">
+            <a:schemeClr val="accent1">
+              <a:shade val="50000"/>
+            </a:schemeClr>
+          </a:lnRef>
+          <a:fillRef idx="1">
+            <a:schemeClr val="accent1"/>
+          </a:fillRef>
+          <a:effectRef idx="0">
+            <a:schemeClr val="accent1"/>
+          </a:effectRef>
+          <a:fontRef idx="minor">
+            <a:schemeClr val="lt1"/>
+          </a:fontRef>
+        </p:style>
+        <p:txBody>
+          <a:bodyPr rtlCol="0" anchor="ctr"/>
+          <a:lstStyle/>
+          <a:p>
+            <a:pPr algn="ctr"/>
+            <a:endParaRPr lang="en-US"/>
+          </a:p>
+        </p:txBody>
+      </p:sp>
+      <p:sp>
+        <p:nvSpPr>
+          <p:cNvPr id="466" name="TextBox 465">
+            <a:extLst>
+              <a:ext uri="{FF2B5EF4-FFF2-40B4-BE49-F238E27FC236}">
+                <a16:creationId xmlns:a16="http://schemas.microsoft.com/office/drawing/2014/main" id="{34EF0FEA-1C77-F7CB-E21D-83D5C993B1C5}"/>
+              </a:ext>
+            </a:extLst>
+          </p:cNvPr>
+          <p:cNvSpPr txBox="1"/>
+          <p:nvPr/>
+        </p:nvSpPr>
+        <p:spPr>
+          <a:xfrm>
+            <a:off x="5018387" y="4007034"/>
+            <a:ext cx="2737261" cy="307777"/>
+          </a:xfrm>
+          <a:prstGeom prst="rect">
+            <a:avLst/>
+          </a:prstGeom>
+          <a:noFill/>
+        </p:spPr>
+        <p:txBody>
+          <a:bodyPr wrap="square" rtlCol="0">
+            <a:spAutoFit/>
+          </a:bodyPr>
+          <a:lstStyle/>
+          <a:p>
+            <a:r>
+              <a:rPr lang="en-US" sz="1400" dirty="0"/>
+              <a:t>Talk about p1/</a:t>
+            </a:r>
+            <a:r>
+              <a:rPr lang="en-US" sz="1400"/>
+              <a:t>p3 instead of inverse</a:t>
+            </a:r>
+            <a:endParaRPr lang="en-US" sz="1400" dirty="0"/>
           </a:p>
         </p:txBody>
       </p:sp>
